--- a/Enterprise NSG Enforcement.pptx
+++ b/Enterprise NSG Enforcement.pptx
@@ -4,18 +4,27 @@
   <p:sldMasterIdLst>
     <p:sldMasterId id="2147483648" r:id="rId1"/>
   </p:sldMasterIdLst>
+  <p:notesMasterIdLst>
+    <p:notesMasterId r:id="rId19"/>
+  </p:notesMasterIdLst>
   <p:sldIdLst>
     <p:sldId id="268" r:id="rId2"/>
     <p:sldId id="275" r:id="rId3"/>
-    <p:sldId id="271" r:id="rId4"/>
-    <p:sldId id="266" r:id="rId5"/>
-    <p:sldId id="265" r:id="rId6"/>
-    <p:sldId id="267" r:id="rId7"/>
-    <p:sldId id="269" r:id="rId8"/>
-    <p:sldId id="270" r:id="rId9"/>
-    <p:sldId id="272" r:id="rId10"/>
-    <p:sldId id="273" r:id="rId11"/>
-    <p:sldId id="274" r:id="rId12"/>
+    <p:sldId id="280" r:id="rId4"/>
+    <p:sldId id="281" r:id="rId5"/>
+    <p:sldId id="271" r:id="rId6"/>
+    <p:sldId id="266" r:id="rId7"/>
+    <p:sldId id="265" r:id="rId8"/>
+    <p:sldId id="267" r:id="rId9"/>
+    <p:sldId id="269" r:id="rId10"/>
+    <p:sldId id="270" r:id="rId11"/>
+    <p:sldId id="272" r:id="rId12"/>
+    <p:sldId id="276" r:id="rId13"/>
+    <p:sldId id="277" r:id="rId14"/>
+    <p:sldId id="278" r:id="rId15"/>
+    <p:sldId id="279" r:id="rId16"/>
+    <p:sldId id="273" r:id="rId17"/>
+    <p:sldId id="274" r:id="rId18"/>
   </p:sldIdLst>
   <p:sldSz cx="12192000" cy="6858000"/>
   <p:notesSz cx="6858000" cy="9144000"/>
@@ -121,6 +130,8 @@
           <p14:sldIdLst>
             <p14:sldId id="268"/>
             <p14:sldId id="275"/>
+            <p14:sldId id="280"/>
+            <p14:sldId id="281"/>
           </p14:sldIdLst>
         </p14:section>
         <p14:section name="Older Approach" id="{010522A3-317D-4516-B54B-2ADF1911D6E1}">
@@ -136,6 +147,10 @@
         <p14:section name="Newer Approach" id="{B9BEEADC-DD20-42C2-B320-A506F167966B}">
           <p14:sldIdLst>
             <p14:sldId id="272"/>
+            <p14:sldId id="276"/>
+            <p14:sldId id="277"/>
+            <p14:sldId id="278"/>
+            <p14:sldId id="279"/>
             <p14:sldId id="273"/>
             <p14:sldId id="274"/>
           </p14:sldIdLst>
@@ -155,6 +170,442 @@
     <p1510:client id="{6305E289-09EB-44F9-BC56-64EFEB3C446E}" v="5" dt="2021-12-07T02:30:29.449"/>
   </p1510:revLst>
 </p1510:revInfo>
+</file>
+
+<file path=ppt/notesMasters/notesMaster1.xml><?xml version="1.0" encoding="utf-8"?>
+<p:notesMaster xmlns:a="http://schemas.openxmlformats.org/drawingml/2006/main" xmlns:r="http://schemas.openxmlformats.org/officeDocument/2006/relationships" xmlns:p="http://schemas.openxmlformats.org/presentationml/2006/main">
+  <p:cSld>
+    <p:bg>
+      <p:bgRef idx="1001">
+        <a:schemeClr val="bg1"/>
+      </p:bgRef>
+    </p:bg>
+    <p:spTree>
+      <p:nvGrpSpPr>
+        <p:cNvPr id="1" name=""/>
+        <p:cNvGrpSpPr/>
+        <p:nvPr/>
+      </p:nvGrpSpPr>
+      <p:grpSpPr>
+        <a:xfrm>
+          <a:off x="0" y="0"/>
+          <a:ext cx="0" cy="0"/>
+          <a:chOff x="0" y="0"/>
+          <a:chExt cx="0" cy="0"/>
+        </a:xfrm>
+      </p:grpSpPr>
+      <p:sp>
+        <p:nvSpPr>
+          <p:cNvPr id="2" name="Header Placeholder 1"/>
+          <p:cNvSpPr>
+            <a:spLocks noGrp="1"/>
+          </p:cNvSpPr>
+          <p:nvPr>
+            <p:ph type="hdr" sz="quarter"/>
+          </p:nvPr>
+        </p:nvSpPr>
+        <p:spPr>
+          <a:xfrm>
+            <a:off x="0" y="0"/>
+            <a:ext cx="2971800" cy="458788"/>
+          </a:xfrm>
+          <a:prstGeom prst="rect">
+            <a:avLst/>
+          </a:prstGeom>
+        </p:spPr>
+        <p:txBody>
+          <a:bodyPr vert="horz" lIns="91440" tIns="45720" rIns="91440" bIns="45720" rtlCol="0"/>
+          <a:lstStyle>
+            <a:lvl1pPr algn="l">
+              <a:defRPr sz="1200"/>
+            </a:lvl1pPr>
+          </a:lstStyle>
+          <a:p>
+            <a:endParaRPr lang="en-US"/>
+          </a:p>
+        </p:txBody>
+      </p:sp>
+      <p:sp>
+        <p:nvSpPr>
+          <p:cNvPr id="3" name="Date Placeholder 2"/>
+          <p:cNvSpPr>
+            <a:spLocks noGrp="1"/>
+          </p:cNvSpPr>
+          <p:nvPr>
+            <p:ph type="dt" idx="1"/>
+          </p:nvPr>
+        </p:nvSpPr>
+        <p:spPr>
+          <a:xfrm>
+            <a:off x="3884613" y="0"/>
+            <a:ext cx="2971800" cy="458788"/>
+          </a:xfrm>
+          <a:prstGeom prst="rect">
+            <a:avLst/>
+          </a:prstGeom>
+        </p:spPr>
+        <p:txBody>
+          <a:bodyPr vert="horz" lIns="91440" tIns="45720" rIns="91440" bIns="45720" rtlCol="0"/>
+          <a:lstStyle>
+            <a:lvl1pPr algn="r">
+              <a:defRPr sz="1200"/>
+            </a:lvl1pPr>
+          </a:lstStyle>
+          <a:p>
+            <a:fld id="{8517C3B0-DED5-4651-91DB-6E6E28947266}" type="datetimeFigureOut">
+              <a:rPr lang="en-US" smtClean="0"/>
+              <a:t>11/8/2022</a:t>
+            </a:fld>
+            <a:endParaRPr lang="en-US"/>
+          </a:p>
+        </p:txBody>
+      </p:sp>
+      <p:sp>
+        <p:nvSpPr>
+          <p:cNvPr id="4" name="Slide Image Placeholder 3"/>
+          <p:cNvSpPr>
+            <a:spLocks noGrp="1" noRot="1" noChangeAspect="1"/>
+          </p:cNvSpPr>
+          <p:nvPr>
+            <p:ph type="sldImg" idx="2"/>
+          </p:nvPr>
+        </p:nvSpPr>
+        <p:spPr>
+          <a:xfrm>
+            <a:off x="685800" y="1143000"/>
+            <a:ext cx="5486400" cy="3086100"/>
+          </a:xfrm>
+          <a:prstGeom prst="rect">
+            <a:avLst/>
+          </a:prstGeom>
+          <a:noFill/>
+          <a:ln w="12700">
+            <a:solidFill>
+              <a:prstClr val="black"/>
+            </a:solidFill>
+          </a:ln>
+        </p:spPr>
+        <p:txBody>
+          <a:bodyPr vert="horz" lIns="91440" tIns="45720" rIns="91440" bIns="45720" rtlCol="0" anchor="ctr"/>
+          <a:lstStyle/>
+          <a:p>
+            <a:endParaRPr lang="en-US"/>
+          </a:p>
+        </p:txBody>
+      </p:sp>
+      <p:sp>
+        <p:nvSpPr>
+          <p:cNvPr id="5" name="Notes Placeholder 4"/>
+          <p:cNvSpPr>
+            <a:spLocks noGrp="1"/>
+          </p:cNvSpPr>
+          <p:nvPr>
+            <p:ph type="body" sz="quarter" idx="3"/>
+          </p:nvPr>
+        </p:nvSpPr>
+        <p:spPr>
+          <a:xfrm>
+            <a:off x="685800" y="4400550"/>
+            <a:ext cx="5486400" cy="3600450"/>
+          </a:xfrm>
+          <a:prstGeom prst="rect">
+            <a:avLst/>
+          </a:prstGeom>
+        </p:spPr>
+        <p:txBody>
+          <a:bodyPr vert="horz" lIns="91440" tIns="45720" rIns="91440" bIns="45720" rtlCol="0"/>
+          <a:lstStyle/>
+          <a:p>
+            <a:pPr lvl="0"/>
+            <a:r>
+              <a:rPr lang="en-US"/>
+              <a:t>Click to edit Master text styles</a:t>
+            </a:r>
+          </a:p>
+          <a:p>
+            <a:pPr lvl="1"/>
+            <a:r>
+              <a:rPr lang="en-US"/>
+              <a:t>Second level</a:t>
+            </a:r>
+          </a:p>
+          <a:p>
+            <a:pPr lvl="2"/>
+            <a:r>
+              <a:rPr lang="en-US"/>
+              <a:t>Third level</a:t>
+            </a:r>
+          </a:p>
+          <a:p>
+            <a:pPr lvl="3"/>
+            <a:r>
+              <a:rPr lang="en-US"/>
+              <a:t>Fourth level</a:t>
+            </a:r>
+          </a:p>
+          <a:p>
+            <a:pPr lvl="4"/>
+            <a:r>
+              <a:rPr lang="en-US"/>
+              <a:t>Fifth level</a:t>
+            </a:r>
+          </a:p>
+        </p:txBody>
+      </p:sp>
+      <p:sp>
+        <p:nvSpPr>
+          <p:cNvPr id="6" name="Footer Placeholder 5"/>
+          <p:cNvSpPr>
+            <a:spLocks noGrp="1"/>
+          </p:cNvSpPr>
+          <p:nvPr>
+            <p:ph type="ftr" sz="quarter" idx="4"/>
+          </p:nvPr>
+        </p:nvSpPr>
+        <p:spPr>
+          <a:xfrm>
+            <a:off x="0" y="8685213"/>
+            <a:ext cx="2971800" cy="458787"/>
+          </a:xfrm>
+          <a:prstGeom prst="rect">
+            <a:avLst/>
+          </a:prstGeom>
+        </p:spPr>
+        <p:txBody>
+          <a:bodyPr vert="horz" lIns="91440" tIns="45720" rIns="91440" bIns="45720" rtlCol="0" anchor="b"/>
+          <a:lstStyle>
+            <a:lvl1pPr algn="l">
+              <a:defRPr sz="1200"/>
+            </a:lvl1pPr>
+          </a:lstStyle>
+          <a:p>
+            <a:endParaRPr lang="en-US"/>
+          </a:p>
+        </p:txBody>
+      </p:sp>
+      <p:sp>
+        <p:nvSpPr>
+          <p:cNvPr id="7" name="Slide Number Placeholder 6"/>
+          <p:cNvSpPr>
+            <a:spLocks noGrp="1"/>
+          </p:cNvSpPr>
+          <p:nvPr>
+            <p:ph type="sldNum" sz="quarter" idx="5"/>
+          </p:nvPr>
+        </p:nvSpPr>
+        <p:spPr>
+          <a:xfrm>
+            <a:off x="3884613" y="8685213"/>
+            <a:ext cx="2971800" cy="458787"/>
+          </a:xfrm>
+          <a:prstGeom prst="rect">
+            <a:avLst/>
+          </a:prstGeom>
+        </p:spPr>
+        <p:txBody>
+          <a:bodyPr vert="horz" lIns="91440" tIns="45720" rIns="91440" bIns="45720" rtlCol="0" anchor="b"/>
+          <a:lstStyle>
+            <a:lvl1pPr algn="r">
+              <a:defRPr sz="1200"/>
+            </a:lvl1pPr>
+          </a:lstStyle>
+          <a:p>
+            <a:fld id="{AB29A922-D007-4677-A6C2-2B4C84AB0DA9}" type="slidenum">
+              <a:rPr lang="en-US" smtClean="0"/>
+              <a:t>‹#›</a:t>
+            </a:fld>
+            <a:endParaRPr lang="en-US"/>
+          </a:p>
+        </p:txBody>
+      </p:sp>
+    </p:spTree>
+    <p:extLst>
+      <p:ext uri="{BB962C8B-B14F-4D97-AF65-F5344CB8AC3E}">
+        <p14:creationId xmlns:p14="http://schemas.microsoft.com/office/powerpoint/2010/main" val="2106521518"/>
+      </p:ext>
+    </p:extLst>
+  </p:cSld>
+  <p:clrMap bg1="lt1" tx1="dk1" bg2="lt2" tx2="dk2" accent1="accent1" accent2="accent2" accent3="accent3" accent4="accent4" accent5="accent5" accent6="accent6" hlink="hlink" folHlink="folHlink"/>
+  <p:notesStyle>
+    <a:lvl1pPr marL="0" algn="l" defTabSz="914400" rtl="0" eaLnBrk="1" latinLnBrk="0" hangingPunct="1">
+      <a:defRPr sz="1200" kern="1200">
+        <a:solidFill>
+          <a:schemeClr val="tx1"/>
+        </a:solidFill>
+        <a:latin typeface="+mn-lt"/>
+        <a:ea typeface="+mn-ea"/>
+        <a:cs typeface="+mn-cs"/>
+      </a:defRPr>
+    </a:lvl1pPr>
+    <a:lvl2pPr marL="457200" algn="l" defTabSz="914400" rtl="0" eaLnBrk="1" latinLnBrk="0" hangingPunct="1">
+      <a:defRPr sz="1200" kern="1200">
+        <a:solidFill>
+          <a:schemeClr val="tx1"/>
+        </a:solidFill>
+        <a:latin typeface="+mn-lt"/>
+        <a:ea typeface="+mn-ea"/>
+        <a:cs typeface="+mn-cs"/>
+      </a:defRPr>
+    </a:lvl2pPr>
+    <a:lvl3pPr marL="914400" algn="l" defTabSz="914400" rtl="0" eaLnBrk="1" latinLnBrk="0" hangingPunct="1">
+      <a:defRPr sz="1200" kern="1200">
+        <a:solidFill>
+          <a:schemeClr val="tx1"/>
+        </a:solidFill>
+        <a:latin typeface="+mn-lt"/>
+        <a:ea typeface="+mn-ea"/>
+        <a:cs typeface="+mn-cs"/>
+      </a:defRPr>
+    </a:lvl3pPr>
+    <a:lvl4pPr marL="1371600" algn="l" defTabSz="914400" rtl="0" eaLnBrk="1" latinLnBrk="0" hangingPunct="1">
+      <a:defRPr sz="1200" kern="1200">
+        <a:solidFill>
+          <a:schemeClr val="tx1"/>
+        </a:solidFill>
+        <a:latin typeface="+mn-lt"/>
+        <a:ea typeface="+mn-ea"/>
+        <a:cs typeface="+mn-cs"/>
+      </a:defRPr>
+    </a:lvl4pPr>
+    <a:lvl5pPr marL="1828800" algn="l" defTabSz="914400" rtl="0" eaLnBrk="1" latinLnBrk="0" hangingPunct="1">
+      <a:defRPr sz="1200" kern="1200">
+        <a:solidFill>
+          <a:schemeClr val="tx1"/>
+        </a:solidFill>
+        <a:latin typeface="+mn-lt"/>
+        <a:ea typeface="+mn-ea"/>
+        <a:cs typeface="+mn-cs"/>
+      </a:defRPr>
+    </a:lvl5pPr>
+    <a:lvl6pPr marL="2286000" algn="l" defTabSz="914400" rtl="0" eaLnBrk="1" latinLnBrk="0" hangingPunct="1">
+      <a:defRPr sz="1200" kern="1200">
+        <a:solidFill>
+          <a:schemeClr val="tx1"/>
+        </a:solidFill>
+        <a:latin typeface="+mn-lt"/>
+        <a:ea typeface="+mn-ea"/>
+        <a:cs typeface="+mn-cs"/>
+      </a:defRPr>
+    </a:lvl6pPr>
+    <a:lvl7pPr marL="2743200" algn="l" defTabSz="914400" rtl="0" eaLnBrk="1" latinLnBrk="0" hangingPunct="1">
+      <a:defRPr sz="1200" kern="1200">
+        <a:solidFill>
+          <a:schemeClr val="tx1"/>
+        </a:solidFill>
+        <a:latin typeface="+mn-lt"/>
+        <a:ea typeface="+mn-ea"/>
+        <a:cs typeface="+mn-cs"/>
+      </a:defRPr>
+    </a:lvl7pPr>
+    <a:lvl8pPr marL="3200400" algn="l" defTabSz="914400" rtl="0" eaLnBrk="1" latinLnBrk="0" hangingPunct="1">
+      <a:defRPr sz="1200" kern="1200">
+        <a:solidFill>
+          <a:schemeClr val="tx1"/>
+        </a:solidFill>
+        <a:latin typeface="+mn-lt"/>
+        <a:ea typeface="+mn-ea"/>
+        <a:cs typeface="+mn-cs"/>
+      </a:defRPr>
+    </a:lvl8pPr>
+    <a:lvl9pPr marL="3657600" algn="l" defTabSz="914400" rtl="0" eaLnBrk="1" latinLnBrk="0" hangingPunct="1">
+      <a:defRPr sz="1200" kern="1200">
+        <a:solidFill>
+          <a:schemeClr val="tx1"/>
+        </a:solidFill>
+        <a:latin typeface="+mn-lt"/>
+        <a:ea typeface="+mn-ea"/>
+        <a:cs typeface="+mn-cs"/>
+      </a:defRPr>
+    </a:lvl9pPr>
+  </p:notesStyle>
+</p:notesMaster>
+</file>
+
+<file path=ppt/notesSlides/notesSlide1.xml><?xml version="1.0" encoding="utf-8"?>
+<p:notes xmlns:a="http://schemas.openxmlformats.org/drawingml/2006/main" xmlns:r="http://schemas.openxmlformats.org/officeDocument/2006/relationships" xmlns:p="http://schemas.openxmlformats.org/presentationml/2006/main">
+  <p:cSld>
+    <p:spTree>
+      <p:nvGrpSpPr>
+        <p:cNvPr id="1" name=""/>
+        <p:cNvGrpSpPr/>
+        <p:nvPr/>
+      </p:nvGrpSpPr>
+      <p:grpSpPr>
+        <a:xfrm>
+          <a:off x="0" y="0"/>
+          <a:ext cx="0" cy="0"/>
+          <a:chOff x="0" y="0"/>
+          <a:chExt cx="0" cy="0"/>
+        </a:xfrm>
+      </p:grpSpPr>
+      <p:sp>
+        <p:nvSpPr>
+          <p:cNvPr id="2" name="Slide Image Placeholder 1"/>
+          <p:cNvSpPr>
+            <a:spLocks noGrp="1" noRot="1" noChangeAspect="1"/>
+          </p:cNvSpPr>
+          <p:nvPr>
+            <p:ph type="sldImg"/>
+          </p:nvPr>
+        </p:nvSpPr>
+        <p:spPr/>
+      </p:sp>
+      <p:sp>
+        <p:nvSpPr>
+          <p:cNvPr id="3" name="Notes Placeholder 2"/>
+          <p:cNvSpPr>
+            <a:spLocks noGrp="1"/>
+          </p:cNvSpPr>
+          <p:nvPr>
+            <p:ph type="body" idx="1"/>
+          </p:nvPr>
+        </p:nvSpPr>
+        <p:spPr/>
+        <p:txBody>
+          <a:bodyPr/>
+          <a:lstStyle/>
+          <a:p>
+            <a:r>
+              <a:rPr lang="en-US" dirty="0"/>
+              <a:t>https://learn.microsoft.com/en-us/azure/virtual-network-manager/concept-security-admins#protect-high-risk-ports</a:t>
+            </a:r>
+          </a:p>
+        </p:txBody>
+      </p:sp>
+      <p:sp>
+        <p:nvSpPr>
+          <p:cNvPr id="4" name="Slide Number Placeholder 3"/>
+          <p:cNvSpPr>
+            <a:spLocks noGrp="1"/>
+          </p:cNvSpPr>
+          <p:nvPr>
+            <p:ph type="sldNum" sz="quarter" idx="5"/>
+          </p:nvPr>
+        </p:nvSpPr>
+        <p:spPr/>
+        <p:txBody>
+          <a:bodyPr/>
+          <a:lstStyle/>
+          <a:p>
+            <a:fld id="{AB29A922-D007-4677-A6C2-2B4C84AB0DA9}" type="slidenum">
+              <a:rPr lang="en-US" smtClean="0"/>
+              <a:t>14</a:t>
+            </a:fld>
+            <a:endParaRPr lang="en-US"/>
+          </a:p>
+        </p:txBody>
+      </p:sp>
+    </p:spTree>
+    <p:extLst>
+      <p:ext uri="{BB962C8B-B14F-4D97-AF65-F5344CB8AC3E}">
+        <p14:creationId xmlns:p14="http://schemas.microsoft.com/office/powerpoint/2010/main" val="3070584709"/>
+      </p:ext>
+    </p:extLst>
+  </p:cSld>
+  <p:clrMapOvr>
+    <a:masterClrMapping/>
+  </p:clrMapOvr>
+</p:notes>
 </file>
 
 <file path=ppt/slideLayouts/slideLayout1.xml><?xml version="1.0" encoding="utf-8"?>
@@ -304,7 +755,7 @@
           <a:p>
             <a:fld id="{229C837E-DE08-47C9-AA71-E101B7812285}" type="datetimeFigureOut">
               <a:rPr lang="en-US" smtClean="0"/>
-              <a:t>12/10/2021</a:t>
+              <a:t>11/8/2022</a:t>
             </a:fld>
             <a:endParaRPr lang="en-US"/>
           </a:p>
@@ -502,7 +953,7 @@
           <a:p>
             <a:fld id="{229C837E-DE08-47C9-AA71-E101B7812285}" type="datetimeFigureOut">
               <a:rPr lang="en-US" smtClean="0"/>
-              <a:t>12/10/2021</a:t>
+              <a:t>11/8/2022</a:t>
             </a:fld>
             <a:endParaRPr lang="en-US"/>
           </a:p>
@@ -710,7 +1161,7 @@
           <a:p>
             <a:fld id="{229C837E-DE08-47C9-AA71-E101B7812285}" type="datetimeFigureOut">
               <a:rPr lang="en-US" smtClean="0"/>
-              <a:t>12/10/2021</a:t>
+              <a:t>11/8/2022</a:t>
             </a:fld>
             <a:endParaRPr lang="en-US"/>
           </a:p>
@@ -908,7 +1359,7 @@
           <a:p>
             <a:fld id="{229C837E-DE08-47C9-AA71-E101B7812285}" type="datetimeFigureOut">
               <a:rPr lang="en-US" smtClean="0"/>
-              <a:t>12/10/2021</a:t>
+              <a:t>11/8/2022</a:t>
             </a:fld>
             <a:endParaRPr lang="en-US"/>
           </a:p>
@@ -1183,7 +1634,7 @@
           <a:p>
             <a:fld id="{229C837E-DE08-47C9-AA71-E101B7812285}" type="datetimeFigureOut">
               <a:rPr lang="en-US" smtClean="0"/>
-              <a:t>12/10/2021</a:t>
+              <a:t>11/8/2022</a:t>
             </a:fld>
             <a:endParaRPr lang="en-US"/>
           </a:p>
@@ -1448,7 +1899,7 @@
           <a:p>
             <a:fld id="{229C837E-DE08-47C9-AA71-E101B7812285}" type="datetimeFigureOut">
               <a:rPr lang="en-US" smtClean="0"/>
-              <a:t>12/10/2021</a:t>
+              <a:t>11/8/2022</a:t>
             </a:fld>
             <a:endParaRPr lang="en-US"/>
           </a:p>
@@ -1860,7 +2311,7 @@
           <a:p>
             <a:fld id="{229C837E-DE08-47C9-AA71-E101B7812285}" type="datetimeFigureOut">
               <a:rPr lang="en-US" smtClean="0"/>
-              <a:t>12/10/2021</a:t>
+              <a:t>11/8/2022</a:t>
             </a:fld>
             <a:endParaRPr lang="en-US"/>
           </a:p>
@@ -2001,7 +2452,7 @@
           <a:p>
             <a:fld id="{229C837E-DE08-47C9-AA71-E101B7812285}" type="datetimeFigureOut">
               <a:rPr lang="en-US" smtClean="0"/>
-              <a:t>12/10/2021</a:t>
+              <a:t>11/8/2022</a:t>
             </a:fld>
             <a:endParaRPr lang="en-US"/>
           </a:p>
@@ -2114,7 +2565,7 @@
           <a:p>
             <a:fld id="{229C837E-DE08-47C9-AA71-E101B7812285}" type="datetimeFigureOut">
               <a:rPr lang="en-US" smtClean="0"/>
-              <a:t>12/10/2021</a:t>
+              <a:t>11/8/2022</a:t>
             </a:fld>
             <a:endParaRPr lang="en-US"/>
           </a:p>
@@ -2425,7 +2876,7 @@
           <a:p>
             <a:fld id="{229C837E-DE08-47C9-AA71-E101B7812285}" type="datetimeFigureOut">
               <a:rPr lang="en-US" smtClean="0"/>
-              <a:t>12/10/2021</a:t>
+              <a:t>11/8/2022</a:t>
             </a:fld>
             <a:endParaRPr lang="en-US"/>
           </a:p>
@@ -2713,7 +3164,7 @@
           <a:p>
             <a:fld id="{229C837E-DE08-47C9-AA71-E101B7812285}" type="datetimeFigureOut">
               <a:rPr lang="en-US" smtClean="0"/>
-              <a:t>12/10/2021</a:t>
+              <a:t>11/8/2022</a:t>
             </a:fld>
             <a:endParaRPr lang="en-US"/>
           </a:p>
@@ -2954,7 +3405,7 @@
           <a:p>
             <a:fld id="{229C837E-DE08-47C9-AA71-E101B7812285}" type="datetimeFigureOut">
               <a:rPr lang="en-US" smtClean="0"/>
-              <a:t>12/10/2021</a:t>
+              <a:t>11/8/2022</a:t>
             </a:fld>
             <a:endParaRPr lang="en-US"/>
           </a:p>
@@ -3553,6 +4004,3862 @@
       </p:grpSpPr>
       <p:sp>
         <p:nvSpPr>
+          <p:cNvPr id="2" name="Title 1">
+            <a:extLst>
+              <a:ext uri="{FF2B5EF4-FFF2-40B4-BE49-F238E27FC236}">
+                <a16:creationId xmlns:a16="http://schemas.microsoft.com/office/drawing/2014/main" id="{C434D278-92A4-45A2-86BE-FE69C14E543E}"/>
+              </a:ext>
+            </a:extLst>
+          </p:cNvPr>
+          <p:cNvSpPr>
+            <a:spLocks noGrp="1"/>
+          </p:cNvSpPr>
+          <p:nvPr>
+            <p:ph type="title"/>
+          </p:nvPr>
+        </p:nvSpPr>
+        <p:spPr/>
+        <p:txBody>
+          <a:bodyPr/>
+          <a:lstStyle/>
+          <a:p>
+            <a:pPr algn="ctr"/>
+            <a:r>
+              <a:rPr lang="en-US" dirty="0">
+                <a:hlinkClick r:id="rId2"/>
+              </a:rPr>
+              <a:t>Network Security Dashboard</a:t>
+            </a:r>
+            <a:endParaRPr lang="en-US" dirty="0"/>
+          </a:p>
+        </p:txBody>
+      </p:sp>
+      <p:pic>
+        <p:nvPicPr>
+          <p:cNvPr id="5" name="Picture 4">
+            <a:extLst>
+              <a:ext uri="{FF2B5EF4-FFF2-40B4-BE49-F238E27FC236}">
+                <a16:creationId xmlns:a16="http://schemas.microsoft.com/office/drawing/2014/main" id="{DCF77CA5-153A-411D-ACEB-728458C567BD}"/>
+              </a:ext>
+            </a:extLst>
+          </p:cNvPr>
+          <p:cNvPicPr>
+            <a:picLocks noChangeAspect="1"/>
+          </p:cNvPicPr>
+          <p:nvPr/>
+        </p:nvPicPr>
+        <p:blipFill>
+          <a:blip r:embed="rId3"/>
+          <a:stretch>
+            <a:fillRect/>
+          </a:stretch>
+        </p:blipFill>
+        <p:spPr>
+          <a:xfrm>
+            <a:off x="1260763" y="1690688"/>
+            <a:ext cx="9670473" cy="4713555"/>
+          </a:xfrm>
+          <a:prstGeom prst="rect">
+            <a:avLst/>
+          </a:prstGeom>
+        </p:spPr>
+      </p:pic>
+    </p:spTree>
+    <p:extLst>
+      <p:ext uri="{BB962C8B-B14F-4D97-AF65-F5344CB8AC3E}">
+        <p14:creationId xmlns:p14="http://schemas.microsoft.com/office/powerpoint/2010/main" val="1344935971"/>
+      </p:ext>
+    </p:extLst>
+  </p:cSld>
+  <p:clrMapOvr>
+    <a:masterClrMapping/>
+  </p:clrMapOvr>
+</p:sld>
+</file>
+
+<file path=ppt/slides/slide11.xml><?xml version="1.0" encoding="utf-8"?>
+<p:sld xmlns:a="http://schemas.openxmlformats.org/drawingml/2006/main" xmlns:r="http://schemas.openxmlformats.org/officeDocument/2006/relationships" xmlns:p="http://schemas.openxmlformats.org/presentationml/2006/main">
+  <p:cSld>
+    <p:spTree>
+      <p:nvGrpSpPr>
+        <p:cNvPr id="1" name=""/>
+        <p:cNvGrpSpPr/>
+        <p:nvPr/>
+      </p:nvGrpSpPr>
+      <p:grpSpPr>
+        <a:xfrm>
+          <a:off x="0" y="0"/>
+          <a:ext cx="0" cy="0"/>
+          <a:chOff x="0" y="0"/>
+          <a:chExt cx="0" cy="0"/>
+        </a:xfrm>
+      </p:grpSpPr>
+      <p:sp>
+        <p:nvSpPr>
+          <p:cNvPr id="2" name="Title 1">
+            <a:extLst>
+              <a:ext uri="{FF2B5EF4-FFF2-40B4-BE49-F238E27FC236}">
+                <a16:creationId xmlns:a16="http://schemas.microsoft.com/office/drawing/2014/main" id="{798FA10A-7E18-4971-B1CB-C7736120E680}"/>
+              </a:ext>
+            </a:extLst>
+          </p:cNvPr>
+          <p:cNvSpPr>
+            <a:spLocks noGrp="1"/>
+          </p:cNvSpPr>
+          <p:nvPr>
+            <p:ph type="title"/>
+          </p:nvPr>
+        </p:nvSpPr>
+        <p:spPr/>
+        <p:txBody>
+          <a:bodyPr/>
+          <a:lstStyle/>
+          <a:p>
+            <a:r>
+              <a:rPr lang="en-US" dirty="0"/>
+              <a:t>Introducing Azure Virtual Network Manager (AVNM) – </a:t>
+            </a:r>
+            <a:r>
+              <a:rPr lang="en-US" dirty="0">
+                <a:hlinkClick r:id="rId2"/>
+              </a:rPr>
+              <a:t>Security Admins</a:t>
+            </a:r>
+            <a:endParaRPr lang="en-US" dirty="0"/>
+          </a:p>
+        </p:txBody>
+      </p:sp>
+      <p:pic>
+        <p:nvPicPr>
+          <p:cNvPr id="3" name="Picture 2">
+            <a:extLst>
+              <a:ext uri="{FF2B5EF4-FFF2-40B4-BE49-F238E27FC236}">
+                <a16:creationId xmlns:a16="http://schemas.microsoft.com/office/drawing/2014/main" id="{816E0DA8-74BF-18F1-586F-74A3760459B4}"/>
+              </a:ext>
+            </a:extLst>
+          </p:cNvPr>
+          <p:cNvPicPr>
+            <a:picLocks noChangeAspect="1"/>
+          </p:cNvPicPr>
+          <p:nvPr/>
+        </p:nvPicPr>
+        <p:blipFill>
+          <a:blip r:embed="rId3"/>
+          <a:stretch>
+            <a:fillRect/>
+          </a:stretch>
+        </p:blipFill>
+        <p:spPr>
+          <a:xfrm>
+            <a:off x="0" y="3021787"/>
+            <a:ext cx="12192000" cy="3235397"/>
+          </a:xfrm>
+          <a:prstGeom prst="rect">
+            <a:avLst/>
+          </a:prstGeom>
+        </p:spPr>
+      </p:pic>
+    </p:spTree>
+    <p:extLst>
+      <p:ext uri="{BB962C8B-B14F-4D97-AF65-F5344CB8AC3E}">
+        <p14:creationId xmlns:p14="http://schemas.microsoft.com/office/powerpoint/2010/main" val="3849488672"/>
+      </p:ext>
+    </p:extLst>
+  </p:cSld>
+  <p:clrMapOvr>
+    <a:masterClrMapping/>
+  </p:clrMapOvr>
+</p:sld>
+</file>
+
+<file path=ppt/slides/slide12.xml><?xml version="1.0" encoding="utf-8"?>
+<p:sld xmlns:a="http://schemas.openxmlformats.org/drawingml/2006/main" xmlns:r="http://schemas.openxmlformats.org/officeDocument/2006/relationships" xmlns:p="http://schemas.openxmlformats.org/presentationml/2006/main">
+  <p:cSld>
+    <p:spTree>
+      <p:nvGrpSpPr>
+        <p:cNvPr id="1" name=""/>
+        <p:cNvGrpSpPr/>
+        <p:nvPr/>
+      </p:nvGrpSpPr>
+      <p:grpSpPr>
+        <a:xfrm>
+          <a:off x="0" y="0"/>
+          <a:ext cx="0" cy="0"/>
+          <a:chOff x="0" y="0"/>
+          <a:chExt cx="0" cy="0"/>
+        </a:xfrm>
+      </p:grpSpPr>
+      <p:sp>
+        <p:nvSpPr>
+          <p:cNvPr id="2" name="Title 1">
+            <a:extLst>
+              <a:ext uri="{FF2B5EF4-FFF2-40B4-BE49-F238E27FC236}">
+                <a16:creationId xmlns:a16="http://schemas.microsoft.com/office/drawing/2014/main" id="{CB8332D1-6A52-3CA7-E120-2111B58F8E52}"/>
+              </a:ext>
+            </a:extLst>
+          </p:cNvPr>
+          <p:cNvSpPr>
+            <a:spLocks noGrp="1"/>
+          </p:cNvSpPr>
+          <p:nvPr>
+            <p:ph type="title"/>
+          </p:nvPr>
+        </p:nvSpPr>
+        <p:spPr/>
+        <p:txBody>
+          <a:bodyPr>
+            <a:normAutofit/>
+          </a:bodyPr>
+          <a:lstStyle/>
+          <a:p>
+            <a:r>
+              <a:rPr lang="en-US" b="1" i="0" dirty="0">
+                <a:solidFill>
+                  <a:srgbClr val="171717"/>
+                </a:solidFill>
+                <a:effectLst/>
+                <a:latin typeface="Segoe UI" panose="020B0502040204020203" pitchFamily="34" charset="0"/>
+              </a:rPr>
+              <a:t>Enforcement and flexibility in practice</a:t>
+            </a:r>
+            <a:endParaRPr lang="en-US" dirty="0"/>
+          </a:p>
+        </p:txBody>
+      </p:sp>
+      <p:pic>
+        <p:nvPicPr>
+          <p:cNvPr id="1026" name="Picture 2" descr="Diagram of security admin rules enforcement with network security groups.">
+            <a:extLst>
+              <a:ext uri="{FF2B5EF4-FFF2-40B4-BE49-F238E27FC236}">
+                <a16:creationId xmlns:a16="http://schemas.microsoft.com/office/drawing/2014/main" id="{5B1A6357-91CD-265A-F606-4B69F71F0CD6}"/>
+              </a:ext>
+            </a:extLst>
+          </p:cNvPr>
+          <p:cNvPicPr>
+            <a:picLocks noGrp="1" noChangeAspect="1" noChangeArrowheads="1"/>
+          </p:cNvPicPr>
+          <p:nvPr>
+            <p:ph idx="1"/>
+          </p:nvPr>
+        </p:nvPicPr>
+        <p:blipFill>
+          <a:blip r:embed="rId2">
+            <a:extLst>
+              <a:ext uri="{28A0092B-C50C-407E-A947-70E740481C1C}">
+                <a14:useLocalDpi xmlns:a14="http://schemas.microsoft.com/office/drawing/2010/main" val="0"/>
+              </a:ext>
+            </a:extLst>
+          </a:blip>
+          <a:srcRect/>
+          <a:stretch>
+            <a:fillRect/>
+          </a:stretch>
+        </p:blipFill>
+        <p:spPr bwMode="auto">
+          <a:xfrm>
+            <a:off x="2143727" y="1361603"/>
+            <a:ext cx="7904546" cy="5496397"/>
+          </a:xfrm>
+          <a:prstGeom prst="rect">
+            <a:avLst/>
+          </a:prstGeom>
+          <a:noFill/>
+          <a:extLst>
+            <a:ext uri="{909E8E84-426E-40DD-AFC4-6F175D3DCCD1}">
+              <a14:hiddenFill xmlns:a14="http://schemas.microsoft.com/office/drawing/2010/main">
+                <a:solidFill>
+                  <a:srgbClr val="FFFFFF"/>
+                </a:solidFill>
+              </a14:hiddenFill>
+            </a:ext>
+          </a:extLst>
+        </p:spPr>
+      </p:pic>
+    </p:spTree>
+    <p:extLst>
+      <p:ext uri="{BB962C8B-B14F-4D97-AF65-F5344CB8AC3E}">
+        <p14:creationId xmlns:p14="http://schemas.microsoft.com/office/powerpoint/2010/main" val="2444111433"/>
+      </p:ext>
+    </p:extLst>
+  </p:cSld>
+  <p:clrMapOvr>
+    <a:masterClrMapping/>
+  </p:clrMapOvr>
+</p:sld>
+</file>
+
+<file path=ppt/slides/slide13.xml><?xml version="1.0" encoding="utf-8"?>
+<p:sld xmlns:a="http://schemas.openxmlformats.org/drawingml/2006/main" xmlns:r="http://schemas.openxmlformats.org/officeDocument/2006/relationships" xmlns:p="http://schemas.openxmlformats.org/presentationml/2006/main">
+  <p:cSld>
+    <p:spTree>
+      <p:nvGrpSpPr>
+        <p:cNvPr id="1" name=""/>
+        <p:cNvGrpSpPr/>
+        <p:nvPr/>
+      </p:nvGrpSpPr>
+      <p:grpSpPr>
+        <a:xfrm>
+          <a:off x="0" y="0"/>
+          <a:ext cx="0" cy="0"/>
+          <a:chOff x="0" y="0"/>
+          <a:chExt cx="0" cy="0"/>
+        </a:xfrm>
+      </p:grpSpPr>
+      <p:sp>
+        <p:nvSpPr>
+          <p:cNvPr id="2" name="Title 1">
+            <a:extLst>
+              <a:ext uri="{FF2B5EF4-FFF2-40B4-BE49-F238E27FC236}">
+                <a16:creationId xmlns:a16="http://schemas.microsoft.com/office/drawing/2014/main" id="{9B0B5D4D-4E5F-5881-9554-1B630E1C285A}"/>
+              </a:ext>
+            </a:extLst>
+          </p:cNvPr>
+          <p:cNvSpPr>
+            <a:spLocks noGrp="1"/>
+          </p:cNvSpPr>
+          <p:nvPr>
+            <p:ph type="title"/>
+          </p:nvPr>
+        </p:nvSpPr>
+        <p:spPr/>
+        <p:txBody>
+          <a:bodyPr/>
+          <a:lstStyle/>
+          <a:p>
+            <a:r>
+              <a:rPr lang="en-US" dirty="0"/>
+              <a:t>Deployment Steps</a:t>
+            </a:r>
+          </a:p>
+        </p:txBody>
+      </p:sp>
+      <p:sp>
+        <p:nvSpPr>
+          <p:cNvPr id="3" name="Content Placeholder 2">
+            <a:extLst>
+              <a:ext uri="{FF2B5EF4-FFF2-40B4-BE49-F238E27FC236}">
+                <a16:creationId xmlns:a16="http://schemas.microsoft.com/office/drawing/2014/main" id="{B49F51CB-7F23-D529-6A64-C05781393E63}"/>
+              </a:ext>
+            </a:extLst>
+          </p:cNvPr>
+          <p:cNvSpPr>
+            <a:spLocks noGrp="1"/>
+          </p:cNvSpPr>
+          <p:nvPr>
+            <p:ph idx="1"/>
+          </p:nvPr>
+        </p:nvSpPr>
+        <p:spPr/>
+        <p:txBody>
+          <a:bodyPr>
+            <a:normAutofit fontScale="92500"/>
+          </a:bodyPr>
+          <a:lstStyle/>
+          <a:p>
+            <a:pPr marL="514350" indent="-514350">
+              <a:buFont typeface="+mj-lt"/>
+              <a:buAutoNum type="arabicPeriod"/>
+            </a:pPr>
+            <a:r>
+              <a:rPr lang="en-US" b="1" i="0" dirty="0">
+                <a:solidFill>
+                  <a:srgbClr val="171717"/>
+                </a:solidFill>
+                <a:effectLst/>
+                <a:latin typeface="Segoe UI" panose="020B0502040204020203" pitchFamily="34" charset="0"/>
+              </a:rPr>
+              <a:t>Create a network manager instance</a:t>
+            </a:r>
+          </a:p>
+          <a:p>
+            <a:pPr lvl="1">
+              <a:buFont typeface="Wingdings" panose="05000000000000000000" pitchFamily="2" charset="2"/>
+              <a:buChar char="Ø"/>
+            </a:pPr>
+            <a:r>
+              <a:rPr lang="en-US" b="0" i="0" dirty="0">
+                <a:solidFill>
+                  <a:srgbClr val="171717"/>
+                </a:solidFill>
+                <a:effectLst/>
+                <a:latin typeface="Segoe UI" panose="020B0502040204020203" pitchFamily="34" charset="0"/>
+              </a:rPr>
+              <a:t>create a network manager with the root management group</a:t>
+            </a:r>
+            <a:endParaRPr lang="en-US" b="1" i="0" dirty="0">
+              <a:solidFill>
+                <a:srgbClr val="171717"/>
+              </a:solidFill>
+              <a:effectLst/>
+              <a:latin typeface="Segoe UI" panose="020B0502040204020203" pitchFamily="34" charset="0"/>
+            </a:endParaRPr>
+          </a:p>
+          <a:p>
+            <a:pPr marL="514350" indent="-514350">
+              <a:buFont typeface="+mj-lt"/>
+              <a:buAutoNum type="arabicPeriod"/>
+            </a:pPr>
+            <a:r>
+              <a:rPr lang="en-US" b="1" i="0" dirty="0">
+                <a:solidFill>
+                  <a:srgbClr val="171717"/>
+                </a:solidFill>
+                <a:effectLst/>
+                <a:latin typeface="Segoe UI" panose="020B0502040204020203" pitchFamily="34" charset="0"/>
+              </a:rPr>
+              <a:t>Create network groups for </a:t>
+            </a:r>
+            <a:r>
+              <a:rPr lang="en-US" b="1" i="0" dirty="0" err="1">
+                <a:solidFill>
+                  <a:srgbClr val="171717"/>
+                </a:solidFill>
+                <a:effectLst/>
+                <a:latin typeface="Segoe UI" panose="020B0502040204020203" pitchFamily="34" charset="0"/>
+              </a:rPr>
+              <a:t>Vnets</a:t>
+            </a:r>
+            <a:endParaRPr lang="en-US" b="1" i="0" dirty="0">
+              <a:solidFill>
+                <a:srgbClr val="171717"/>
+              </a:solidFill>
+              <a:effectLst/>
+              <a:latin typeface="Segoe UI" panose="020B0502040204020203" pitchFamily="34" charset="0"/>
+            </a:endParaRPr>
+          </a:p>
+          <a:p>
+            <a:pPr lvl="1">
+              <a:buFont typeface="Wingdings" panose="05000000000000000000" pitchFamily="2" charset="2"/>
+              <a:buChar char="Ø"/>
+            </a:pPr>
+            <a:r>
+              <a:rPr lang="en-US" b="0" i="1" dirty="0">
+                <a:solidFill>
+                  <a:srgbClr val="171717"/>
+                </a:solidFill>
+                <a:effectLst/>
+                <a:latin typeface="Segoe UI" panose="020B0502040204020203" pitchFamily="34" charset="0"/>
+              </a:rPr>
+              <a:t>“ALL network group”</a:t>
+            </a:r>
+            <a:r>
+              <a:rPr lang="en-US" b="0" i="0" dirty="0">
+                <a:solidFill>
+                  <a:srgbClr val="171717"/>
+                </a:solidFill>
+                <a:effectLst/>
+                <a:latin typeface="Segoe UI" panose="020B0502040204020203" pitchFamily="34" charset="0"/>
+              </a:rPr>
+              <a:t> consisting of all the </a:t>
+            </a:r>
+            <a:r>
+              <a:rPr lang="en-US" b="0" i="0" dirty="0" err="1">
+                <a:solidFill>
+                  <a:srgbClr val="171717"/>
+                </a:solidFill>
+                <a:effectLst/>
+                <a:latin typeface="Segoe UI" panose="020B0502040204020203" pitchFamily="34" charset="0"/>
+              </a:rPr>
+              <a:t>VNets</a:t>
+            </a:r>
+            <a:r>
+              <a:rPr lang="en-US" b="0" i="0" dirty="0">
+                <a:solidFill>
+                  <a:srgbClr val="171717"/>
+                </a:solidFill>
+                <a:effectLst/>
+                <a:latin typeface="Segoe UI" panose="020B0502040204020203" pitchFamily="34" charset="0"/>
+              </a:rPr>
+              <a:t> in the organization</a:t>
+            </a:r>
+            <a:endParaRPr lang="en-US" b="1" dirty="0">
+              <a:solidFill>
+                <a:srgbClr val="171717"/>
+              </a:solidFill>
+              <a:latin typeface="Segoe UI" panose="020B0502040204020203" pitchFamily="34" charset="0"/>
+            </a:endParaRPr>
+          </a:p>
+          <a:p>
+            <a:pPr lvl="1">
+              <a:buFont typeface="Wingdings" panose="05000000000000000000" pitchFamily="2" charset="2"/>
+              <a:buChar char="Ø"/>
+            </a:pPr>
+            <a:r>
+              <a:rPr lang="en-US" b="0" i="1" dirty="0">
+                <a:solidFill>
+                  <a:srgbClr val="171717"/>
+                </a:solidFill>
+                <a:effectLst/>
+                <a:latin typeface="Segoe UI" panose="020B0502040204020203" pitchFamily="34" charset="0"/>
+              </a:rPr>
+              <a:t>“App network group” </a:t>
+            </a:r>
+            <a:r>
+              <a:rPr lang="en-US" b="0" i="0" dirty="0">
+                <a:solidFill>
+                  <a:srgbClr val="171717"/>
+                </a:solidFill>
+                <a:effectLst/>
+                <a:latin typeface="Segoe UI" panose="020B0502040204020203" pitchFamily="34" charset="0"/>
+              </a:rPr>
+              <a:t>consisting of </a:t>
+            </a:r>
+            <a:r>
+              <a:rPr lang="en-US" b="0" i="0" dirty="0" err="1">
+                <a:solidFill>
+                  <a:srgbClr val="171717"/>
+                </a:solidFill>
+                <a:effectLst/>
+                <a:latin typeface="Segoe UI" panose="020B0502040204020203" pitchFamily="34" charset="0"/>
+              </a:rPr>
+              <a:t>VNets</a:t>
+            </a:r>
+            <a:r>
+              <a:rPr lang="en-US" b="0" i="0" dirty="0">
+                <a:solidFill>
+                  <a:srgbClr val="171717"/>
+                </a:solidFill>
+                <a:effectLst/>
+                <a:latin typeface="Segoe UI" panose="020B0502040204020203" pitchFamily="34" charset="0"/>
+              </a:rPr>
+              <a:t> for the application needing an exception</a:t>
+            </a:r>
+            <a:endParaRPr lang="en-US" b="1" i="0" dirty="0">
+              <a:solidFill>
+                <a:srgbClr val="171717"/>
+              </a:solidFill>
+              <a:effectLst/>
+              <a:latin typeface="Segoe UI" panose="020B0502040204020203" pitchFamily="34" charset="0"/>
+            </a:endParaRPr>
+          </a:p>
+          <a:p>
+            <a:pPr marL="514350" indent="-514350">
+              <a:buFont typeface="+mj-lt"/>
+              <a:buAutoNum type="arabicPeriod"/>
+            </a:pPr>
+            <a:r>
+              <a:rPr lang="en-US" b="1" i="0" dirty="0">
+                <a:solidFill>
+                  <a:srgbClr val="171717"/>
+                </a:solidFill>
+                <a:effectLst/>
+                <a:latin typeface="Segoe UI" panose="020B0502040204020203" pitchFamily="34" charset="0"/>
+              </a:rPr>
+              <a:t>Create a security admin configuration</a:t>
+            </a:r>
+          </a:p>
+          <a:p>
+            <a:pPr lvl="1">
+              <a:buFont typeface="Wingdings" panose="05000000000000000000" pitchFamily="2" charset="2"/>
+              <a:buChar char="Ø"/>
+            </a:pPr>
+            <a:r>
+              <a:rPr lang="en-US" b="0" i="0" dirty="0">
+                <a:solidFill>
+                  <a:srgbClr val="171717"/>
+                </a:solidFill>
+                <a:effectLst/>
+                <a:latin typeface="Segoe UI" panose="020B0502040204020203" pitchFamily="34" charset="0"/>
+              </a:rPr>
+              <a:t>a security admin rule to block inbound SSH traffic for </a:t>
+            </a:r>
+            <a:r>
+              <a:rPr lang="en-US" b="0" i="1" dirty="0">
+                <a:solidFill>
+                  <a:srgbClr val="171717"/>
+                </a:solidFill>
+                <a:effectLst/>
+                <a:latin typeface="Segoe UI" panose="020B0502040204020203" pitchFamily="34" charset="0"/>
+              </a:rPr>
+              <a:t>ALL network group</a:t>
+            </a:r>
+            <a:r>
+              <a:rPr lang="en-US" b="0" i="0" dirty="0">
+                <a:solidFill>
+                  <a:srgbClr val="171717"/>
+                </a:solidFill>
+                <a:effectLst/>
+                <a:latin typeface="Segoe UI" panose="020B0502040204020203" pitchFamily="34" charset="0"/>
+              </a:rPr>
+              <a:t>.</a:t>
+            </a:r>
+          </a:p>
+          <a:p>
+            <a:pPr lvl="1">
+              <a:buFont typeface="Wingdings" panose="05000000000000000000" pitchFamily="2" charset="2"/>
+              <a:buChar char="Ø"/>
+            </a:pPr>
+            <a:r>
+              <a:rPr lang="en-US" b="0" i="0" dirty="0">
+                <a:solidFill>
+                  <a:srgbClr val="171717"/>
+                </a:solidFill>
+                <a:effectLst/>
+                <a:latin typeface="Segoe UI" panose="020B0502040204020203" pitchFamily="34" charset="0"/>
+              </a:rPr>
+              <a:t>a security admin rule to allow inbound SSH traffic for </a:t>
+            </a:r>
+            <a:r>
+              <a:rPr lang="en-US" b="0" i="1" dirty="0">
+                <a:solidFill>
+                  <a:srgbClr val="171717"/>
+                </a:solidFill>
+                <a:effectLst/>
+                <a:latin typeface="Segoe UI" panose="020B0502040204020203" pitchFamily="34" charset="0"/>
+              </a:rPr>
+              <a:t>App network group</a:t>
+            </a:r>
+            <a:r>
+              <a:rPr lang="en-US" b="0" i="0" dirty="0">
+                <a:solidFill>
+                  <a:srgbClr val="171717"/>
+                </a:solidFill>
+                <a:effectLst/>
+                <a:latin typeface="Segoe UI" panose="020B0502040204020203" pitchFamily="34" charset="0"/>
+              </a:rPr>
+              <a:t> with a higher priority.</a:t>
+            </a:r>
+            <a:endParaRPr lang="en-US" b="1" i="0" dirty="0">
+              <a:solidFill>
+                <a:srgbClr val="171717"/>
+              </a:solidFill>
+              <a:effectLst/>
+              <a:latin typeface="Segoe UI" panose="020B0502040204020203" pitchFamily="34" charset="0"/>
+            </a:endParaRPr>
+          </a:p>
+          <a:p>
+            <a:pPr marL="514350" indent="-514350">
+              <a:buFont typeface="+mj-lt"/>
+              <a:buAutoNum type="arabicPeriod"/>
+            </a:pPr>
+            <a:r>
+              <a:rPr lang="en-US" b="1" i="0" dirty="0">
+                <a:solidFill>
+                  <a:srgbClr val="171717"/>
+                </a:solidFill>
+                <a:effectLst/>
+                <a:latin typeface="Segoe UI" panose="020B0502040204020203" pitchFamily="34" charset="0"/>
+              </a:rPr>
+              <a:t>Deploy the security admin configuration</a:t>
+            </a:r>
+          </a:p>
+          <a:p>
+            <a:pPr marL="0" indent="0">
+              <a:buNone/>
+            </a:pPr>
+            <a:endParaRPr lang="en-US" b="1" i="0" dirty="0">
+              <a:solidFill>
+                <a:srgbClr val="171717"/>
+              </a:solidFill>
+              <a:effectLst/>
+              <a:latin typeface="Segoe UI" panose="020B0502040204020203" pitchFamily="34" charset="0"/>
+            </a:endParaRPr>
+          </a:p>
+          <a:p>
+            <a:endParaRPr lang="en-US" dirty="0"/>
+          </a:p>
+        </p:txBody>
+      </p:sp>
+    </p:spTree>
+    <p:extLst>
+      <p:ext uri="{BB962C8B-B14F-4D97-AF65-F5344CB8AC3E}">
+        <p14:creationId xmlns:p14="http://schemas.microsoft.com/office/powerpoint/2010/main" val="3077022536"/>
+      </p:ext>
+    </p:extLst>
+  </p:cSld>
+  <p:clrMapOvr>
+    <a:masterClrMapping/>
+  </p:clrMapOvr>
+</p:sld>
+</file>
+
+<file path=ppt/slides/slide14.xml><?xml version="1.0" encoding="utf-8"?>
+<p:sld xmlns:a="http://schemas.openxmlformats.org/drawingml/2006/main" xmlns:r="http://schemas.openxmlformats.org/officeDocument/2006/relationships" xmlns:p="http://schemas.openxmlformats.org/presentationml/2006/main">
+  <p:cSld>
+    <p:spTree>
+      <p:nvGrpSpPr>
+        <p:cNvPr id="1" name=""/>
+        <p:cNvGrpSpPr/>
+        <p:nvPr/>
+      </p:nvGrpSpPr>
+      <p:grpSpPr>
+        <a:xfrm>
+          <a:off x="0" y="0"/>
+          <a:ext cx="0" cy="0"/>
+          <a:chOff x="0" y="0"/>
+          <a:chExt cx="0" cy="0"/>
+        </a:xfrm>
+      </p:grpSpPr>
+      <p:sp>
+        <p:nvSpPr>
+          <p:cNvPr id="2" name="Title 1">
+            <a:extLst>
+              <a:ext uri="{FF2B5EF4-FFF2-40B4-BE49-F238E27FC236}">
+                <a16:creationId xmlns:a16="http://schemas.microsoft.com/office/drawing/2014/main" id="{D84B0EF9-BC07-504C-891A-E0985EAE28A0}"/>
+              </a:ext>
+            </a:extLst>
+          </p:cNvPr>
+          <p:cNvSpPr>
+            <a:spLocks noGrp="1"/>
+          </p:cNvSpPr>
+          <p:nvPr>
+            <p:ph type="title"/>
+          </p:nvPr>
+        </p:nvSpPr>
+        <p:spPr>
+          <a:xfrm>
+            <a:off x="838200" y="0"/>
+            <a:ext cx="10515600" cy="1325563"/>
+          </a:xfrm>
+        </p:spPr>
+        <p:txBody>
+          <a:bodyPr/>
+          <a:lstStyle/>
+          <a:p>
+            <a:r>
+              <a:rPr lang="en-US" dirty="0"/>
+              <a:t>High Risk Ports 1</a:t>
+            </a:r>
+          </a:p>
+        </p:txBody>
+      </p:sp>
+      <p:graphicFrame>
+        <p:nvGraphicFramePr>
+          <p:cNvPr id="6" name="Table 5">
+            <a:extLst>
+              <a:ext uri="{FF2B5EF4-FFF2-40B4-BE49-F238E27FC236}">
+                <a16:creationId xmlns:a16="http://schemas.microsoft.com/office/drawing/2014/main" id="{7E299437-D8A8-FFE4-6385-2BA8A2616672}"/>
+              </a:ext>
+            </a:extLst>
+          </p:cNvPr>
+          <p:cNvGraphicFramePr>
+            <a:graphicFrameLocks noGrp="1"/>
+          </p:cNvGraphicFramePr>
+          <p:nvPr>
+            <p:extLst>
+              <p:ext uri="{D42A27DB-BD31-4B8C-83A1-F6EECF244321}">
+                <p14:modId xmlns:p14="http://schemas.microsoft.com/office/powerpoint/2010/main" val="1829264469"/>
+              </p:ext>
+            </p:extLst>
+          </p:nvPr>
+        </p:nvGraphicFramePr>
+        <p:xfrm>
+          <a:off x="0" y="1690688"/>
+          <a:ext cx="12192000" cy="4297956"/>
+        </p:xfrm>
+        <a:graphic>
+          <a:graphicData uri="http://schemas.openxmlformats.org/drawingml/2006/table">
+            <a:tbl>
+              <a:tblPr/>
+              <a:tblGrid>
+                <a:gridCol w="4064000">
+                  <a:extLst>
+                    <a:ext uri="{9D8B030D-6E8A-4147-A177-3AD203B41FA5}">
+                      <a16:colId xmlns:a16="http://schemas.microsoft.com/office/drawing/2014/main" val="3144366498"/>
+                    </a:ext>
+                  </a:extLst>
+                </a:gridCol>
+                <a:gridCol w="1612181">
+                  <a:extLst>
+                    <a:ext uri="{9D8B030D-6E8A-4147-A177-3AD203B41FA5}">
+                      <a16:colId xmlns:a16="http://schemas.microsoft.com/office/drawing/2014/main" val="1117548926"/>
+                    </a:ext>
+                  </a:extLst>
+                </a:gridCol>
+                <a:gridCol w="6515819">
+                  <a:extLst>
+                    <a:ext uri="{9D8B030D-6E8A-4147-A177-3AD203B41FA5}">
+                      <a16:colId xmlns:a16="http://schemas.microsoft.com/office/drawing/2014/main" val="1201089669"/>
+                    </a:ext>
+                  </a:extLst>
+                </a:gridCol>
+              </a:tblGrid>
+              <a:tr h="131463">
+                <a:tc>
+                  <a:txBody>
+                    <a:bodyPr/>
+                    <a:lstStyle/>
+                    <a:p>
+                      <a:pPr algn="l" fontAlgn="t"/>
+                      <a:r>
+                        <a:rPr lang="en-US" sz="1800" b="1" dirty="0">
+                          <a:effectLst/>
+                        </a:rPr>
+                        <a:t>Port</a:t>
+                      </a:r>
+                    </a:p>
+                  </a:txBody>
+                  <a:tcPr marL="28440" marR="28440" marT="14220" marB="14220">
+                    <a:lnL>
+                      <a:noFill/>
+                    </a:lnL>
+                    <a:lnR>
+                      <a:noFill/>
+                    </a:lnR>
+                    <a:lnT>
+                      <a:noFill/>
+                    </a:lnT>
+                    <a:lnB>
+                      <a:noFill/>
+                    </a:lnB>
+                    <a:solidFill>
+                      <a:schemeClr val="bg1">
+                        <a:lumMod val="75000"/>
+                      </a:schemeClr>
+                    </a:solidFill>
+                  </a:tcPr>
+                </a:tc>
+                <a:tc>
+                  <a:txBody>
+                    <a:bodyPr/>
+                    <a:lstStyle/>
+                    <a:p>
+                      <a:pPr algn="l" fontAlgn="t"/>
+                      <a:r>
+                        <a:rPr lang="en-US" sz="1800" b="1">
+                          <a:effectLst/>
+                        </a:rPr>
+                        <a:t>Protocol</a:t>
+                      </a:r>
+                    </a:p>
+                  </a:txBody>
+                  <a:tcPr marL="28440" marR="28440" marT="14220" marB="14220">
+                    <a:lnL>
+                      <a:noFill/>
+                    </a:lnL>
+                    <a:lnR>
+                      <a:noFill/>
+                    </a:lnR>
+                    <a:lnT>
+                      <a:noFill/>
+                    </a:lnT>
+                    <a:lnB>
+                      <a:noFill/>
+                    </a:lnB>
+                    <a:solidFill>
+                      <a:schemeClr val="bg1">
+                        <a:lumMod val="75000"/>
+                      </a:schemeClr>
+                    </a:solidFill>
+                  </a:tcPr>
+                </a:tc>
+                <a:tc>
+                  <a:txBody>
+                    <a:bodyPr/>
+                    <a:lstStyle/>
+                    <a:p>
+                      <a:pPr algn="l" fontAlgn="t"/>
+                      <a:r>
+                        <a:rPr lang="en-US" sz="1800" b="1" dirty="0">
+                          <a:effectLst/>
+                        </a:rPr>
+                        <a:t>Description</a:t>
+                      </a:r>
+                    </a:p>
+                  </a:txBody>
+                  <a:tcPr marL="28440" marR="28440" marT="14220" marB="14220">
+                    <a:lnL>
+                      <a:noFill/>
+                    </a:lnL>
+                    <a:lnR>
+                      <a:noFill/>
+                    </a:lnR>
+                    <a:lnT>
+                      <a:noFill/>
+                    </a:lnT>
+                    <a:lnB>
+                      <a:noFill/>
+                    </a:lnB>
+                    <a:solidFill>
+                      <a:schemeClr val="bg1">
+                        <a:lumMod val="75000"/>
+                      </a:schemeClr>
+                    </a:solidFill>
+                  </a:tcPr>
+                </a:tc>
+                <a:extLst>
+                  <a:ext uri="{0D108BD9-81ED-4DB2-BD59-A6C34878D82A}">
+                    <a16:rowId xmlns:a16="http://schemas.microsoft.com/office/drawing/2014/main" val="867297075"/>
+                  </a:ext>
+                </a:extLst>
+              </a:tr>
+              <a:tr h="131463">
+                <a:tc>
+                  <a:txBody>
+                    <a:bodyPr/>
+                    <a:lstStyle/>
+                    <a:p>
+                      <a:pPr algn="l" fontAlgn="t"/>
+                      <a:r>
+                        <a:rPr lang="en-US" sz="1800">
+                          <a:effectLst/>
+                        </a:rPr>
+                        <a:t>20</a:t>
+                      </a:r>
+                    </a:p>
+                  </a:txBody>
+                  <a:tcPr marL="28440" marR="28440" marT="14220" marB="14220">
+                    <a:lnL>
+                      <a:noFill/>
+                    </a:lnL>
+                    <a:lnR>
+                      <a:noFill/>
+                    </a:lnR>
+                    <a:lnT>
+                      <a:noFill/>
+                    </a:lnT>
+                    <a:lnB>
+                      <a:noFill/>
+                    </a:lnB>
+                    <a:solidFill>
+                      <a:srgbClr val="FFFFFF"/>
+                    </a:solidFill>
+                  </a:tcPr>
+                </a:tc>
+                <a:tc>
+                  <a:txBody>
+                    <a:bodyPr/>
+                    <a:lstStyle/>
+                    <a:p>
+                      <a:pPr algn="l" fontAlgn="t"/>
+                      <a:r>
+                        <a:rPr lang="en-US" sz="1800">
+                          <a:effectLst/>
+                        </a:rPr>
+                        <a:t>TCP</a:t>
+                      </a:r>
+                    </a:p>
+                  </a:txBody>
+                  <a:tcPr marL="28440" marR="28440" marT="14220" marB="14220">
+                    <a:lnL>
+                      <a:noFill/>
+                    </a:lnL>
+                    <a:lnR>
+                      <a:noFill/>
+                    </a:lnR>
+                    <a:lnT>
+                      <a:noFill/>
+                    </a:lnT>
+                    <a:lnB>
+                      <a:noFill/>
+                    </a:lnB>
+                    <a:solidFill>
+                      <a:srgbClr val="FFFFFF"/>
+                    </a:solidFill>
+                  </a:tcPr>
+                </a:tc>
+                <a:tc>
+                  <a:txBody>
+                    <a:bodyPr/>
+                    <a:lstStyle/>
+                    <a:p>
+                      <a:pPr algn="l" fontAlgn="t"/>
+                      <a:r>
+                        <a:rPr lang="en-US" sz="1800">
+                          <a:effectLst/>
+                        </a:rPr>
+                        <a:t>Unencrypted FTP Traffic</a:t>
+                      </a:r>
+                    </a:p>
+                  </a:txBody>
+                  <a:tcPr marL="28440" marR="28440" marT="14220" marB="14220">
+                    <a:lnL>
+                      <a:noFill/>
+                    </a:lnL>
+                    <a:lnR>
+                      <a:noFill/>
+                    </a:lnR>
+                    <a:lnT>
+                      <a:noFill/>
+                    </a:lnT>
+                    <a:lnB>
+                      <a:noFill/>
+                    </a:lnB>
+                    <a:solidFill>
+                      <a:srgbClr val="FFFFFF"/>
+                    </a:solidFill>
+                  </a:tcPr>
+                </a:tc>
+                <a:extLst>
+                  <a:ext uri="{0D108BD9-81ED-4DB2-BD59-A6C34878D82A}">
+                    <a16:rowId xmlns:a16="http://schemas.microsoft.com/office/drawing/2014/main" val="668409230"/>
+                  </a:ext>
+                </a:extLst>
+              </a:tr>
+              <a:tr h="131463">
+                <a:tc>
+                  <a:txBody>
+                    <a:bodyPr/>
+                    <a:lstStyle/>
+                    <a:p>
+                      <a:pPr algn="l" fontAlgn="t"/>
+                      <a:r>
+                        <a:rPr lang="en-US" sz="1800" dirty="0">
+                          <a:effectLst/>
+                        </a:rPr>
+                        <a:t>21</a:t>
+                      </a:r>
+                    </a:p>
+                  </a:txBody>
+                  <a:tcPr marL="28440" marR="28440" marT="14220" marB="14220">
+                    <a:lnL>
+                      <a:noFill/>
+                    </a:lnL>
+                    <a:lnR>
+                      <a:noFill/>
+                    </a:lnR>
+                    <a:lnT>
+                      <a:noFill/>
+                    </a:lnT>
+                    <a:lnB>
+                      <a:noFill/>
+                    </a:lnB>
+                    <a:solidFill>
+                      <a:srgbClr val="FFFFFF"/>
+                    </a:solidFill>
+                  </a:tcPr>
+                </a:tc>
+                <a:tc>
+                  <a:txBody>
+                    <a:bodyPr/>
+                    <a:lstStyle/>
+                    <a:p>
+                      <a:pPr algn="l" fontAlgn="t"/>
+                      <a:r>
+                        <a:rPr lang="en-US" sz="1800">
+                          <a:effectLst/>
+                        </a:rPr>
+                        <a:t>TCP</a:t>
+                      </a:r>
+                    </a:p>
+                  </a:txBody>
+                  <a:tcPr marL="28440" marR="28440" marT="14220" marB="14220">
+                    <a:lnL>
+                      <a:noFill/>
+                    </a:lnL>
+                    <a:lnR>
+                      <a:noFill/>
+                    </a:lnR>
+                    <a:lnT>
+                      <a:noFill/>
+                    </a:lnT>
+                    <a:lnB>
+                      <a:noFill/>
+                    </a:lnB>
+                    <a:solidFill>
+                      <a:srgbClr val="FFFFFF"/>
+                    </a:solidFill>
+                  </a:tcPr>
+                </a:tc>
+                <a:tc>
+                  <a:txBody>
+                    <a:bodyPr/>
+                    <a:lstStyle/>
+                    <a:p>
+                      <a:pPr algn="l" fontAlgn="t"/>
+                      <a:r>
+                        <a:rPr lang="en-US" sz="1800">
+                          <a:effectLst/>
+                        </a:rPr>
+                        <a:t>Unencrypted FTP Traffic</a:t>
+                      </a:r>
+                    </a:p>
+                  </a:txBody>
+                  <a:tcPr marL="28440" marR="28440" marT="14220" marB="14220">
+                    <a:lnL>
+                      <a:noFill/>
+                    </a:lnL>
+                    <a:lnR>
+                      <a:noFill/>
+                    </a:lnR>
+                    <a:lnT>
+                      <a:noFill/>
+                    </a:lnT>
+                    <a:lnB>
+                      <a:noFill/>
+                    </a:lnB>
+                    <a:solidFill>
+                      <a:srgbClr val="FFFFFF"/>
+                    </a:solidFill>
+                  </a:tcPr>
+                </a:tc>
+                <a:extLst>
+                  <a:ext uri="{0D108BD9-81ED-4DB2-BD59-A6C34878D82A}">
+                    <a16:rowId xmlns:a16="http://schemas.microsoft.com/office/drawing/2014/main" val="3257460670"/>
+                  </a:ext>
+                </a:extLst>
+              </a:tr>
+              <a:tr h="231738">
+                <a:tc>
+                  <a:txBody>
+                    <a:bodyPr/>
+                    <a:lstStyle/>
+                    <a:p>
+                      <a:pPr algn="l" fontAlgn="t"/>
+                      <a:r>
+                        <a:rPr lang="en-US" sz="1800">
+                          <a:effectLst/>
+                        </a:rPr>
+                        <a:t>22</a:t>
+                      </a:r>
+                    </a:p>
+                  </a:txBody>
+                  <a:tcPr marL="28440" marR="28440" marT="14220" marB="14220">
+                    <a:lnL>
+                      <a:noFill/>
+                    </a:lnL>
+                    <a:lnR>
+                      <a:noFill/>
+                    </a:lnR>
+                    <a:lnT>
+                      <a:noFill/>
+                    </a:lnT>
+                    <a:lnB>
+                      <a:noFill/>
+                    </a:lnB>
+                    <a:solidFill>
+                      <a:srgbClr val="FFFFFF"/>
+                    </a:solidFill>
+                  </a:tcPr>
+                </a:tc>
+                <a:tc>
+                  <a:txBody>
+                    <a:bodyPr/>
+                    <a:lstStyle/>
+                    <a:p>
+                      <a:pPr algn="l" fontAlgn="t"/>
+                      <a:r>
+                        <a:rPr lang="en-US" sz="1800">
+                          <a:effectLst/>
+                        </a:rPr>
+                        <a:t>TCP</a:t>
+                      </a:r>
+                    </a:p>
+                  </a:txBody>
+                  <a:tcPr marL="28440" marR="28440" marT="14220" marB="14220">
+                    <a:lnL>
+                      <a:noFill/>
+                    </a:lnL>
+                    <a:lnR>
+                      <a:noFill/>
+                    </a:lnR>
+                    <a:lnT>
+                      <a:noFill/>
+                    </a:lnT>
+                    <a:lnB>
+                      <a:noFill/>
+                    </a:lnB>
+                    <a:solidFill>
+                      <a:srgbClr val="FFFFFF"/>
+                    </a:solidFill>
+                  </a:tcPr>
+                </a:tc>
+                <a:tc>
+                  <a:txBody>
+                    <a:bodyPr/>
+                    <a:lstStyle/>
+                    <a:p>
+                      <a:pPr algn="l" fontAlgn="t"/>
+                      <a:r>
+                        <a:rPr lang="en-US" sz="1800">
+                          <a:effectLst/>
+                        </a:rPr>
+                        <a:t>SSH. Potential brute force attacks</a:t>
+                      </a:r>
+                    </a:p>
+                  </a:txBody>
+                  <a:tcPr marL="28440" marR="28440" marT="14220" marB="14220">
+                    <a:lnL>
+                      <a:noFill/>
+                    </a:lnL>
+                    <a:lnR>
+                      <a:noFill/>
+                    </a:lnR>
+                    <a:lnT>
+                      <a:noFill/>
+                    </a:lnT>
+                    <a:lnB>
+                      <a:noFill/>
+                    </a:lnB>
+                    <a:solidFill>
+                      <a:srgbClr val="FFFFFF"/>
+                    </a:solidFill>
+                  </a:tcPr>
+                </a:tc>
+                <a:extLst>
+                  <a:ext uri="{0D108BD9-81ED-4DB2-BD59-A6C34878D82A}">
+                    <a16:rowId xmlns:a16="http://schemas.microsoft.com/office/drawing/2014/main" val="1963602849"/>
+                  </a:ext>
+                </a:extLst>
+              </a:tr>
+              <a:tr h="332012">
+                <a:tc>
+                  <a:txBody>
+                    <a:bodyPr/>
+                    <a:lstStyle/>
+                    <a:p>
+                      <a:pPr algn="l" fontAlgn="t"/>
+                      <a:r>
+                        <a:rPr lang="en-US" sz="1800">
+                          <a:effectLst/>
+                        </a:rPr>
+                        <a:t>23</a:t>
+                      </a:r>
+                    </a:p>
+                  </a:txBody>
+                  <a:tcPr marL="28440" marR="28440" marT="14220" marB="14220">
+                    <a:lnL>
+                      <a:noFill/>
+                    </a:lnL>
+                    <a:lnR>
+                      <a:noFill/>
+                    </a:lnR>
+                    <a:lnT>
+                      <a:noFill/>
+                    </a:lnT>
+                    <a:lnB>
+                      <a:noFill/>
+                    </a:lnB>
+                    <a:solidFill>
+                      <a:srgbClr val="FFFFFF"/>
+                    </a:solidFill>
+                  </a:tcPr>
+                </a:tc>
+                <a:tc>
+                  <a:txBody>
+                    <a:bodyPr/>
+                    <a:lstStyle/>
+                    <a:p>
+                      <a:pPr algn="l" fontAlgn="t"/>
+                      <a:r>
+                        <a:rPr lang="en-US" sz="1800">
+                          <a:effectLst/>
+                        </a:rPr>
+                        <a:t>TCP</a:t>
+                      </a:r>
+                    </a:p>
+                  </a:txBody>
+                  <a:tcPr marL="28440" marR="28440" marT="14220" marB="14220">
+                    <a:lnL>
+                      <a:noFill/>
+                    </a:lnL>
+                    <a:lnR>
+                      <a:noFill/>
+                    </a:lnR>
+                    <a:lnT>
+                      <a:noFill/>
+                    </a:lnT>
+                    <a:lnB>
+                      <a:noFill/>
+                    </a:lnB>
+                    <a:solidFill>
+                      <a:srgbClr val="FFFFFF"/>
+                    </a:solidFill>
+                  </a:tcPr>
+                </a:tc>
+                <a:tc>
+                  <a:txBody>
+                    <a:bodyPr/>
+                    <a:lstStyle/>
+                    <a:p>
+                      <a:pPr algn="l" fontAlgn="t"/>
+                      <a:r>
+                        <a:rPr lang="en-US" sz="1800">
+                          <a:effectLst/>
+                        </a:rPr>
+                        <a:t>TFTP allows unauthenticated and/or unencrypted traffic</a:t>
+                      </a:r>
+                    </a:p>
+                  </a:txBody>
+                  <a:tcPr marL="28440" marR="28440" marT="14220" marB="14220">
+                    <a:lnL>
+                      <a:noFill/>
+                    </a:lnL>
+                    <a:lnR>
+                      <a:noFill/>
+                    </a:lnR>
+                    <a:lnT>
+                      <a:noFill/>
+                    </a:lnT>
+                    <a:lnB>
+                      <a:noFill/>
+                    </a:lnB>
+                    <a:solidFill>
+                      <a:srgbClr val="FFFFFF"/>
+                    </a:solidFill>
+                  </a:tcPr>
+                </a:tc>
+                <a:extLst>
+                  <a:ext uri="{0D108BD9-81ED-4DB2-BD59-A6C34878D82A}">
+                    <a16:rowId xmlns:a16="http://schemas.microsoft.com/office/drawing/2014/main" val="3373690699"/>
+                  </a:ext>
+                </a:extLst>
+              </a:tr>
+              <a:tr h="332012">
+                <a:tc>
+                  <a:txBody>
+                    <a:bodyPr/>
+                    <a:lstStyle/>
+                    <a:p>
+                      <a:pPr algn="l" fontAlgn="t"/>
+                      <a:r>
+                        <a:rPr lang="en-US" sz="1800">
+                          <a:effectLst/>
+                        </a:rPr>
+                        <a:t>69</a:t>
+                      </a:r>
+                    </a:p>
+                  </a:txBody>
+                  <a:tcPr marL="28440" marR="28440" marT="14220" marB="14220">
+                    <a:lnL>
+                      <a:noFill/>
+                    </a:lnL>
+                    <a:lnR>
+                      <a:noFill/>
+                    </a:lnR>
+                    <a:lnT>
+                      <a:noFill/>
+                    </a:lnT>
+                    <a:lnB>
+                      <a:noFill/>
+                    </a:lnB>
+                    <a:solidFill>
+                      <a:srgbClr val="FFFFFF"/>
+                    </a:solidFill>
+                  </a:tcPr>
+                </a:tc>
+                <a:tc>
+                  <a:txBody>
+                    <a:bodyPr/>
+                    <a:lstStyle/>
+                    <a:p>
+                      <a:pPr algn="l" fontAlgn="t"/>
+                      <a:r>
+                        <a:rPr lang="en-US" sz="1800">
+                          <a:effectLst/>
+                        </a:rPr>
+                        <a:t>UDP</a:t>
+                      </a:r>
+                    </a:p>
+                  </a:txBody>
+                  <a:tcPr marL="28440" marR="28440" marT="14220" marB="14220">
+                    <a:lnL>
+                      <a:noFill/>
+                    </a:lnL>
+                    <a:lnR>
+                      <a:noFill/>
+                    </a:lnR>
+                    <a:lnT>
+                      <a:noFill/>
+                    </a:lnT>
+                    <a:lnB>
+                      <a:noFill/>
+                    </a:lnB>
+                    <a:solidFill>
+                      <a:srgbClr val="FFFFFF"/>
+                    </a:solidFill>
+                  </a:tcPr>
+                </a:tc>
+                <a:tc>
+                  <a:txBody>
+                    <a:bodyPr/>
+                    <a:lstStyle/>
+                    <a:p>
+                      <a:pPr algn="l" fontAlgn="t"/>
+                      <a:r>
+                        <a:rPr lang="en-US" sz="1800">
+                          <a:effectLst/>
+                        </a:rPr>
+                        <a:t>TFTP allows unauthenticated and/or unencrypted traffic</a:t>
+                      </a:r>
+                    </a:p>
+                  </a:txBody>
+                  <a:tcPr marL="28440" marR="28440" marT="14220" marB="14220">
+                    <a:lnL>
+                      <a:noFill/>
+                    </a:lnL>
+                    <a:lnR>
+                      <a:noFill/>
+                    </a:lnR>
+                    <a:lnT>
+                      <a:noFill/>
+                    </a:lnT>
+                    <a:lnB>
+                      <a:noFill/>
+                    </a:lnB>
+                    <a:solidFill>
+                      <a:srgbClr val="FFFFFF"/>
+                    </a:solidFill>
+                  </a:tcPr>
+                </a:tc>
+                <a:extLst>
+                  <a:ext uri="{0D108BD9-81ED-4DB2-BD59-A6C34878D82A}">
+                    <a16:rowId xmlns:a16="http://schemas.microsoft.com/office/drawing/2014/main" val="1431547423"/>
+                  </a:ext>
+                </a:extLst>
+              </a:tr>
+              <a:tr h="231738">
+                <a:tc>
+                  <a:txBody>
+                    <a:bodyPr/>
+                    <a:lstStyle/>
+                    <a:p>
+                      <a:pPr algn="l" fontAlgn="t"/>
+                      <a:r>
+                        <a:rPr lang="en-US" sz="1800">
+                          <a:effectLst/>
+                        </a:rPr>
+                        <a:t>111</a:t>
+                      </a:r>
+                    </a:p>
+                  </a:txBody>
+                  <a:tcPr marL="28440" marR="28440" marT="14220" marB="14220">
+                    <a:lnL>
+                      <a:noFill/>
+                    </a:lnL>
+                    <a:lnR>
+                      <a:noFill/>
+                    </a:lnR>
+                    <a:lnT>
+                      <a:noFill/>
+                    </a:lnT>
+                    <a:lnB>
+                      <a:noFill/>
+                    </a:lnB>
+                    <a:solidFill>
+                      <a:srgbClr val="FFFFFF"/>
+                    </a:solidFill>
+                  </a:tcPr>
+                </a:tc>
+                <a:tc>
+                  <a:txBody>
+                    <a:bodyPr/>
+                    <a:lstStyle/>
+                    <a:p>
+                      <a:pPr algn="l" fontAlgn="t"/>
+                      <a:r>
+                        <a:rPr lang="en-US" sz="1800">
+                          <a:effectLst/>
+                        </a:rPr>
+                        <a:t>TCP/UDP</a:t>
+                      </a:r>
+                    </a:p>
+                  </a:txBody>
+                  <a:tcPr marL="28440" marR="28440" marT="14220" marB="14220">
+                    <a:lnL>
+                      <a:noFill/>
+                    </a:lnL>
+                    <a:lnR>
+                      <a:noFill/>
+                    </a:lnR>
+                    <a:lnT>
+                      <a:noFill/>
+                    </a:lnT>
+                    <a:lnB>
+                      <a:noFill/>
+                    </a:lnB>
+                    <a:solidFill>
+                      <a:srgbClr val="FFFFFF"/>
+                    </a:solidFill>
+                  </a:tcPr>
+                </a:tc>
+                <a:tc>
+                  <a:txBody>
+                    <a:bodyPr/>
+                    <a:lstStyle/>
+                    <a:p>
+                      <a:pPr algn="l" fontAlgn="t"/>
+                      <a:r>
+                        <a:rPr lang="en-US" sz="1800" dirty="0">
+                          <a:effectLst/>
+                        </a:rPr>
+                        <a:t>RPC. Unencrypted authentication allowed</a:t>
+                      </a:r>
+                    </a:p>
+                  </a:txBody>
+                  <a:tcPr marL="28440" marR="28440" marT="14220" marB="14220">
+                    <a:lnL>
+                      <a:noFill/>
+                    </a:lnL>
+                    <a:lnR>
+                      <a:noFill/>
+                    </a:lnR>
+                    <a:lnT>
+                      <a:noFill/>
+                    </a:lnT>
+                    <a:lnB>
+                      <a:noFill/>
+                    </a:lnB>
+                    <a:solidFill>
+                      <a:srgbClr val="FFFFFF"/>
+                    </a:solidFill>
+                  </a:tcPr>
+                </a:tc>
+                <a:extLst>
+                  <a:ext uri="{0D108BD9-81ED-4DB2-BD59-A6C34878D82A}">
+                    <a16:rowId xmlns:a16="http://schemas.microsoft.com/office/drawing/2014/main" val="3012601753"/>
+                  </a:ext>
+                </a:extLst>
+              </a:tr>
+              <a:tr h="231738">
+                <a:tc>
+                  <a:txBody>
+                    <a:bodyPr/>
+                    <a:lstStyle/>
+                    <a:p>
+                      <a:pPr algn="l" fontAlgn="t"/>
+                      <a:r>
+                        <a:rPr lang="en-US" sz="1800">
+                          <a:effectLst/>
+                        </a:rPr>
+                        <a:t>119</a:t>
+                      </a:r>
+                    </a:p>
+                  </a:txBody>
+                  <a:tcPr marL="28440" marR="28440" marT="14220" marB="14220">
+                    <a:lnL>
+                      <a:noFill/>
+                    </a:lnL>
+                    <a:lnR>
+                      <a:noFill/>
+                    </a:lnR>
+                    <a:lnT>
+                      <a:noFill/>
+                    </a:lnT>
+                    <a:lnB>
+                      <a:noFill/>
+                    </a:lnB>
+                    <a:solidFill>
+                      <a:srgbClr val="FFFFFF"/>
+                    </a:solidFill>
+                  </a:tcPr>
+                </a:tc>
+                <a:tc>
+                  <a:txBody>
+                    <a:bodyPr/>
+                    <a:lstStyle/>
+                    <a:p>
+                      <a:pPr algn="l" fontAlgn="t"/>
+                      <a:r>
+                        <a:rPr lang="en-US" sz="1800">
+                          <a:effectLst/>
+                        </a:rPr>
+                        <a:t>TCP</a:t>
+                      </a:r>
+                    </a:p>
+                  </a:txBody>
+                  <a:tcPr marL="28440" marR="28440" marT="14220" marB="14220">
+                    <a:lnL>
+                      <a:noFill/>
+                    </a:lnL>
+                    <a:lnR>
+                      <a:noFill/>
+                    </a:lnR>
+                    <a:lnT>
+                      <a:noFill/>
+                    </a:lnT>
+                    <a:lnB>
+                      <a:noFill/>
+                    </a:lnB>
+                    <a:solidFill>
+                      <a:srgbClr val="FFFFFF"/>
+                    </a:solidFill>
+                  </a:tcPr>
+                </a:tc>
+                <a:tc>
+                  <a:txBody>
+                    <a:bodyPr/>
+                    <a:lstStyle/>
+                    <a:p>
+                      <a:pPr algn="l" fontAlgn="t"/>
+                      <a:r>
+                        <a:rPr lang="en-US" sz="1800">
+                          <a:effectLst/>
+                        </a:rPr>
+                        <a:t>NNTP for unencrypted authentication</a:t>
+                      </a:r>
+                    </a:p>
+                  </a:txBody>
+                  <a:tcPr marL="28440" marR="28440" marT="14220" marB="14220">
+                    <a:lnL>
+                      <a:noFill/>
+                    </a:lnL>
+                    <a:lnR>
+                      <a:noFill/>
+                    </a:lnR>
+                    <a:lnT>
+                      <a:noFill/>
+                    </a:lnT>
+                    <a:lnB>
+                      <a:noFill/>
+                    </a:lnB>
+                    <a:solidFill>
+                      <a:srgbClr val="FFFFFF"/>
+                    </a:solidFill>
+                  </a:tcPr>
+                </a:tc>
+                <a:extLst>
+                  <a:ext uri="{0D108BD9-81ED-4DB2-BD59-A6C34878D82A}">
+                    <a16:rowId xmlns:a16="http://schemas.microsoft.com/office/drawing/2014/main" val="2019396089"/>
+                  </a:ext>
+                </a:extLst>
+              </a:tr>
+              <a:tr h="332012">
+                <a:tc>
+                  <a:txBody>
+                    <a:bodyPr/>
+                    <a:lstStyle/>
+                    <a:p>
+                      <a:pPr algn="l" fontAlgn="t"/>
+                      <a:r>
+                        <a:rPr lang="en-US" sz="1800">
+                          <a:effectLst/>
+                        </a:rPr>
+                        <a:t>135</a:t>
+                      </a:r>
+                    </a:p>
+                  </a:txBody>
+                  <a:tcPr marL="28440" marR="28440" marT="14220" marB="14220">
+                    <a:lnL>
+                      <a:noFill/>
+                    </a:lnL>
+                    <a:lnR>
+                      <a:noFill/>
+                    </a:lnR>
+                    <a:lnT>
+                      <a:noFill/>
+                    </a:lnT>
+                    <a:lnB>
+                      <a:noFill/>
+                    </a:lnB>
+                    <a:solidFill>
+                      <a:srgbClr val="FFFFFF"/>
+                    </a:solidFill>
+                  </a:tcPr>
+                </a:tc>
+                <a:tc>
+                  <a:txBody>
+                    <a:bodyPr/>
+                    <a:lstStyle/>
+                    <a:p>
+                      <a:pPr algn="l" fontAlgn="t"/>
+                      <a:r>
+                        <a:rPr lang="en-US" sz="1800">
+                          <a:effectLst/>
+                        </a:rPr>
+                        <a:t>TCP/UDP</a:t>
+                      </a:r>
+                    </a:p>
+                  </a:txBody>
+                  <a:tcPr marL="28440" marR="28440" marT="14220" marB="14220">
+                    <a:lnL>
+                      <a:noFill/>
+                    </a:lnL>
+                    <a:lnR>
+                      <a:noFill/>
+                    </a:lnR>
+                    <a:lnT>
+                      <a:noFill/>
+                    </a:lnT>
+                    <a:lnB>
+                      <a:noFill/>
+                    </a:lnB>
+                    <a:solidFill>
+                      <a:srgbClr val="FFFFFF"/>
+                    </a:solidFill>
+                  </a:tcPr>
+                </a:tc>
+                <a:tc>
+                  <a:txBody>
+                    <a:bodyPr/>
+                    <a:lstStyle/>
+                    <a:p>
+                      <a:pPr algn="l" fontAlgn="t"/>
+                      <a:r>
+                        <a:rPr lang="en-US" sz="1800">
+                          <a:effectLst/>
+                        </a:rPr>
+                        <a:t>End Point Mapper, multiple remote management services</a:t>
+                      </a:r>
+                    </a:p>
+                  </a:txBody>
+                  <a:tcPr marL="28440" marR="28440" marT="14220" marB="14220">
+                    <a:lnL>
+                      <a:noFill/>
+                    </a:lnL>
+                    <a:lnR>
+                      <a:noFill/>
+                    </a:lnR>
+                    <a:lnT>
+                      <a:noFill/>
+                    </a:lnT>
+                    <a:lnB>
+                      <a:noFill/>
+                    </a:lnB>
+                    <a:solidFill>
+                      <a:srgbClr val="FFFFFF"/>
+                    </a:solidFill>
+                  </a:tcPr>
+                </a:tc>
+                <a:extLst>
+                  <a:ext uri="{0D108BD9-81ED-4DB2-BD59-A6C34878D82A}">
+                    <a16:rowId xmlns:a16="http://schemas.microsoft.com/office/drawing/2014/main" val="171535522"/>
+                  </a:ext>
+                </a:extLst>
+              </a:tr>
+              <a:tr h="231738">
+                <a:tc>
+                  <a:txBody>
+                    <a:bodyPr/>
+                    <a:lstStyle/>
+                    <a:p>
+                      <a:pPr algn="l" fontAlgn="t"/>
+                      <a:r>
+                        <a:rPr lang="en-US" sz="1800">
+                          <a:effectLst/>
+                        </a:rPr>
+                        <a:t>161</a:t>
+                      </a:r>
+                    </a:p>
+                  </a:txBody>
+                  <a:tcPr marL="28440" marR="28440" marT="14220" marB="14220">
+                    <a:lnL>
+                      <a:noFill/>
+                    </a:lnL>
+                    <a:lnR>
+                      <a:noFill/>
+                    </a:lnR>
+                    <a:lnT>
+                      <a:noFill/>
+                    </a:lnT>
+                    <a:lnB>
+                      <a:noFill/>
+                    </a:lnB>
+                    <a:solidFill>
+                      <a:srgbClr val="FFFFFF"/>
+                    </a:solidFill>
+                  </a:tcPr>
+                </a:tc>
+                <a:tc>
+                  <a:txBody>
+                    <a:bodyPr/>
+                    <a:lstStyle/>
+                    <a:p>
+                      <a:pPr algn="l" fontAlgn="t"/>
+                      <a:r>
+                        <a:rPr lang="en-US" sz="1800">
+                          <a:effectLst/>
+                        </a:rPr>
+                        <a:t>TCP</a:t>
+                      </a:r>
+                    </a:p>
+                  </a:txBody>
+                  <a:tcPr marL="28440" marR="28440" marT="14220" marB="14220">
+                    <a:lnL>
+                      <a:noFill/>
+                    </a:lnL>
+                    <a:lnR>
+                      <a:noFill/>
+                    </a:lnR>
+                    <a:lnT>
+                      <a:noFill/>
+                    </a:lnT>
+                    <a:lnB>
+                      <a:noFill/>
+                    </a:lnB>
+                    <a:solidFill>
+                      <a:srgbClr val="FFFFFF"/>
+                    </a:solidFill>
+                  </a:tcPr>
+                </a:tc>
+                <a:tc>
+                  <a:txBody>
+                    <a:bodyPr/>
+                    <a:lstStyle/>
+                    <a:p>
+                      <a:pPr algn="l" fontAlgn="t"/>
+                      <a:r>
+                        <a:rPr lang="en-US" sz="1800">
+                          <a:effectLst/>
+                        </a:rPr>
+                        <a:t>SNMP for unsecure / no authentication</a:t>
+                      </a:r>
+                    </a:p>
+                  </a:txBody>
+                  <a:tcPr marL="28440" marR="28440" marT="14220" marB="14220">
+                    <a:lnL>
+                      <a:noFill/>
+                    </a:lnL>
+                    <a:lnR>
+                      <a:noFill/>
+                    </a:lnR>
+                    <a:lnT>
+                      <a:noFill/>
+                    </a:lnT>
+                    <a:lnB>
+                      <a:noFill/>
+                    </a:lnB>
+                    <a:solidFill>
+                      <a:srgbClr val="FFFFFF"/>
+                    </a:solidFill>
+                  </a:tcPr>
+                </a:tc>
+                <a:extLst>
+                  <a:ext uri="{0D108BD9-81ED-4DB2-BD59-A6C34878D82A}">
+                    <a16:rowId xmlns:a16="http://schemas.microsoft.com/office/drawing/2014/main" val="1903271142"/>
+                  </a:ext>
+                </a:extLst>
+              </a:tr>
+              <a:tr h="231738">
+                <a:tc>
+                  <a:txBody>
+                    <a:bodyPr/>
+                    <a:lstStyle/>
+                    <a:p>
+                      <a:pPr algn="l" fontAlgn="t"/>
+                      <a:r>
+                        <a:rPr lang="en-US" sz="1800">
+                          <a:effectLst/>
+                        </a:rPr>
+                        <a:t>162</a:t>
+                      </a:r>
+                    </a:p>
+                  </a:txBody>
+                  <a:tcPr marL="28440" marR="28440" marT="14220" marB="14220">
+                    <a:lnL>
+                      <a:noFill/>
+                    </a:lnL>
+                    <a:lnR>
+                      <a:noFill/>
+                    </a:lnR>
+                    <a:lnT>
+                      <a:noFill/>
+                    </a:lnT>
+                    <a:lnB>
+                      <a:noFill/>
+                    </a:lnB>
+                    <a:solidFill>
+                      <a:srgbClr val="FFFFFF"/>
+                    </a:solidFill>
+                  </a:tcPr>
+                </a:tc>
+                <a:tc>
+                  <a:txBody>
+                    <a:bodyPr/>
+                    <a:lstStyle/>
+                    <a:p>
+                      <a:pPr algn="l" fontAlgn="t"/>
+                      <a:r>
+                        <a:rPr lang="en-US" sz="1800">
+                          <a:effectLst/>
+                        </a:rPr>
+                        <a:t>TCP/UDP</a:t>
+                      </a:r>
+                    </a:p>
+                  </a:txBody>
+                  <a:tcPr marL="28440" marR="28440" marT="14220" marB="14220">
+                    <a:lnL>
+                      <a:noFill/>
+                    </a:lnL>
+                    <a:lnR>
+                      <a:noFill/>
+                    </a:lnR>
+                    <a:lnT>
+                      <a:noFill/>
+                    </a:lnT>
+                    <a:lnB>
+                      <a:noFill/>
+                    </a:lnB>
+                    <a:solidFill>
+                      <a:srgbClr val="FFFFFF"/>
+                    </a:solidFill>
+                  </a:tcPr>
+                </a:tc>
+                <a:tc>
+                  <a:txBody>
+                    <a:bodyPr/>
+                    <a:lstStyle/>
+                    <a:p>
+                      <a:pPr algn="l" fontAlgn="t"/>
+                      <a:r>
+                        <a:rPr lang="en-US" sz="1800">
+                          <a:effectLst/>
+                        </a:rPr>
+                        <a:t>SNMP Trap - unsecure / no authentication</a:t>
+                      </a:r>
+                    </a:p>
+                  </a:txBody>
+                  <a:tcPr marL="28440" marR="28440" marT="14220" marB="14220">
+                    <a:lnL>
+                      <a:noFill/>
+                    </a:lnL>
+                    <a:lnR>
+                      <a:noFill/>
+                    </a:lnR>
+                    <a:lnT>
+                      <a:noFill/>
+                    </a:lnT>
+                    <a:lnB>
+                      <a:noFill/>
+                    </a:lnB>
+                    <a:solidFill>
+                      <a:srgbClr val="FFFFFF"/>
+                    </a:solidFill>
+                  </a:tcPr>
+                </a:tc>
+                <a:extLst>
+                  <a:ext uri="{0D108BD9-81ED-4DB2-BD59-A6C34878D82A}">
+                    <a16:rowId xmlns:a16="http://schemas.microsoft.com/office/drawing/2014/main" val="2440470649"/>
+                  </a:ext>
+                </a:extLst>
+              </a:tr>
+              <a:tr h="231738">
+                <a:tc>
+                  <a:txBody>
+                    <a:bodyPr/>
+                    <a:lstStyle/>
+                    <a:p>
+                      <a:pPr algn="l" fontAlgn="t"/>
+                      <a:r>
+                        <a:rPr lang="en-US" sz="1800">
+                          <a:effectLst/>
+                        </a:rPr>
+                        <a:t>445</a:t>
+                      </a:r>
+                    </a:p>
+                  </a:txBody>
+                  <a:tcPr marL="28440" marR="28440" marT="14220" marB="14220">
+                    <a:lnL>
+                      <a:noFill/>
+                    </a:lnL>
+                    <a:lnR>
+                      <a:noFill/>
+                    </a:lnR>
+                    <a:lnT>
+                      <a:noFill/>
+                    </a:lnT>
+                    <a:lnB>
+                      <a:noFill/>
+                    </a:lnB>
+                    <a:solidFill>
+                      <a:srgbClr val="FFFFFF"/>
+                    </a:solidFill>
+                  </a:tcPr>
+                </a:tc>
+                <a:tc>
+                  <a:txBody>
+                    <a:bodyPr/>
+                    <a:lstStyle/>
+                    <a:p>
+                      <a:pPr algn="l" fontAlgn="t"/>
+                      <a:r>
+                        <a:rPr lang="en-US" sz="1800">
+                          <a:effectLst/>
+                        </a:rPr>
+                        <a:t>TCP</a:t>
+                      </a:r>
+                    </a:p>
+                  </a:txBody>
+                  <a:tcPr marL="28440" marR="28440" marT="14220" marB="14220">
+                    <a:lnL>
+                      <a:noFill/>
+                    </a:lnL>
+                    <a:lnR>
+                      <a:noFill/>
+                    </a:lnR>
+                    <a:lnT>
+                      <a:noFill/>
+                    </a:lnT>
+                    <a:lnB>
+                      <a:noFill/>
+                    </a:lnB>
+                    <a:solidFill>
+                      <a:srgbClr val="FFFFFF"/>
+                    </a:solidFill>
+                  </a:tcPr>
+                </a:tc>
+                <a:tc>
+                  <a:txBody>
+                    <a:bodyPr/>
+                    <a:lstStyle/>
+                    <a:p>
+                      <a:pPr algn="l" fontAlgn="t"/>
+                      <a:r>
+                        <a:rPr lang="en-US" sz="1800">
+                          <a:effectLst/>
+                        </a:rPr>
+                        <a:t>SMB - well known attack vector</a:t>
+                      </a:r>
+                    </a:p>
+                  </a:txBody>
+                  <a:tcPr marL="28440" marR="28440" marT="14220" marB="14220">
+                    <a:lnL>
+                      <a:noFill/>
+                    </a:lnL>
+                    <a:lnR>
+                      <a:noFill/>
+                    </a:lnR>
+                    <a:lnT>
+                      <a:noFill/>
+                    </a:lnT>
+                    <a:lnB>
+                      <a:noFill/>
+                    </a:lnB>
+                    <a:solidFill>
+                      <a:srgbClr val="FFFFFF"/>
+                    </a:solidFill>
+                  </a:tcPr>
+                </a:tc>
+                <a:extLst>
+                  <a:ext uri="{0D108BD9-81ED-4DB2-BD59-A6C34878D82A}">
+                    <a16:rowId xmlns:a16="http://schemas.microsoft.com/office/drawing/2014/main" val="2789310190"/>
+                  </a:ext>
+                </a:extLst>
+              </a:tr>
+              <a:tr h="432287">
+                <a:tc>
+                  <a:txBody>
+                    <a:bodyPr/>
+                    <a:lstStyle/>
+                    <a:p>
+                      <a:pPr algn="l" fontAlgn="t"/>
+                      <a:r>
+                        <a:rPr lang="en-US" sz="1800" dirty="0">
+                          <a:effectLst/>
+                        </a:rPr>
+                        <a:t>512</a:t>
+                      </a:r>
+                    </a:p>
+                  </a:txBody>
+                  <a:tcPr marL="28440" marR="28440" marT="14220" marB="14220">
+                    <a:lnL>
+                      <a:noFill/>
+                    </a:lnL>
+                    <a:lnR>
+                      <a:noFill/>
+                    </a:lnR>
+                    <a:lnT>
+                      <a:noFill/>
+                    </a:lnT>
+                    <a:lnB>
+                      <a:noFill/>
+                    </a:lnB>
+                    <a:solidFill>
+                      <a:srgbClr val="FFFFFF"/>
+                    </a:solidFill>
+                  </a:tcPr>
+                </a:tc>
+                <a:tc>
+                  <a:txBody>
+                    <a:bodyPr/>
+                    <a:lstStyle/>
+                    <a:p>
+                      <a:pPr algn="l" fontAlgn="t"/>
+                      <a:r>
+                        <a:rPr lang="en-US" sz="1800">
+                          <a:effectLst/>
+                        </a:rPr>
+                        <a:t>TCP</a:t>
+                      </a:r>
+                    </a:p>
+                  </a:txBody>
+                  <a:tcPr marL="28440" marR="28440" marT="14220" marB="14220">
+                    <a:lnL>
+                      <a:noFill/>
+                    </a:lnL>
+                    <a:lnR>
+                      <a:noFill/>
+                    </a:lnR>
+                    <a:lnT>
+                      <a:noFill/>
+                    </a:lnT>
+                    <a:lnB>
+                      <a:noFill/>
+                    </a:lnB>
+                    <a:solidFill>
+                      <a:srgbClr val="FFFFFF"/>
+                    </a:solidFill>
+                  </a:tcPr>
+                </a:tc>
+                <a:tc>
+                  <a:txBody>
+                    <a:bodyPr/>
+                    <a:lstStyle/>
+                    <a:p>
+                      <a:pPr algn="l" fontAlgn="t"/>
+                      <a:r>
+                        <a:rPr lang="en-US" sz="1800" dirty="0" err="1">
+                          <a:effectLst/>
+                        </a:rPr>
+                        <a:t>Rexec</a:t>
+                      </a:r>
+                      <a:r>
+                        <a:rPr lang="en-US" sz="1800" dirty="0">
+                          <a:effectLst/>
+                        </a:rPr>
+                        <a:t> on Linux - remote commands without encryption authentication</a:t>
+                      </a:r>
+                    </a:p>
+                  </a:txBody>
+                  <a:tcPr marL="28440" marR="28440" marT="14220" marB="14220">
+                    <a:lnL>
+                      <a:noFill/>
+                    </a:lnL>
+                    <a:lnR>
+                      <a:noFill/>
+                    </a:lnR>
+                    <a:lnT>
+                      <a:noFill/>
+                    </a:lnT>
+                    <a:lnB>
+                      <a:noFill/>
+                    </a:lnB>
+                    <a:solidFill>
+                      <a:srgbClr val="FFFFFF"/>
+                    </a:solidFill>
+                  </a:tcPr>
+                </a:tc>
+                <a:extLst>
+                  <a:ext uri="{0D108BD9-81ED-4DB2-BD59-A6C34878D82A}">
+                    <a16:rowId xmlns:a16="http://schemas.microsoft.com/office/drawing/2014/main" val="2027858043"/>
+                  </a:ext>
+                </a:extLst>
+              </a:tr>
+            </a:tbl>
+          </a:graphicData>
+        </a:graphic>
+      </p:graphicFrame>
+    </p:spTree>
+    <p:extLst>
+      <p:ext uri="{BB962C8B-B14F-4D97-AF65-F5344CB8AC3E}">
+        <p14:creationId xmlns:p14="http://schemas.microsoft.com/office/powerpoint/2010/main" val="2186730187"/>
+      </p:ext>
+    </p:extLst>
+  </p:cSld>
+  <p:clrMapOvr>
+    <a:masterClrMapping/>
+  </p:clrMapOvr>
+</p:sld>
+</file>
+
+<file path=ppt/slides/slide15.xml><?xml version="1.0" encoding="utf-8"?>
+<p:sld xmlns:a="http://schemas.openxmlformats.org/drawingml/2006/main" xmlns:r="http://schemas.openxmlformats.org/officeDocument/2006/relationships" xmlns:p="http://schemas.openxmlformats.org/presentationml/2006/main">
+  <p:cSld>
+    <p:spTree>
+      <p:nvGrpSpPr>
+        <p:cNvPr id="1" name=""/>
+        <p:cNvGrpSpPr/>
+        <p:nvPr/>
+      </p:nvGrpSpPr>
+      <p:grpSpPr>
+        <a:xfrm>
+          <a:off x="0" y="0"/>
+          <a:ext cx="0" cy="0"/>
+          <a:chOff x="0" y="0"/>
+          <a:chExt cx="0" cy="0"/>
+        </a:xfrm>
+      </p:grpSpPr>
+      <p:sp>
+        <p:nvSpPr>
+          <p:cNvPr id="2" name="Title 1">
+            <a:extLst>
+              <a:ext uri="{FF2B5EF4-FFF2-40B4-BE49-F238E27FC236}">
+                <a16:creationId xmlns:a16="http://schemas.microsoft.com/office/drawing/2014/main" id="{D84B0EF9-BC07-504C-891A-E0985EAE28A0}"/>
+              </a:ext>
+            </a:extLst>
+          </p:cNvPr>
+          <p:cNvSpPr>
+            <a:spLocks noGrp="1"/>
+          </p:cNvSpPr>
+          <p:nvPr>
+            <p:ph type="title"/>
+          </p:nvPr>
+        </p:nvSpPr>
+        <p:spPr>
+          <a:xfrm>
+            <a:off x="838200" y="0"/>
+            <a:ext cx="10515600" cy="1325563"/>
+          </a:xfrm>
+        </p:spPr>
+        <p:txBody>
+          <a:bodyPr/>
+          <a:lstStyle/>
+          <a:p>
+            <a:r>
+              <a:rPr lang="en-US" dirty="0"/>
+              <a:t>High Risk Ports 2</a:t>
+            </a:r>
+          </a:p>
+        </p:txBody>
+      </p:sp>
+      <p:graphicFrame>
+        <p:nvGraphicFramePr>
+          <p:cNvPr id="6" name="Table 5">
+            <a:extLst>
+              <a:ext uri="{FF2B5EF4-FFF2-40B4-BE49-F238E27FC236}">
+                <a16:creationId xmlns:a16="http://schemas.microsoft.com/office/drawing/2014/main" id="{7E299437-D8A8-FFE4-6385-2BA8A2616672}"/>
+              </a:ext>
+            </a:extLst>
+          </p:cNvPr>
+          <p:cNvGraphicFramePr>
+            <a:graphicFrameLocks noGrp="1"/>
+          </p:cNvGraphicFramePr>
+          <p:nvPr>
+            <p:extLst>
+              <p:ext uri="{D42A27DB-BD31-4B8C-83A1-F6EECF244321}">
+                <p14:modId xmlns:p14="http://schemas.microsoft.com/office/powerpoint/2010/main" val="2533742479"/>
+              </p:ext>
+            </p:extLst>
+          </p:nvPr>
+        </p:nvGraphicFramePr>
+        <p:xfrm>
+          <a:off x="0" y="1690688"/>
+          <a:ext cx="12192000" cy="3905849"/>
+        </p:xfrm>
+        <a:graphic>
+          <a:graphicData uri="http://schemas.openxmlformats.org/drawingml/2006/table">
+            <a:tbl>
+              <a:tblPr/>
+              <a:tblGrid>
+                <a:gridCol w="4064000">
+                  <a:extLst>
+                    <a:ext uri="{9D8B030D-6E8A-4147-A177-3AD203B41FA5}">
+                      <a16:colId xmlns:a16="http://schemas.microsoft.com/office/drawing/2014/main" val="3144366498"/>
+                    </a:ext>
+                  </a:extLst>
+                </a:gridCol>
+                <a:gridCol w="1681192">
+                  <a:extLst>
+                    <a:ext uri="{9D8B030D-6E8A-4147-A177-3AD203B41FA5}">
+                      <a16:colId xmlns:a16="http://schemas.microsoft.com/office/drawing/2014/main" val="1117548926"/>
+                    </a:ext>
+                  </a:extLst>
+                </a:gridCol>
+                <a:gridCol w="6446808">
+                  <a:extLst>
+                    <a:ext uri="{9D8B030D-6E8A-4147-A177-3AD203B41FA5}">
+                      <a16:colId xmlns:a16="http://schemas.microsoft.com/office/drawing/2014/main" val="1201089669"/>
+                    </a:ext>
+                  </a:extLst>
+                </a:gridCol>
+              </a:tblGrid>
+              <a:tr h="131463">
+                <a:tc>
+                  <a:txBody>
+                    <a:bodyPr/>
+                    <a:lstStyle/>
+                    <a:p>
+                      <a:pPr algn="l" fontAlgn="t"/>
+                      <a:r>
+                        <a:rPr lang="en-US" sz="1800" b="1" dirty="0">
+                          <a:effectLst/>
+                        </a:rPr>
+                        <a:t>Port</a:t>
+                      </a:r>
+                    </a:p>
+                  </a:txBody>
+                  <a:tcPr marL="28440" marR="28440" marT="14220" marB="14220">
+                    <a:lnL w="12700" cap="flat" cmpd="sng" algn="ctr">
+                      <a:noFill/>
+                      <a:prstDash val="solid"/>
+                      <a:round/>
+                      <a:headEnd type="none" w="med" len="med"/>
+                      <a:tailEnd type="none" w="med" len="med"/>
+                    </a:lnL>
+                    <a:lnR w="12700" cap="flat" cmpd="sng" algn="ctr">
+                      <a:noFill/>
+                      <a:prstDash val="solid"/>
+                      <a:round/>
+                      <a:headEnd type="none" w="med" len="med"/>
+                      <a:tailEnd type="none" w="med" len="med"/>
+                    </a:lnR>
+                    <a:lnT w="12700" cap="flat" cmpd="sng" algn="ctr">
+                      <a:noFill/>
+                      <a:prstDash val="solid"/>
+                      <a:round/>
+                      <a:headEnd type="none" w="med" len="med"/>
+                      <a:tailEnd type="none" w="med" len="med"/>
+                    </a:lnT>
+                    <a:lnB w="12700" cap="flat" cmpd="sng" algn="ctr">
+                      <a:noFill/>
+                      <a:prstDash val="solid"/>
+                      <a:round/>
+                      <a:headEnd type="none" w="med" len="med"/>
+                      <a:tailEnd type="none" w="med" len="med"/>
+                    </a:lnB>
+                    <a:lnTlToBr w="12700" cmpd="sng">
+                      <a:noFill/>
+                      <a:prstDash val="solid"/>
+                    </a:lnTlToBr>
+                    <a:lnBlToTr w="12700" cmpd="sng">
+                      <a:noFill/>
+                      <a:prstDash val="solid"/>
+                    </a:lnBlToTr>
+                    <a:solidFill>
+                      <a:schemeClr val="bg1">
+                        <a:lumMod val="75000"/>
+                      </a:schemeClr>
+                    </a:solidFill>
+                  </a:tcPr>
+                </a:tc>
+                <a:tc>
+                  <a:txBody>
+                    <a:bodyPr/>
+                    <a:lstStyle/>
+                    <a:p>
+                      <a:pPr algn="l" fontAlgn="t"/>
+                      <a:r>
+                        <a:rPr lang="en-US" sz="1800" b="1">
+                          <a:effectLst/>
+                        </a:rPr>
+                        <a:t>Protocol</a:t>
+                      </a:r>
+                    </a:p>
+                  </a:txBody>
+                  <a:tcPr marL="28440" marR="28440" marT="14220" marB="14220">
+                    <a:lnL w="12700" cap="flat" cmpd="sng" algn="ctr">
+                      <a:noFill/>
+                      <a:prstDash val="solid"/>
+                      <a:round/>
+                      <a:headEnd type="none" w="med" len="med"/>
+                      <a:tailEnd type="none" w="med" len="med"/>
+                    </a:lnL>
+                    <a:lnR w="12700" cap="flat" cmpd="sng" algn="ctr">
+                      <a:noFill/>
+                      <a:prstDash val="solid"/>
+                      <a:round/>
+                      <a:headEnd type="none" w="med" len="med"/>
+                      <a:tailEnd type="none" w="med" len="med"/>
+                    </a:lnR>
+                    <a:lnT w="12700" cap="flat" cmpd="sng" algn="ctr">
+                      <a:noFill/>
+                      <a:prstDash val="solid"/>
+                      <a:round/>
+                      <a:headEnd type="none" w="med" len="med"/>
+                      <a:tailEnd type="none" w="med" len="med"/>
+                    </a:lnT>
+                    <a:lnB w="12700" cap="flat" cmpd="sng" algn="ctr">
+                      <a:noFill/>
+                      <a:prstDash val="solid"/>
+                      <a:round/>
+                      <a:headEnd type="none" w="med" len="med"/>
+                      <a:tailEnd type="none" w="med" len="med"/>
+                    </a:lnB>
+                    <a:lnTlToBr w="12700" cmpd="sng">
+                      <a:noFill/>
+                      <a:prstDash val="solid"/>
+                    </a:lnTlToBr>
+                    <a:lnBlToTr w="12700" cmpd="sng">
+                      <a:noFill/>
+                      <a:prstDash val="solid"/>
+                    </a:lnBlToTr>
+                    <a:solidFill>
+                      <a:schemeClr val="bg1">
+                        <a:lumMod val="75000"/>
+                      </a:schemeClr>
+                    </a:solidFill>
+                  </a:tcPr>
+                </a:tc>
+                <a:tc>
+                  <a:txBody>
+                    <a:bodyPr/>
+                    <a:lstStyle/>
+                    <a:p>
+                      <a:pPr algn="l" fontAlgn="t"/>
+                      <a:r>
+                        <a:rPr lang="en-US" sz="1800" b="1" dirty="0">
+                          <a:effectLst/>
+                        </a:rPr>
+                        <a:t>Description</a:t>
+                      </a:r>
+                    </a:p>
+                  </a:txBody>
+                  <a:tcPr marL="28440" marR="28440" marT="14220" marB="14220">
+                    <a:lnL w="12700" cap="flat" cmpd="sng" algn="ctr">
+                      <a:noFill/>
+                      <a:prstDash val="solid"/>
+                      <a:round/>
+                      <a:headEnd type="none" w="med" len="med"/>
+                      <a:tailEnd type="none" w="med" len="med"/>
+                    </a:lnL>
+                    <a:lnR w="12700" cap="flat" cmpd="sng" algn="ctr">
+                      <a:noFill/>
+                      <a:prstDash val="solid"/>
+                      <a:round/>
+                      <a:headEnd type="none" w="med" len="med"/>
+                      <a:tailEnd type="none" w="med" len="med"/>
+                    </a:lnR>
+                    <a:lnT w="12700" cap="flat" cmpd="sng" algn="ctr">
+                      <a:noFill/>
+                      <a:prstDash val="solid"/>
+                      <a:round/>
+                      <a:headEnd type="none" w="med" len="med"/>
+                      <a:tailEnd type="none" w="med" len="med"/>
+                    </a:lnT>
+                    <a:lnB w="12700" cap="flat" cmpd="sng" algn="ctr">
+                      <a:noFill/>
+                      <a:prstDash val="solid"/>
+                      <a:round/>
+                      <a:headEnd type="none" w="med" len="med"/>
+                      <a:tailEnd type="none" w="med" len="med"/>
+                    </a:lnB>
+                    <a:lnTlToBr w="12700" cmpd="sng">
+                      <a:noFill/>
+                      <a:prstDash val="solid"/>
+                    </a:lnTlToBr>
+                    <a:lnBlToTr w="12700" cmpd="sng">
+                      <a:noFill/>
+                      <a:prstDash val="solid"/>
+                    </a:lnBlToTr>
+                    <a:solidFill>
+                      <a:schemeClr val="bg1">
+                        <a:lumMod val="75000"/>
+                      </a:schemeClr>
+                    </a:solidFill>
+                  </a:tcPr>
+                </a:tc>
+                <a:extLst>
+                  <a:ext uri="{0D108BD9-81ED-4DB2-BD59-A6C34878D82A}">
+                    <a16:rowId xmlns:a16="http://schemas.microsoft.com/office/drawing/2014/main" val="867297075"/>
+                  </a:ext>
+                </a:extLst>
+              </a:tr>
+              <a:tr h="432287">
+                <a:tc>
+                  <a:txBody>
+                    <a:bodyPr/>
+                    <a:lstStyle/>
+                    <a:p>
+                      <a:pPr algn="l" fontAlgn="t"/>
+                      <a:r>
+                        <a:rPr lang="en-US" sz="1800" dirty="0">
+                          <a:effectLst/>
+                        </a:rPr>
+                        <a:t>514</a:t>
+                      </a:r>
+                    </a:p>
+                  </a:txBody>
+                  <a:tcPr marL="28440" marR="28440" marT="14220" marB="14220">
+                    <a:lnL w="12700" cap="flat" cmpd="sng" algn="ctr">
+                      <a:noFill/>
+                      <a:prstDash val="solid"/>
+                      <a:round/>
+                      <a:headEnd type="none" w="med" len="med"/>
+                      <a:tailEnd type="none" w="med" len="med"/>
+                    </a:lnL>
+                    <a:lnR w="12700" cap="flat" cmpd="sng" algn="ctr">
+                      <a:noFill/>
+                      <a:prstDash val="solid"/>
+                      <a:round/>
+                      <a:headEnd type="none" w="med" len="med"/>
+                      <a:tailEnd type="none" w="med" len="med"/>
+                    </a:lnR>
+                    <a:lnT w="12700" cap="flat" cmpd="sng" algn="ctr">
+                      <a:noFill/>
+                      <a:prstDash val="solid"/>
+                      <a:round/>
+                      <a:headEnd type="none" w="med" len="med"/>
+                      <a:tailEnd type="none" w="med" len="med"/>
+                    </a:lnT>
+                    <a:lnB w="12700" cap="flat" cmpd="sng" algn="ctr">
+                      <a:noFill/>
+                      <a:prstDash val="solid"/>
+                      <a:round/>
+                      <a:headEnd type="none" w="med" len="med"/>
+                      <a:tailEnd type="none" w="med" len="med"/>
+                    </a:lnB>
+                    <a:lnTlToBr w="12700" cmpd="sng">
+                      <a:noFill/>
+                      <a:prstDash val="solid"/>
+                    </a:lnTlToBr>
+                    <a:lnBlToTr w="12700" cmpd="sng">
+                      <a:noFill/>
+                      <a:prstDash val="solid"/>
+                    </a:lnBlToTr>
+                    <a:solidFill>
+                      <a:srgbClr val="FFFFFF"/>
+                    </a:solidFill>
+                  </a:tcPr>
+                </a:tc>
+                <a:tc>
+                  <a:txBody>
+                    <a:bodyPr/>
+                    <a:lstStyle/>
+                    <a:p>
+                      <a:pPr algn="l" fontAlgn="t"/>
+                      <a:r>
+                        <a:rPr lang="en-US" sz="1800">
+                          <a:effectLst/>
+                        </a:rPr>
+                        <a:t>TCP</a:t>
+                      </a:r>
+                    </a:p>
+                  </a:txBody>
+                  <a:tcPr marL="28440" marR="28440" marT="14220" marB="14220">
+                    <a:lnL w="12700" cap="flat" cmpd="sng" algn="ctr">
+                      <a:noFill/>
+                      <a:prstDash val="solid"/>
+                      <a:round/>
+                      <a:headEnd type="none" w="med" len="med"/>
+                      <a:tailEnd type="none" w="med" len="med"/>
+                    </a:lnL>
+                    <a:lnR w="12700" cap="flat" cmpd="sng" algn="ctr">
+                      <a:noFill/>
+                      <a:prstDash val="solid"/>
+                      <a:round/>
+                      <a:headEnd type="none" w="med" len="med"/>
+                      <a:tailEnd type="none" w="med" len="med"/>
+                    </a:lnR>
+                    <a:lnT w="12700" cap="flat" cmpd="sng" algn="ctr">
+                      <a:noFill/>
+                      <a:prstDash val="solid"/>
+                      <a:round/>
+                      <a:headEnd type="none" w="med" len="med"/>
+                      <a:tailEnd type="none" w="med" len="med"/>
+                    </a:lnT>
+                    <a:lnB w="12700" cap="flat" cmpd="sng" algn="ctr">
+                      <a:noFill/>
+                      <a:prstDash val="solid"/>
+                      <a:round/>
+                      <a:headEnd type="none" w="med" len="med"/>
+                      <a:tailEnd type="none" w="med" len="med"/>
+                    </a:lnB>
+                    <a:lnTlToBr w="12700" cmpd="sng">
+                      <a:noFill/>
+                      <a:prstDash val="solid"/>
+                    </a:lnTlToBr>
+                    <a:lnBlToTr w="12700" cmpd="sng">
+                      <a:noFill/>
+                      <a:prstDash val="solid"/>
+                    </a:lnBlToTr>
+                    <a:solidFill>
+                      <a:srgbClr val="FFFFFF"/>
+                    </a:solidFill>
+                  </a:tcPr>
+                </a:tc>
+                <a:tc>
+                  <a:txBody>
+                    <a:bodyPr/>
+                    <a:lstStyle/>
+                    <a:p>
+                      <a:pPr algn="l" fontAlgn="t"/>
+                      <a:r>
+                        <a:rPr lang="en-US" sz="1800" dirty="0">
+                          <a:effectLst/>
+                        </a:rPr>
+                        <a:t>Remote Shell - remote commands without authentication or encryption</a:t>
+                      </a:r>
+                    </a:p>
+                  </a:txBody>
+                  <a:tcPr marL="28440" marR="28440" marT="14220" marB="14220">
+                    <a:lnL w="12700" cap="flat" cmpd="sng" algn="ctr">
+                      <a:noFill/>
+                      <a:prstDash val="solid"/>
+                      <a:round/>
+                      <a:headEnd type="none" w="med" len="med"/>
+                      <a:tailEnd type="none" w="med" len="med"/>
+                    </a:lnL>
+                    <a:lnR w="12700" cap="flat" cmpd="sng" algn="ctr">
+                      <a:noFill/>
+                      <a:prstDash val="solid"/>
+                      <a:round/>
+                      <a:headEnd type="none" w="med" len="med"/>
+                      <a:tailEnd type="none" w="med" len="med"/>
+                    </a:lnR>
+                    <a:lnT w="12700" cap="flat" cmpd="sng" algn="ctr">
+                      <a:noFill/>
+                      <a:prstDash val="solid"/>
+                      <a:round/>
+                      <a:headEnd type="none" w="med" len="med"/>
+                      <a:tailEnd type="none" w="med" len="med"/>
+                    </a:lnT>
+                    <a:lnB w="12700" cap="flat" cmpd="sng" algn="ctr">
+                      <a:noFill/>
+                      <a:prstDash val="solid"/>
+                      <a:round/>
+                      <a:headEnd type="none" w="med" len="med"/>
+                      <a:tailEnd type="none" w="med" len="med"/>
+                    </a:lnB>
+                    <a:lnTlToBr w="12700" cmpd="sng">
+                      <a:noFill/>
+                      <a:prstDash val="solid"/>
+                    </a:lnTlToBr>
+                    <a:lnBlToTr w="12700" cmpd="sng">
+                      <a:noFill/>
+                      <a:prstDash val="solid"/>
+                    </a:lnBlToTr>
+                    <a:solidFill>
+                      <a:srgbClr val="FFFFFF"/>
+                    </a:solidFill>
+                  </a:tcPr>
+                </a:tc>
+                <a:extLst>
+                  <a:ext uri="{0D108BD9-81ED-4DB2-BD59-A6C34878D82A}">
+                    <a16:rowId xmlns:a16="http://schemas.microsoft.com/office/drawing/2014/main" val="1861303079"/>
+                  </a:ext>
+                </a:extLst>
+              </a:tr>
+              <a:tr h="432287">
+                <a:tc>
+                  <a:txBody>
+                    <a:bodyPr/>
+                    <a:lstStyle/>
+                    <a:p>
+                      <a:pPr algn="l" fontAlgn="t"/>
+                      <a:r>
+                        <a:rPr lang="en-US" sz="1800" dirty="0">
+                          <a:effectLst/>
+                        </a:rPr>
+                        <a:t>593</a:t>
+                      </a:r>
+                    </a:p>
+                  </a:txBody>
+                  <a:tcPr marL="28440" marR="28440" marT="14220" marB="14220">
+                    <a:lnL w="12700" cap="flat" cmpd="sng" algn="ctr">
+                      <a:noFill/>
+                      <a:prstDash val="solid"/>
+                      <a:round/>
+                      <a:headEnd type="none" w="med" len="med"/>
+                      <a:tailEnd type="none" w="med" len="med"/>
+                    </a:lnL>
+                    <a:lnR w="12700" cap="flat" cmpd="sng" algn="ctr">
+                      <a:noFill/>
+                      <a:prstDash val="solid"/>
+                      <a:round/>
+                      <a:headEnd type="none" w="med" len="med"/>
+                      <a:tailEnd type="none" w="med" len="med"/>
+                    </a:lnR>
+                    <a:lnT w="12700" cap="flat" cmpd="sng" algn="ctr">
+                      <a:noFill/>
+                      <a:prstDash val="solid"/>
+                      <a:round/>
+                      <a:headEnd type="none" w="med" len="med"/>
+                      <a:tailEnd type="none" w="med" len="med"/>
+                    </a:lnT>
+                    <a:lnB w="12700" cap="flat" cmpd="sng" algn="ctr">
+                      <a:noFill/>
+                      <a:prstDash val="solid"/>
+                      <a:round/>
+                      <a:headEnd type="none" w="med" len="med"/>
+                      <a:tailEnd type="none" w="med" len="med"/>
+                    </a:lnB>
+                    <a:lnTlToBr w="12700" cmpd="sng">
+                      <a:noFill/>
+                      <a:prstDash val="solid"/>
+                    </a:lnTlToBr>
+                    <a:lnBlToTr w="12700" cmpd="sng">
+                      <a:noFill/>
+                      <a:prstDash val="solid"/>
+                    </a:lnBlToTr>
+                    <a:solidFill>
+                      <a:srgbClr val="FFFFFF"/>
+                    </a:solidFill>
+                  </a:tcPr>
+                </a:tc>
+                <a:tc>
+                  <a:txBody>
+                    <a:bodyPr/>
+                    <a:lstStyle/>
+                    <a:p>
+                      <a:pPr algn="l" fontAlgn="t"/>
+                      <a:r>
+                        <a:rPr lang="en-US" sz="1800">
+                          <a:effectLst/>
+                        </a:rPr>
+                        <a:t>TCP/UDP</a:t>
+                      </a:r>
+                    </a:p>
+                  </a:txBody>
+                  <a:tcPr marL="28440" marR="28440" marT="14220" marB="14220">
+                    <a:lnL w="12700" cap="flat" cmpd="sng" algn="ctr">
+                      <a:noFill/>
+                      <a:prstDash val="solid"/>
+                      <a:round/>
+                      <a:headEnd type="none" w="med" len="med"/>
+                      <a:tailEnd type="none" w="med" len="med"/>
+                    </a:lnL>
+                    <a:lnR w="12700" cap="flat" cmpd="sng" algn="ctr">
+                      <a:noFill/>
+                      <a:prstDash val="solid"/>
+                      <a:round/>
+                      <a:headEnd type="none" w="med" len="med"/>
+                      <a:tailEnd type="none" w="med" len="med"/>
+                    </a:lnR>
+                    <a:lnT w="12700" cap="flat" cmpd="sng" algn="ctr">
+                      <a:noFill/>
+                      <a:prstDash val="solid"/>
+                      <a:round/>
+                      <a:headEnd type="none" w="med" len="med"/>
+                      <a:tailEnd type="none" w="med" len="med"/>
+                    </a:lnT>
+                    <a:lnB w="12700" cap="flat" cmpd="sng" algn="ctr">
+                      <a:noFill/>
+                      <a:prstDash val="solid"/>
+                      <a:round/>
+                      <a:headEnd type="none" w="med" len="med"/>
+                      <a:tailEnd type="none" w="med" len="med"/>
+                    </a:lnB>
+                    <a:lnTlToBr w="12700" cmpd="sng">
+                      <a:noFill/>
+                      <a:prstDash val="solid"/>
+                    </a:lnTlToBr>
+                    <a:lnBlToTr w="12700" cmpd="sng">
+                      <a:noFill/>
+                      <a:prstDash val="solid"/>
+                    </a:lnBlToTr>
+                    <a:solidFill>
+                      <a:srgbClr val="FFFFFF"/>
+                    </a:solidFill>
+                  </a:tcPr>
+                </a:tc>
+                <a:tc>
+                  <a:txBody>
+                    <a:bodyPr/>
+                    <a:lstStyle/>
+                    <a:p>
+                      <a:pPr algn="l" fontAlgn="t"/>
+                      <a:r>
+                        <a:rPr lang="en-US" sz="1800">
+                          <a:effectLst/>
+                        </a:rPr>
+                        <a:t>HTTP RPC EPMAP - unencrypted remote procedure call</a:t>
+                      </a:r>
+                    </a:p>
+                  </a:txBody>
+                  <a:tcPr marL="28440" marR="28440" marT="14220" marB="14220">
+                    <a:lnL w="12700" cap="flat" cmpd="sng" algn="ctr">
+                      <a:noFill/>
+                      <a:prstDash val="solid"/>
+                      <a:round/>
+                      <a:headEnd type="none" w="med" len="med"/>
+                      <a:tailEnd type="none" w="med" len="med"/>
+                    </a:lnL>
+                    <a:lnR w="12700" cap="flat" cmpd="sng" algn="ctr">
+                      <a:noFill/>
+                      <a:prstDash val="solid"/>
+                      <a:round/>
+                      <a:headEnd type="none" w="med" len="med"/>
+                      <a:tailEnd type="none" w="med" len="med"/>
+                    </a:lnR>
+                    <a:lnT w="12700" cap="flat" cmpd="sng" algn="ctr">
+                      <a:noFill/>
+                      <a:prstDash val="solid"/>
+                      <a:round/>
+                      <a:headEnd type="none" w="med" len="med"/>
+                      <a:tailEnd type="none" w="med" len="med"/>
+                    </a:lnT>
+                    <a:lnB w="12700" cap="flat" cmpd="sng" algn="ctr">
+                      <a:noFill/>
+                      <a:prstDash val="solid"/>
+                      <a:round/>
+                      <a:headEnd type="none" w="med" len="med"/>
+                      <a:tailEnd type="none" w="med" len="med"/>
+                    </a:lnB>
+                    <a:lnTlToBr w="12700" cmpd="sng">
+                      <a:noFill/>
+                      <a:prstDash val="solid"/>
+                    </a:lnTlToBr>
+                    <a:lnBlToTr w="12700" cmpd="sng">
+                      <a:noFill/>
+                      <a:prstDash val="solid"/>
+                    </a:lnBlToTr>
+                    <a:solidFill>
+                      <a:srgbClr val="FFFFFF"/>
+                    </a:solidFill>
+                  </a:tcPr>
+                </a:tc>
+                <a:extLst>
+                  <a:ext uri="{0D108BD9-81ED-4DB2-BD59-A6C34878D82A}">
+                    <a16:rowId xmlns:a16="http://schemas.microsoft.com/office/drawing/2014/main" val="2782953573"/>
+                  </a:ext>
+                </a:extLst>
+              </a:tr>
+              <a:tr h="432287">
+                <a:tc>
+                  <a:txBody>
+                    <a:bodyPr/>
+                    <a:lstStyle/>
+                    <a:p>
+                      <a:pPr algn="l" fontAlgn="t"/>
+                      <a:r>
+                        <a:rPr lang="en-US" sz="1800" dirty="0">
+                          <a:effectLst/>
+                        </a:rPr>
+                        <a:t>873</a:t>
+                      </a:r>
+                    </a:p>
+                  </a:txBody>
+                  <a:tcPr marL="28440" marR="28440" marT="14220" marB="14220">
+                    <a:lnL w="12700" cap="flat" cmpd="sng" algn="ctr">
+                      <a:noFill/>
+                      <a:prstDash val="solid"/>
+                      <a:round/>
+                      <a:headEnd type="none" w="med" len="med"/>
+                      <a:tailEnd type="none" w="med" len="med"/>
+                    </a:lnL>
+                    <a:lnR w="12700" cap="flat" cmpd="sng" algn="ctr">
+                      <a:noFill/>
+                      <a:prstDash val="solid"/>
+                      <a:round/>
+                      <a:headEnd type="none" w="med" len="med"/>
+                      <a:tailEnd type="none" w="med" len="med"/>
+                    </a:lnR>
+                    <a:lnT w="12700" cap="flat" cmpd="sng" algn="ctr">
+                      <a:noFill/>
+                      <a:prstDash val="solid"/>
+                      <a:round/>
+                      <a:headEnd type="none" w="med" len="med"/>
+                      <a:tailEnd type="none" w="med" len="med"/>
+                    </a:lnT>
+                    <a:lnB w="12700" cap="flat" cmpd="sng" algn="ctr">
+                      <a:noFill/>
+                      <a:prstDash val="solid"/>
+                      <a:round/>
+                      <a:headEnd type="none" w="med" len="med"/>
+                      <a:tailEnd type="none" w="med" len="med"/>
+                    </a:lnB>
+                    <a:lnTlToBr w="12700" cmpd="sng">
+                      <a:noFill/>
+                      <a:prstDash val="solid"/>
+                    </a:lnTlToBr>
+                    <a:lnBlToTr w="12700" cmpd="sng">
+                      <a:noFill/>
+                      <a:prstDash val="solid"/>
+                    </a:lnBlToTr>
+                    <a:solidFill>
+                      <a:srgbClr val="FFFFFF"/>
+                    </a:solidFill>
+                  </a:tcPr>
+                </a:tc>
+                <a:tc>
+                  <a:txBody>
+                    <a:bodyPr/>
+                    <a:lstStyle/>
+                    <a:p>
+                      <a:pPr algn="l" fontAlgn="t"/>
+                      <a:r>
+                        <a:rPr lang="en-US" sz="1800">
+                          <a:effectLst/>
+                        </a:rPr>
+                        <a:t>TCP</a:t>
+                      </a:r>
+                    </a:p>
+                  </a:txBody>
+                  <a:tcPr marL="28440" marR="28440" marT="14220" marB="14220">
+                    <a:lnL w="12700" cap="flat" cmpd="sng" algn="ctr">
+                      <a:noFill/>
+                      <a:prstDash val="solid"/>
+                      <a:round/>
+                      <a:headEnd type="none" w="med" len="med"/>
+                      <a:tailEnd type="none" w="med" len="med"/>
+                    </a:lnL>
+                    <a:lnR w="12700" cap="flat" cmpd="sng" algn="ctr">
+                      <a:noFill/>
+                      <a:prstDash val="solid"/>
+                      <a:round/>
+                      <a:headEnd type="none" w="med" len="med"/>
+                      <a:tailEnd type="none" w="med" len="med"/>
+                    </a:lnR>
+                    <a:lnT w="12700" cap="flat" cmpd="sng" algn="ctr">
+                      <a:noFill/>
+                      <a:prstDash val="solid"/>
+                      <a:round/>
+                      <a:headEnd type="none" w="med" len="med"/>
+                      <a:tailEnd type="none" w="med" len="med"/>
+                    </a:lnT>
+                    <a:lnB w="12700" cap="flat" cmpd="sng" algn="ctr">
+                      <a:noFill/>
+                      <a:prstDash val="solid"/>
+                      <a:round/>
+                      <a:headEnd type="none" w="med" len="med"/>
+                      <a:tailEnd type="none" w="med" len="med"/>
+                    </a:lnB>
+                    <a:lnTlToBr w="12700" cmpd="sng">
+                      <a:noFill/>
+                      <a:prstDash val="solid"/>
+                    </a:lnTlToBr>
+                    <a:lnBlToTr w="12700" cmpd="sng">
+                      <a:noFill/>
+                      <a:prstDash val="solid"/>
+                    </a:lnBlToTr>
+                    <a:solidFill>
+                      <a:srgbClr val="FFFFFF"/>
+                    </a:solidFill>
+                  </a:tcPr>
+                </a:tc>
+                <a:tc>
+                  <a:txBody>
+                    <a:bodyPr/>
+                    <a:lstStyle/>
+                    <a:p>
+                      <a:pPr algn="l" fontAlgn="t"/>
+                      <a:r>
+                        <a:rPr lang="en-US" sz="1800">
+                          <a:effectLst/>
+                        </a:rPr>
+                        <a:t>Rsync - unencrypted file transfer</a:t>
+                      </a:r>
+                    </a:p>
+                  </a:txBody>
+                  <a:tcPr marL="28440" marR="28440" marT="14220" marB="14220">
+                    <a:lnL w="12700" cap="flat" cmpd="sng" algn="ctr">
+                      <a:noFill/>
+                      <a:prstDash val="solid"/>
+                      <a:round/>
+                      <a:headEnd type="none" w="med" len="med"/>
+                      <a:tailEnd type="none" w="med" len="med"/>
+                    </a:lnL>
+                    <a:lnR w="12700" cap="flat" cmpd="sng" algn="ctr">
+                      <a:noFill/>
+                      <a:prstDash val="solid"/>
+                      <a:round/>
+                      <a:headEnd type="none" w="med" len="med"/>
+                      <a:tailEnd type="none" w="med" len="med"/>
+                    </a:lnR>
+                    <a:lnT w="12700" cap="flat" cmpd="sng" algn="ctr">
+                      <a:noFill/>
+                      <a:prstDash val="solid"/>
+                      <a:round/>
+                      <a:headEnd type="none" w="med" len="med"/>
+                      <a:tailEnd type="none" w="med" len="med"/>
+                    </a:lnT>
+                    <a:lnB w="12700" cap="flat" cmpd="sng" algn="ctr">
+                      <a:noFill/>
+                      <a:prstDash val="solid"/>
+                      <a:round/>
+                      <a:headEnd type="none" w="med" len="med"/>
+                      <a:tailEnd type="none" w="med" len="med"/>
+                    </a:lnB>
+                    <a:lnTlToBr w="12700" cmpd="sng">
+                      <a:noFill/>
+                      <a:prstDash val="solid"/>
+                    </a:lnTlToBr>
+                    <a:lnBlToTr w="12700" cmpd="sng">
+                      <a:noFill/>
+                      <a:prstDash val="solid"/>
+                    </a:lnBlToTr>
+                    <a:solidFill>
+                      <a:srgbClr val="FFFFFF"/>
+                    </a:solidFill>
+                  </a:tcPr>
+                </a:tc>
+                <a:extLst>
+                  <a:ext uri="{0D108BD9-81ED-4DB2-BD59-A6C34878D82A}">
+                    <a16:rowId xmlns:a16="http://schemas.microsoft.com/office/drawing/2014/main" val="2870051447"/>
+                  </a:ext>
+                </a:extLst>
+              </a:tr>
+              <a:tr h="432287">
+                <a:tc>
+                  <a:txBody>
+                    <a:bodyPr/>
+                    <a:lstStyle/>
+                    <a:p>
+                      <a:pPr algn="l" fontAlgn="t"/>
+                      <a:r>
+                        <a:rPr lang="en-US" sz="1800" dirty="0">
+                          <a:effectLst/>
+                        </a:rPr>
+                        <a:t>2049</a:t>
+                      </a:r>
+                    </a:p>
+                  </a:txBody>
+                  <a:tcPr marL="28440" marR="28440" marT="14220" marB="14220">
+                    <a:lnL w="12700" cap="flat" cmpd="sng" algn="ctr">
+                      <a:noFill/>
+                      <a:prstDash val="solid"/>
+                      <a:round/>
+                      <a:headEnd type="none" w="med" len="med"/>
+                      <a:tailEnd type="none" w="med" len="med"/>
+                    </a:lnL>
+                    <a:lnR w="12700" cap="flat" cmpd="sng" algn="ctr">
+                      <a:noFill/>
+                      <a:prstDash val="solid"/>
+                      <a:round/>
+                      <a:headEnd type="none" w="med" len="med"/>
+                      <a:tailEnd type="none" w="med" len="med"/>
+                    </a:lnR>
+                    <a:lnT w="12700" cap="flat" cmpd="sng" algn="ctr">
+                      <a:noFill/>
+                      <a:prstDash val="solid"/>
+                      <a:round/>
+                      <a:headEnd type="none" w="med" len="med"/>
+                      <a:tailEnd type="none" w="med" len="med"/>
+                    </a:lnT>
+                    <a:lnB w="12700" cap="flat" cmpd="sng" algn="ctr">
+                      <a:noFill/>
+                      <a:prstDash val="solid"/>
+                      <a:round/>
+                      <a:headEnd type="none" w="med" len="med"/>
+                      <a:tailEnd type="none" w="med" len="med"/>
+                    </a:lnB>
+                    <a:lnTlToBr w="12700" cmpd="sng">
+                      <a:noFill/>
+                      <a:prstDash val="solid"/>
+                    </a:lnTlToBr>
+                    <a:lnBlToTr w="12700" cmpd="sng">
+                      <a:noFill/>
+                      <a:prstDash val="solid"/>
+                    </a:lnBlToTr>
+                    <a:solidFill>
+                      <a:srgbClr val="FFFFFF"/>
+                    </a:solidFill>
+                  </a:tcPr>
+                </a:tc>
+                <a:tc>
+                  <a:txBody>
+                    <a:bodyPr/>
+                    <a:lstStyle/>
+                    <a:p>
+                      <a:pPr algn="l" fontAlgn="t"/>
+                      <a:r>
+                        <a:rPr lang="en-US" sz="1800">
+                          <a:effectLst/>
+                        </a:rPr>
+                        <a:t>TCP/UDP</a:t>
+                      </a:r>
+                    </a:p>
+                  </a:txBody>
+                  <a:tcPr marL="28440" marR="28440" marT="14220" marB="14220">
+                    <a:lnL w="12700" cap="flat" cmpd="sng" algn="ctr">
+                      <a:noFill/>
+                      <a:prstDash val="solid"/>
+                      <a:round/>
+                      <a:headEnd type="none" w="med" len="med"/>
+                      <a:tailEnd type="none" w="med" len="med"/>
+                    </a:lnL>
+                    <a:lnR w="12700" cap="flat" cmpd="sng" algn="ctr">
+                      <a:noFill/>
+                      <a:prstDash val="solid"/>
+                      <a:round/>
+                      <a:headEnd type="none" w="med" len="med"/>
+                      <a:tailEnd type="none" w="med" len="med"/>
+                    </a:lnR>
+                    <a:lnT w="12700" cap="flat" cmpd="sng" algn="ctr">
+                      <a:noFill/>
+                      <a:prstDash val="solid"/>
+                      <a:round/>
+                      <a:headEnd type="none" w="med" len="med"/>
+                      <a:tailEnd type="none" w="med" len="med"/>
+                    </a:lnT>
+                    <a:lnB w="12700" cap="flat" cmpd="sng" algn="ctr">
+                      <a:noFill/>
+                      <a:prstDash val="solid"/>
+                      <a:round/>
+                      <a:headEnd type="none" w="med" len="med"/>
+                      <a:tailEnd type="none" w="med" len="med"/>
+                    </a:lnB>
+                    <a:lnTlToBr w="12700" cmpd="sng">
+                      <a:noFill/>
+                      <a:prstDash val="solid"/>
+                    </a:lnTlToBr>
+                    <a:lnBlToTr w="12700" cmpd="sng">
+                      <a:noFill/>
+                      <a:prstDash val="solid"/>
+                    </a:lnBlToTr>
+                    <a:solidFill>
+                      <a:srgbClr val="FFFFFF"/>
+                    </a:solidFill>
+                  </a:tcPr>
+                </a:tc>
+                <a:tc>
+                  <a:txBody>
+                    <a:bodyPr/>
+                    <a:lstStyle/>
+                    <a:p>
+                      <a:pPr algn="l" fontAlgn="t"/>
+                      <a:r>
+                        <a:rPr lang="en-US" sz="1800">
+                          <a:effectLst/>
+                        </a:rPr>
+                        <a:t>Network File System</a:t>
+                      </a:r>
+                    </a:p>
+                  </a:txBody>
+                  <a:tcPr marL="28440" marR="28440" marT="14220" marB="14220">
+                    <a:lnL w="12700" cap="flat" cmpd="sng" algn="ctr">
+                      <a:noFill/>
+                      <a:prstDash val="solid"/>
+                      <a:round/>
+                      <a:headEnd type="none" w="med" len="med"/>
+                      <a:tailEnd type="none" w="med" len="med"/>
+                    </a:lnL>
+                    <a:lnR w="12700" cap="flat" cmpd="sng" algn="ctr">
+                      <a:noFill/>
+                      <a:prstDash val="solid"/>
+                      <a:round/>
+                      <a:headEnd type="none" w="med" len="med"/>
+                      <a:tailEnd type="none" w="med" len="med"/>
+                    </a:lnR>
+                    <a:lnT w="12700" cap="flat" cmpd="sng" algn="ctr">
+                      <a:noFill/>
+                      <a:prstDash val="solid"/>
+                      <a:round/>
+                      <a:headEnd type="none" w="med" len="med"/>
+                      <a:tailEnd type="none" w="med" len="med"/>
+                    </a:lnT>
+                    <a:lnB w="12700" cap="flat" cmpd="sng" algn="ctr">
+                      <a:noFill/>
+                      <a:prstDash val="solid"/>
+                      <a:round/>
+                      <a:headEnd type="none" w="med" len="med"/>
+                      <a:tailEnd type="none" w="med" len="med"/>
+                    </a:lnB>
+                    <a:lnTlToBr w="12700" cmpd="sng">
+                      <a:noFill/>
+                      <a:prstDash val="solid"/>
+                    </a:lnTlToBr>
+                    <a:lnBlToTr w="12700" cmpd="sng">
+                      <a:noFill/>
+                      <a:prstDash val="solid"/>
+                    </a:lnBlToTr>
+                    <a:solidFill>
+                      <a:srgbClr val="FFFFFF"/>
+                    </a:solidFill>
+                  </a:tcPr>
+                </a:tc>
+                <a:extLst>
+                  <a:ext uri="{0D108BD9-81ED-4DB2-BD59-A6C34878D82A}">
+                    <a16:rowId xmlns:a16="http://schemas.microsoft.com/office/drawing/2014/main" val="245362115"/>
+                  </a:ext>
+                </a:extLst>
+              </a:tr>
+              <a:tr h="432287">
+                <a:tc>
+                  <a:txBody>
+                    <a:bodyPr/>
+                    <a:lstStyle/>
+                    <a:p>
+                      <a:pPr algn="l" fontAlgn="t"/>
+                      <a:r>
+                        <a:rPr lang="en-US" sz="1800" dirty="0">
+                          <a:effectLst/>
+                        </a:rPr>
+                        <a:t>3389</a:t>
+                      </a:r>
+                    </a:p>
+                  </a:txBody>
+                  <a:tcPr marL="28440" marR="28440" marT="14220" marB="14220">
+                    <a:lnL w="12700" cap="flat" cmpd="sng" algn="ctr">
+                      <a:noFill/>
+                      <a:prstDash val="solid"/>
+                      <a:round/>
+                      <a:headEnd type="none" w="med" len="med"/>
+                      <a:tailEnd type="none" w="med" len="med"/>
+                    </a:lnL>
+                    <a:lnR w="12700" cap="flat" cmpd="sng" algn="ctr">
+                      <a:noFill/>
+                      <a:prstDash val="solid"/>
+                      <a:round/>
+                      <a:headEnd type="none" w="med" len="med"/>
+                      <a:tailEnd type="none" w="med" len="med"/>
+                    </a:lnR>
+                    <a:lnT w="12700" cap="flat" cmpd="sng" algn="ctr">
+                      <a:noFill/>
+                      <a:prstDash val="solid"/>
+                      <a:round/>
+                      <a:headEnd type="none" w="med" len="med"/>
+                      <a:tailEnd type="none" w="med" len="med"/>
+                    </a:lnT>
+                    <a:lnB w="12700" cap="flat" cmpd="sng" algn="ctr">
+                      <a:noFill/>
+                      <a:prstDash val="solid"/>
+                      <a:round/>
+                      <a:headEnd type="none" w="med" len="med"/>
+                      <a:tailEnd type="none" w="med" len="med"/>
+                    </a:lnB>
+                    <a:lnTlToBr w="12700" cmpd="sng">
+                      <a:noFill/>
+                      <a:prstDash val="solid"/>
+                    </a:lnTlToBr>
+                    <a:lnBlToTr w="12700" cmpd="sng">
+                      <a:noFill/>
+                      <a:prstDash val="solid"/>
+                    </a:lnBlToTr>
+                    <a:solidFill>
+                      <a:srgbClr val="FFFFFF"/>
+                    </a:solidFill>
+                  </a:tcPr>
+                </a:tc>
+                <a:tc>
+                  <a:txBody>
+                    <a:bodyPr/>
+                    <a:lstStyle/>
+                    <a:p>
+                      <a:pPr algn="l" fontAlgn="t"/>
+                      <a:r>
+                        <a:rPr lang="en-US" sz="1800">
+                          <a:effectLst/>
+                        </a:rPr>
+                        <a:t>TCP</a:t>
+                      </a:r>
+                    </a:p>
+                  </a:txBody>
+                  <a:tcPr marL="28440" marR="28440" marT="14220" marB="14220">
+                    <a:lnL w="12700" cap="flat" cmpd="sng" algn="ctr">
+                      <a:noFill/>
+                      <a:prstDash val="solid"/>
+                      <a:round/>
+                      <a:headEnd type="none" w="med" len="med"/>
+                      <a:tailEnd type="none" w="med" len="med"/>
+                    </a:lnL>
+                    <a:lnR w="12700" cap="flat" cmpd="sng" algn="ctr">
+                      <a:noFill/>
+                      <a:prstDash val="solid"/>
+                      <a:round/>
+                      <a:headEnd type="none" w="med" len="med"/>
+                      <a:tailEnd type="none" w="med" len="med"/>
+                    </a:lnR>
+                    <a:lnT w="12700" cap="flat" cmpd="sng" algn="ctr">
+                      <a:noFill/>
+                      <a:prstDash val="solid"/>
+                      <a:round/>
+                      <a:headEnd type="none" w="med" len="med"/>
+                      <a:tailEnd type="none" w="med" len="med"/>
+                    </a:lnT>
+                    <a:lnB w="12700" cap="flat" cmpd="sng" algn="ctr">
+                      <a:noFill/>
+                      <a:prstDash val="solid"/>
+                      <a:round/>
+                      <a:headEnd type="none" w="med" len="med"/>
+                      <a:tailEnd type="none" w="med" len="med"/>
+                    </a:lnB>
+                    <a:lnTlToBr w="12700" cmpd="sng">
+                      <a:noFill/>
+                      <a:prstDash val="solid"/>
+                    </a:lnTlToBr>
+                    <a:lnBlToTr w="12700" cmpd="sng">
+                      <a:noFill/>
+                      <a:prstDash val="solid"/>
+                    </a:lnBlToTr>
+                    <a:solidFill>
+                      <a:srgbClr val="FFFFFF"/>
+                    </a:solidFill>
+                  </a:tcPr>
+                </a:tc>
+                <a:tc>
+                  <a:txBody>
+                    <a:bodyPr/>
+                    <a:lstStyle/>
+                    <a:p>
+                      <a:pPr algn="l" fontAlgn="t"/>
+                      <a:r>
+                        <a:rPr lang="en-US" sz="1800">
+                          <a:effectLst/>
+                        </a:rPr>
+                        <a:t>RDP - Common brute force attack port</a:t>
+                      </a:r>
+                    </a:p>
+                  </a:txBody>
+                  <a:tcPr marL="28440" marR="28440" marT="14220" marB="14220">
+                    <a:lnL w="12700" cap="flat" cmpd="sng" algn="ctr">
+                      <a:noFill/>
+                      <a:prstDash val="solid"/>
+                      <a:round/>
+                      <a:headEnd type="none" w="med" len="med"/>
+                      <a:tailEnd type="none" w="med" len="med"/>
+                    </a:lnL>
+                    <a:lnR w="12700" cap="flat" cmpd="sng" algn="ctr">
+                      <a:noFill/>
+                      <a:prstDash val="solid"/>
+                      <a:round/>
+                      <a:headEnd type="none" w="med" len="med"/>
+                      <a:tailEnd type="none" w="med" len="med"/>
+                    </a:lnR>
+                    <a:lnT w="12700" cap="flat" cmpd="sng" algn="ctr">
+                      <a:noFill/>
+                      <a:prstDash val="solid"/>
+                      <a:round/>
+                      <a:headEnd type="none" w="med" len="med"/>
+                      <a:tailEnd type="none" w="med" len="med"/>
+                    </a:lnT>
+                    <a:lnB w="12700" cap="flat" cmpd="sng" algn="ctr">
+                      <a:noFill/>
+                      <a:prstDash val="solid"/>
+                      <a:round/>
+                      <a:headEnd type="none" w="med" len="med"/>
+                      <a:tailEnd type="none" w="med" len="med"/>
+                    </a:lnB>
+                    <a:lnTlToBr w="12700" cmpd="sng">
+                      <a:noFill/>
+                      <a:prstDash val="solid"/>
+                    </a:lnTlToBr>
+                    <a:lnBlToTr w="12700" cmpd="sng">
+                      <a:noFill/>
+                      <a:prstDash val="solid"/>
+                    </a:lnBlToTr>
+                    <a:solidFill>
+                      <a:srgbClr val="FFFFFF"/>
+                    </a:solidFill>
+                  </a:tcPr>
+                </a:tc>
+                <a:extLst>
+                  <a:ext uri="{0D108BD9-81ED-4DB2-BD59-A6C34878D82A}">
+                    <a16:rowId xmlns:a16="http://schemas.microsoft.com/office/drawing/2014/main" val="1377326092"/>
+                  </a:ext>
+                </a:extLst>
+              </a:tr>
+              <a:tr h="432287">
+                <a:tc>
+                  <a:txBody>
+                    <a:bodyPr/>
+                    <a:lstStyle/>
+                    <a:p>
+                      <a:pPr algn="l" fontAlgn="t"/>
+                      <a:r>
+                        <a:rPr lang="en-US" sz="1800" dirty="0">
+                          <a:effectLst/>
+                        </a:rPr>
+                        <a:t>5800</a:t>
+                      </a:r>
+                    </a:p>
+                  </a:txBody>
+                  <a:tcPr marL="28440" marR="28440" marT="14220" marB="14220">
+                    <a:lnL w="12700" cap="flat" cmpd="sng" algn="ctr">
+                      <a:noFill/>
+                      <a:prstDash val="solid"/>
+                      <a:round/>
+                      <a:headEnd type="none" w="med" len="med"/>
+                      <a:tailEnd type="none" w="med" len="med"/>
+                    </a:lnL>
+                    <a:lnR w="12700" cap="flat" cmpd="sng" algn="ctr">
+                      <a:noFill/>
+                      <a:prstDash val="solid"/>
+                      <a:round/>
+                      <a:headEnd type="none" w="med" len="med"/>
+                      <a:tailEnd type="none" w="med" len="med"/>
+                    </a:lnR>
+                    <a:lnT w="12700" cap="flat" cmpd="sng" algn="ctr">
+                      <a:noFill/>
+                      <a:prstDash val="solid"/>
+                      <a:round/>
+                      <a:headEnd type="none" w="med" len="med"/>
+                      <a:tailEnd type="none" w="med" len="med"/>
+                    </a:lnT>
+                    <a:lnB w="12700" cap="flat" cmpd="sng" algn="ctr">
+                      <a:noFill/>
+                      <a:prstDash val="solid"/>
+                      <a:round/>
+                      <a:headEnd type="none" w="med" len="med"/>
+                      <a:tailEnd type="none" w="med" len="med"/>
+                    </a:lnB>
+                    <a:lnTlToBr w="12700" cmpd="sng">
+                      <a:noFill/>
+                      <a:prstDash val="solid"/>
+                    </a:lnTlToBr>
+                    <a:lnBlToTr w="12700" cmpd="sng">
+                      <a:noFill/>
+                      <a:prstDash val="solid"/>
+                    </a:lnBlToTr>
+                    <a:solidFill>
+                      <a:srgbClr val="FFFFFF"/>
+                    </a:solidFill>
+                  </a:tcPr>
+                </a:tc>
+                <a:tc>
+                  <a:txBody>
+                    <a:bodyPr/>
+                    <a:lstStyle/>
+                    <a:p>
+                      <a:pPr algn="l" fontAlgn="t"/>
+                      <a:r>
+                        <a:rPr lang="en-US" sz="1800">
+                          <a:effectLst/>
+                        </a:rPr>
+                        <a:t>TCP</a:t>
+                      </a:r>
+                    </a:p>
+                  </a:txBody>
+                  <a:tcPr marL="28440" marR="28440" marT="14220" marB="14220">
+                    <a:lnL w="12700" cap="flat" cmpd="sng" algn="ctr">
+                      <a:noFill/>
+                      <a:prstDash val="solid"/>
+                      <a:round/>
+                      <a:headEnd type="none" w="med" len="med"/>
+                      <a:tailEnd type="none" w="med" len="med"/>
+                    </a:lnL>
+                    <a:lnR w="12700" cap="flat" cmpd="sng" algn="ctr">
+                      <a:noFill/>
+                      <a:prstDash val="solid"/>
+                      <a:round/>
+                      <a:headEnd type="none" w="med" len="med"/>
+                      <a:tailEnd type="none" w="med" len="med"/>
+                    </a:lnR>
+                    <a:lnT w="12700" cap="flat" cmpd="sng" algn="ctr">
+                      <a:noFill/>
+                      <a:prstDash val="solid"/>
+                      <a:round/>
+                      <a:headEnd type="none" w="med" len="med"/>
+                      <a:tailEnd type="none" w="med" len="med"/>
+                    </a:lnT>
+                    <a:lnB w="12700" cap="flat" cmpd="sng" algn="ctr">
+                      <a:noFill/>
+                      <a:prstDash val="solid"/>
+                      <a:round/>
+                      <a:headEnd type="none" w="med" len="med"/>
+                      <a:tailEnd type="none" w="med" len="med"/>
+                    </a:lnB>
+                    <a:lnTlToBr w="12700" cmpd="sng">
+                      <a:noFill/>
+                      <a:prstDash val="solid"/>
+                    </a:lnTlToBr>
+                    <a:lnBlToTr w="12700" cmpd="sng">
+                      <a:noFill/>
+                      <a:prstDash val="solid"/>
+                    </a:lnBlToTr>
+                    <a:solidFill>
+                      <a:srgbClr val="FFFFFF"/>
+                    </a:solidFill>
+                  </a:tcPr>
+                </a:tc>
+                <a:tc>
+                  <a:txBody>
+                    <a:bodyPr/>
+                    <a:lstStyle/>
+                    <a:p>
+                      <a:pPr algn="l" fontAlgn="t"/>
+                      <a:r>
+                        <a:rPr lang="en-US" sz="1800">
+                          <a:effectLst/>
+                        </a:rPr>
+                        <a:t>VNC Remote Frame Buffer over HTTP</a:t>
+                      </a:r>
+                    </a:p>
+                  </a:txBody>
+                  <a:tcPr marL="28440" marR="28440" marT="14220" marB="14220">
+                    <a:lnL w="12700" cap="flat" cmpd="sng" algn="ctr">
+                      <a:noFill/>
+                      <a:prstDash val="solid"/>
+                      <a:round/>
+                      <a:headEnd type="none" w="med" len="med"/>
+                      <a:tailEnd type="none" w="med" len="med"/>
+                    </a:lnL>
+                    <a:lnR w="12700" cap="flat" cmpd="sng" algn="ctr">
+                      <a:noFill/>
+                      <a:prstDash val="solid"/>
+                      <a:round/>
+                      <a:headEnd type="none" w="med" len="med"/>
+                      <a:tailEnd type="none" w="med" len="med"/>
+                    </a:lnR>
+                    <a:lnT w="12700" cap="flat" cmpd="sng" algn="ctr">
+                      <a:noFill/>
+                      <a:prstDash val="solid"/>
+                      <a:round/>
+                      <a:headEnd type="none" w="med" len="med"/>
+                      <a:tailEnd type="none" w="med" len="med"/>
+                    </a:lnT>
+                    <a:lnB w="12700" cap="flat" cmpd="sng" algn="ctr">
+                      <a:noFill/>
+                      <a:prstDash val="solid"/>
+                      <a:round/>
+                      <a:headEnd type="none" w="med" len="med"/>
+                      <a:tailEnd type="none" w="med" len="med"/>
+                    </a:lnB>
+                    <a:lnTlToBr w="12700" cmpd="sng">
+                      <a:noFill/>
+                      <a:prstDash val="solid"/>
+                    </a:lnTlToBr>
+                    <a:lnBlToTr w="12700" cmpd="sng">
+                      <a:noFill/>
+                      <a:prstDash val="solid"/>
+                    </a:lnBlToTr>
+                    <a:solidFill>
+                      <a:srgbClr val="FFFFFF"/>
+                    </a:solidFill>
+                  </a:tcPr>
+                </a:tc>
+                <a:extLst>
+                  <a:ext uri="{0D108BD9-81ED-4DB2-BD59-A6C34878D82A}">
+                    <a16:rowId xmlns:a16="http://schemas.microsoft.com/office/drawing/2014/main" val="3786955622"/>
+                  </a:ext>
+                </a:extLst>
+              </a:tr>
+              <a:tr h="432287">
+                <a:tc>
+                  <a:txBody>
+                    <a:bodyPr/>
+                    <a:lstStyle/>
+                    <a:p>
+                      <a:pPr algn="l" fontAlgn="t"/>
+                      <a:r>
+                        <a:rPr lang="en-US" sz="1800" dirty="0">
+                          <a:effectLst/>
+                        </a:rPr>
+                        <a:t>5900</a:t>
+                      </a:r>
+                    </a:p>
+                  </a:txBody>
+                  <a:tcPr marL="28440" marR="28440" marT="14220" marB="14220">
+                    <a:lnL w="12700" cap="flat" cmpd="sng" algn="ctr">
+                      <a:noFill/>
+                      <a:prstDash val="solid"/>
+                      <a:round/>
+                      <a:headEnd type="none" w="med" len="med"/>
+                      <a:tailEnd type="none" w="med" len="med"/>
+                    </a:lnL>
+                    <a:lnR w="12700" cap="flat" cmpd="sng" algn="ctr">
+                      <a:noFill/>
+                      <a:prstDash val="solid"/>
+                      <a:round/>
+                      <a:headEnd type="none" w="med" len="med"/>
+                      <a:tailEnd type="none" w="med" len="med"/>
+                    </a:lnR>
+                    <a:lnT w="12700" cap="flat" cmpd="sng" algn="ctr">
+                      <a:noFill/>
+                      <a:prstDash val="solid"/>
+                      <a:round/>
+                      <a:headEnd type="none" w="med" len="med"/>
+                      <a:tailEnd type="none" w="med" len="med"/>
+                    </a:lnT>
+                    <a:lnB w="12700" cap="flat" cmpd="sng" algn="ctr">
+                      <a:noFill/>
+                      <a:prstDash val="solid"/>
+                      <a:round/>
+                      <a:headEnd type="none" w="med" len="med"/>
+                      <a:tailEnd type="none" w="med" len="med"/>
+                    </a:lnB>
+                    <a:lnTlToBr w="12700" cmpd="sng">
+                      <a:noFill/>
+                      <a:prstDash val="solid"/>
+                    </a:lnTlToBr>
+                    <a:lnBlToTr w="12700" cmpd="sng">
+                      <a:noFill/>
+                      <a:prstDash val="solid"/>
+                    </a:lnBlToTr>
+                    <a:solidFill>
+                      <a:srgbClr val="FFFFFF"/>
+                    </a:solidFill>
+                  </a:tcPr>
+                </a:tc>
+                <a:tc>
+                  <a:txBody>
+                    <a:bodyPr/>
+                    <a:lstStyle/>
+                    <a:p>
+                      <a:pPr algn="l" fontAlgn="t"/>
+                      <a:r>
+                        <a:rPr lang="en-US" sz="1800">
+                          <a:effectLst/>
+                        </a:rPr>
+                        <a:t>TCP</a:t>
+                      </a:r>
+                    </a:p>
+                  </a:txBody>
+                  <a:tcPr marL="28440" marR="28440" marT="14220" marB="14220">
+                    <a:lnL w="12700" cap="flat" cmpd="sng" algn="ctr">
+                      <a:noFill/>
+                      <a:prstDash val="solid"/>
+                      <a:round/>
+                      <a:headEnd type="none" w="med" len="med"/>
+                      <a:tailEnd type="none" w="med" len="med"/>
+                    </a:lnL>
+                    <a:lnR w="12700" cap="flat" cmpd="sng" algn="ctr">
+                      <a:noFill/>
+                      <a:prstDash val="solid"/>
+                      <a:round/>
+                      <a:headEnd type="none" w="med" len="med"/>
+                      <a:tailEnd type="none" w="med" len="med"/>
+                    </a:lnR>
+                    <a:lnT w="12700" cap="flat" cmpd="sng" algn="ctr">
+                      <a:noFill/>
+                      <a:prstDash val="solid"/>
+                      <a:round/>
+                      <a:headEnd type="none" w="med" len="med"/>
+                      <a:tailEnd type="none" w="med" len="med"/>
+                    </a:lnT>
+                    <a:lnB w="12700" cap="flat" cmpd="sng" algn="ctr">
+                      <a:noFill/>
+                      <a:prstDash val="solid"/>
+                      <a:round/>
+                      <a:headEnd type="none" w="med" len="med"/>
+                      <a:tailEnd type="none" w="med" len="med"/>
+                    </a:lnB>
+                    <a:lnTlToBr w="12700" cmpd="sng">
+                      <a:noFill/>
+                      <a:prstDash val="solid"/>
+                    </a:lnTlToBr>
+                    <a:lnBlToTr w="12700" cmpd="sng">
+                      <a:noFill/>
+                      <a:prstDash val="solid"/>
+                    </a:lnBlToTr>
+                    <a:solidFill>
+                      <a:srgbClr val="FFFFFF"/>
+                    </a:solidFill>
+                  </a:tcPr>
+                </a:tc>
+                <a:tc>
+                  <a:txBody>
+                    <a:bodyPr/>
+                    <a:lstStyle/>
+                    <a:p>
+                      <a:pPr algn="l" fontAlgn="t"/>
+                      <a:r>
+                        <a:rPr lang="en-US" sz="1800" dirty="0">
+                          <a:effectLst/>
+                        </a:rPr>
+                        <a:t>VNC Remote Frame Buffer over HTTP</a:t>
+                      </a:r>
+                    </a:p>
+                  </a:txBody>
+                  <a:tcPr marL="28440" marR="28440" marT="14220" marB="14220">
+                    <a:lnL w="12700" cap="flat" cmpd="sng" algn="ctr">
+                      <a:noFill/>
+                      <a:prstDash val="solid"/>
+                      <a:round/>
+                      <a:headEnd type="none" w="med" len="med"/>
+                      <a:tailEnd type="none" w="med" len="med"/>
+                    </a:lnL>
+                    <a:lnR w="12700" cap="flat" cmpd="sng" algn="ctr">
+                      <a:noFill/>
+                      <a:prstDash val="solid"/>
+                      <a:round/>
+                      <a:headEnd type="none" w="med" len="med"/>
+                      <a:tailEnd type="none" w="med" len="med"/>
+                    </a:lnR>
+                    <a:lnT w="12700" cap="flat" cmpd="sng" algn="ctr">
+                      <a:noFill/>
+                      <a:prstDash val="solid"/>
+                      <a:round/>
+                      <a:headEnd type="none" w="med" len="med"/>
+                      <a:tailEnd type="none" w="med" len="med"/>
+                    </a:lnT>
+                    <a:lnB w="12700" cap="flat" cmpd="sng" algn="ctr">
+                      <a:noFill/>
+                      <a:prstDash val="solid"/>
+                      <a:round/>
+                      <a:headEnd type="none" w="med" len="med"/>
+                      <a:tailEnd type="none" w="med" len="med"/>
+                    </a:lnB>
+                    <a:lnTlToBr w="12700" cmpd="sng">
+                      <a:noFill/>
+                      <a:prstDash val="solid"/>
+                    </a:lnTlToBr>
+                    <a:lnBlToTr w="12700" cmpd="sng">
+                      <a:noFill/>
+                      <a:prstDash val="solid"/>
+                    </a:lnBlToTr>
+                    <a:solidFill>
+                      <a:srgbClr val="FFFFFF"/>
+                    </a:solidFill>
+                  </a:tcPr>
+                </a:tc>
+                <a:extLst>
+                  <a:ext uri="{0D108BD9-81ED-4DB2-BD59-A6C34878D82A}">
+                    <a16:rowId xmlns:a16="http://schemas.microsoft.com/office/drawing/2014/main" val="3818919825"/>
+                  </a:ext>
+                </a:extLst>
+              </a:tr>
+              <a:tr h="432287">
+                <a:tc>
+                  <a:txBody>
+                    <a:bodyPr/>
+                    <a:lstStyle/>
+                    <a:p>
+                      <a:pPr algn="l" fontAlgn="t"/>
+                      <a:r>
+                        <a:rPr lang="en-US" sz="1800" dirty="0">
+                          <a:effectLst/>
+                        </a:rPr>
+                        <a:t>11211</a:t>
+                      </a:r>
+                    </a:p>
+                  </a:txBody>
+                  <a:tcPr marL="28440" marR="28440" marT="14220" marB="14220">
+                    <a:lnL w="12700" cap="flat" cmpd="sng" algn="ctr">
+                      <a:noFill/>
+                      <a:prstDash val="solid"/>
+                      <a:round/>
+                      <a:headEnd type="none" w="med" len="med"/>
+                      <a:tailEnd type="none" w="med" len="med"/>
+                    </a:lnL>
+                    <a:lnR w="12700" cap="flat" cmpd="sng" algn="ctr">
+                      <a:noFill/>
+                      <a:prstDash val="solid"/>
+                      <a:round/>
+                      <a:headEnd type="none" w="med" len="med"/>
+                      <a:tailEnd type="none" w="med" len="med"/>
+                    </a:lnR>
+                    <a:lnT w="12700" cap="flat" cmpd="sng" algn="ctr">
+                      <a:noFill/>
+                      <a:prstDash val="solid"/>
+                      <a:round/>
+                      <a:headEnd type="none" w="med" len="med"/>
+                      <a:tailEnd type="none" w="med" len="med"/>
+                    </a:lnT>
+                    <a:lnB w="12700" cap="flat" cmpd="sng" algn="ctr">
+                      <a:noFill/>
+                      <a:prstDash val="solid"/>
+                      <a:round/>
+                      <a:headEnd type="none" w="med" len="med"/>
+                      <a:tailEnd type="none" w="med" len="med"/>
+                    </a:lnB>
+                    <a:lnTlToBr w="12700" cmpd="sng">
+                      <a:noFill/>
+                      <a:prstDash val="solid"/>
+                    </a:lnTlToBr>
+                    <a:lnBlToTr w="12700" cmpd="sng">
+                      <a:noFill/>
+                      <a:prstDash val="solid"/>
+                    </a:lnBlToTr>
+                    <a:solidFill>
+                      <a:srgbClr val="FFFFFF"/>
+                    </a:solidFill>
+                  </a:tcPr>
+                </a:tc>
+                <a:tc>
+                  <a:txBody>
+                    <a:bodyPr/>
+                    <a:lstStyle/>
+                    <a:p>
+                      <a:pPr algn="l" fontAlgn="t"/>
+                      <a:r>
+                        <a:rPr lang="en-US" sz="1800" dirty="0">
+                          <a:effectLst/>
+                        </a:rPr>
+                        <a:t>UDP</a:t>
+                      </a:r>
+                    </a:p>
+                  </a:txBody>
+                  <a:tcPr marL="28440" marR="28440" marT="14220" marB="14220">
+                    <a:lnL w="12700" cap="flat" cmpd="sng" algn="ctr">
+                      <a:noFill/>
+                      <a:prstDash val="solid"/>
+                      <a:round/>
+                      <a:headEnd type="none" w="med" len="med"/>
+                      <a:tailEnd type="none" w="med" len="med"/>
+                    </a:lnL>
+                    <a:lnR w="12700" cap="flat" cmpd="sng" algn="ctr">
+                      <a:noFill/>
+                      <a:prstDash val="solid"/>
+                      <a:round/>
+                      <a:headEnd type="none" w="med" len="med"/>
+                      <a:tailEnd type="none" w="med" len="med"/>
+                    </a:lnR>
+                    <a:lnT w="12700" cap="flat" cmpd="sng" algn="ctr">
+                      <a:noFill/>
+                      <a:prstDash val="solid"/>
+                      <a:round/>
+                      <a:headEnd type="none" w="med" len="med"/>
+                      <a:tailEnd type="none" w="med" len="med"/>
+                    </a:lnT>
+                    <a:lnB w="12700" cap="flat" cmpd="sng" algn="ctr">
+                      <a:noFill/>
+                      <a:prstDash val="solid"/>
+                      <a:round/>
+                      <a:headEnd type="none" w="med" len="med"/>
+                      <a:tailEnd type="none" w="med" len="med"/>
+                    </a:lnB>
+                    <a:lnTlToBr w="12700" cmpd="sng">
+                      <a:noFill/>
+                      <a:prstDash val="solid"/>
+                    </a:lnTlToBr>
+                    <a:lnBlToTr w="12700" cmpd="sng">
+                      <a:noFill/>
+                      <a:prstDash val="solid"/>
+                    </a:lnBlToTr>
+                    <a:solidFill>
+                      <a:srgbClr val="FFFFFF"/>
+                    </a:solidFill>
+                  </a:tcPr>
+                </a:tc>
+                <a:tc>
+                  <a:txBody>
+                    <a:bodyPr/>
+                    <a:lstStyle/>
+                    <a:p>
+                      <a:pPr algn="l" fontAlgn="t"/>
+                      <a:r>
+                        <a:rPr lang="en-US" sz="1800" dirty="0">
+                          <a:effectLst/>
+                        </a:rPr>
+                        <a:t>Memcached</a:t>
+                      </a:r>
+                    </a:p>
+                  </a:txBody>
+                  <a:tcPr marL="28440" marR="28440" marT="14220" marB="14220">
+                    <a:lnL w="12700" cap="flat" cmpd="sng" algn="ctr">
+                      <a:noFill/>
+                      <a:prstDash val="solid"/>
+                      <a:round/>
+                      <a:headEnd type="none" w="med" len="med"/>
+                      <a:tailEnd type="none" w="med" len="med"/>
+                    </a:lnL>
+                    <a:lnR w="12700" cap="flat" cmpd="sng" algn="ctr">
+                      <a:noFill/>
+                      <a:prstDash val="solid"/>
+                      <a:round/>
+                      <a:headEnd type="none" w="med" len="med"/>
+                      <a:tailEnd type="none" w="med" len="med"/>
+                    </a:lnR>
+                    <a:lnT w="12700" cap="flat" cmpd="sng" algn="ctr">
+                      <a:noFill/>
+                      <a:prstDash val="solid"/>
+                      <a:round/>
+                      <a:headEnd type="none" w="med" len="med"/>
+                      <a:tailEnd type="none" w="med" len="med"/>
+                    </a:lnT>
+                    <a:lnB w="12700" cap="flat" cmpd="sng" algn="ctr">
+                      <a:noFill/>
+                      <a:prstDash val="solid"/>
+                      <a:round/>
+                      <a:headEnd type="none" w="med" len="med"/>
+                      <a:tailEnd type="none" w="med" len="med"/>
+                    </a:lnB>
+                    <a:lnTlToBr w="12700" cmpd="sng">
+                      <a:noFill/>
+                      <a:prstDash val="solid"/>
+                    </a:lnTlToBr>
+                    <a:lnBlToTr w="12700" cmpd="sng">
+                      <a:noFill/>
+                      <a:prstDash val="solid"/>
+                    </a:lnBlToTr>
+                    <a:solidFill>
+                      <a:srgbClr val="FFFFFF"/>
+                    </a:solidFill>
+                  </a:tcPr>
+                </a:tc>
+                <a:extLst>
+                  <a:ext uri="{0D108BD9-81ED-4DB2-BD59-A6C34878D82A}">
+                    <a16:rowId xmlns:a16="http://schemas.microsoft.com/office/drawing/2014/main" val="670206560"/>
+                  </a:ext>
+                </a:extLst>
+              </a:tr>
+            </a:tbl>
+          </a:graphicData>
+        </a:graphic>
+      </p:graphicFrame>
+    </p:spTree>
+    <p:extLst>
+      <p:ext uri="{BB962C8B-B14F-4D97-AF65-F5344CB8AC3E}">
+        <p14:creationId xmlns:p14="http://schemas.microsoft.com/office/powerpoint/2010/main" val="2738034725"/>
+      </p:ext>
+    </p:extLst>
+  </p:cSld>
+  <p:clrMapOvr>
+    <a:masterClrMapping/>
+  </p:clrMapOvr>
+</p:sld>
+</file>
+
+<file path=ppt/slides/slide16.xml><?xml version="1.0" encoding="utf-8"?>
+<p:sld xmlns:a="http://schemas.openxmlformats.org/drawingml/2006/main" xmlns:r="http://schemas.openxmlformats.org/officeDocument/2006/relationships" xmlns:p="http://schemas.openxmlformats.org/presentationml/2006/main">
+  <p:cSld>
+    <p:spTree>
+      <p:nvGrpSpPr>
+        <p:cNvPr id="1" name=""/>
+        <p:cNvGrpSpPr/>
+        <p:nvPr/>
+      </p:nvGrpSpPr>
+      <p:grpSpPr>
+        <a:xfrm>
+          <a:off x="0" y="0"/>
+          <a:ext cx="0" cy="0"/>
+          <a:chOff x="0" y="0"/>
+          <a:chExt cx="0" cy="0"/>
+        </a:xfrm>
+      </p:grpSpPr>
+      <p:sp>
+        <p:nvSpPr>
           <p:cNvPr id="4" name="Rectangle 3">
             <a:extLst>
               <a:ext uri="{FF2B5EF4-FFF2-40B4-BE49-F238E27FC236}">
@@ -4167,7 +8474,7 @@
 </p:sld>
 </file>
 
-<file path=ppt/slides/slide11.xml><?xml version="1.0" encoding="utf-8"?>
+<file path=ppt/slides/slide17.xml><?xml version="1.0" encoding="utf-8"?>
 <p:sld xmlns:a="http://schemas.openxmlformats.org/drawingml/2006/main" xmlns:r="http://schemas.openxmlformats.org/officeDocument/2006/relationships" xmlns:p="http://schemas.openxmlformats.org/presentationml/2006/main">
   <p:cSld>
     <p:spTree>
@@ -4751,6 +9058,323 @@
           </a:p>
         </p:txBody>
       </p:sp>
+      <p:graphicFrame>
+        <p:nvGraphicFramePr>
+          <p:cNvPr id="9" name="Table 8">
+            <a:extLst>
+              <a:ext uri="{FF2B5EF4-FFF2-40B4-BE49-F238E27FC236}">
+                <a16:creationId xmlns:a16="http://schemas.microsoft.com/office/drawing/2014/main" id="{49159872-3C82-BC36-396B-102849D842C6}"/>
+              </a:ext>
+            </a:extLst>
+          </p:cNvPr>
+          <p:cNvGraphicFramePr>
+            <a:graphicFrameLocks noGrp="1"/>
+          </p:cNvGraphicFramePr>
+          <p:nvPr>
+            <p:extLst>
+              <p:ext uri="{D42A27DB-BD31-4B8C-83A1-F6EECF244321}">
+                <p14:modId xmlns:p14="http://schemas.microsoft.com/office/powerpoint/2010/main" val="1918571793"/>
+              </p:ext>
+            </p:extLst>
+          </p:nvPr>
+        </p:nvGraphicFramePr>
+        <p:xfrm>
+          <a:off x="0" y="2919036"/>
+          <a:ext cx="8191500" cy="1554480"/>
+        </p:xfrm>
+        <a:graphic>
+          <a:graphicData uri="http://schemas.openxmlformats.org/drawingml/2006/table">
+            <a:tbl>
+              <a:tblPr/>
+              <a:tblGrid>
+                <a:gridCol w="4095750">
+                  <a:extLst>
+                    <a:ext uri="{9D8B030D-6E8A-4147-A177-3AD203B41FA5}">
+                      <a16:colId xmlns:a16="http://schemas.microsoft.com/office/drawing/2014/main" val="70418582"/>
+                    </a:ext>
+                  </a:extLst>
+                </a:gridCol>
+                <a:gridCol w="4095750">
+                  <a:extLst>
+                    <a:ext uri="{9D8B030D-6E8A-4147-A177-3AD203B41FA5}">
+                      <a16:colId xmlns:a16="http://schemas.microsoft.com/office/drawing/2014/main" val="2813187775"/>
+                    </a:ext>
+                  </a:extLst>
+                </a:gridCol>
+              </a:tblGrid>
+              <a:tr h="0">
+                <a:tc>
+                  <a:txBody>
+                    <a:bodyPr/>
+                    <a:lstStyle/>
+                    <a:p>
+                      <a:pPr algn="l" fontAlgn="t"/>
+                      <a:r>
+                        <a:rPr lang="en-US">
+                          <a:effectLst/>
+                        </a:rPr>
+                        <a:t>Pros</a:t>
+                      </a:r>
+                    </a:p>
+                  </a:txBody>
+                  <a:tcPr>
+                    <a:lnL w="12700" cap="flat" cmpd="sng" algn="ctr">
+                      <a:solidFill>
+                        <a:schemeClr val="tx1"/>
+                      </a:solidFill>
+                      <a:prstDash val="solid"/>
+                      <a:round/>
+                      <a:headEnd type="none" w="med" len="med"/>
+                      <a:tailEnd type="none" w="med" len="med"/>
+                    </a:lnL>
+                    <a:lnR>
+                      <a:noFill/>
+                    </a:lnR>
+                    <a:lnT w="12700" cap="flat" cmpd="sng" algn="ctr">
+                      <a:solidFill>
+                        <a:schemeClr val="tx1"/>
+                      </a:solidFill>
+                      <a:prstDash val="solid"/>
+                      <a:round/>
+                      <a:headEnd type="none" w="med" len="med"/>
+                      <a:tailEnd type="none" w="med" len="med"/>
+                    </a:lnT>
+                    <a:lnB w="12700" cap="flat" cmpd="sng" algn="ctr">
+                      <a:solidFill>
+                        <a:schemeClr val="tx1"/>
+                      </a:solidFill>
+                      <a:prstDash val="solid"/>
+                      <a:round/>
+                      <a:headEnd type="none" w="med" len="med"/>
+                      <a:tailEnd type="none" w="med" len="med"/>
+                    </a:lnB>
+                    <a:solidFill>
+                      <a:srgbClr val="FFFFFF"/>
+                    </a:solidFill>
+                  </a:tcPr>
+                </a:tc>
+                <a:tc>
+                  <a:txBody>
+                    <a:bodyPr/>
+                    <a:lstStyle/>
+                    <a:p>
+                      <a:pPr algn="l" fontAlgn="t"/>
+                      <a:r>
+                        <a:rPr lang="en-US" dirty="0">
+                          <a:effectLst/>
+                        </a:rPr>
+                        <a:t>Cons</a:t>
+                      </a:r>
+                    </a:p>
+                  </a:txBody>
+                  <a:tcPr>
+                    <a:lnL>
+                      <a:noFill/>
+                    </a:lnL>
+                    <a:lnR w="12700" cap="flat" cmpd="sng" algn="ctr">
+                      <a:solidFill>
+                        <a:schemeClr val="tx1"/>
+                      </a:solidFill>
+                      <a:prstDash val="solid"/>
+                      <a:round/>
+                      <a:headEnd type="none" w="med" len="med"/>
+                      <a:tailEnd type="none" w="med" len="med"/>
+                    </a:lnR>
+                    <a:lnT w="12700" cap="flat" cmpd="sng" algn="ctr">
+                      <a:solidFill>
+                        <a:schemeClr val="tx1"/>
+                      </a:solidFill>
+                      <a:prstDash val="solid"/>
+                      <a:round/>
+                      <a:headEnd type="none" w="med" len="med"/>
+                      <a:tailEnd type="none" w="med" len="med"/>
+                    </a:lnT>
+                    <a:lnB w="12700" cap="flat" cmpd="sng" algn="ctr">
+                      <a:solidFill>
+                        <a:schemeClr val="tx1"/>
+                      </a:solidFill>
+                      <a:prstDash val="solid"/>
+                      <a:round/>
+                      <a:headEnd type="none" w="med" len="med"/>
+                      <a:tailEnd type="none" w="med" len="med"/>
+                    </a:lnB>
+                    <a:solidFill>
+                      <a:srgbClr val="FFFFFF"/>
+                    </a:solidFill>
+                  </a:tcPr>
+                </a:tc>
+                <a:extLst>
+                  <a:ext uri="{0D108BD9-81ED-4DB2-BD59-A6C34878D82A}">
+                    <a16:rowId xmlns:a16="http://schemas.microsoft.com/office/drawing/2014/main" val="2418517015"/>
+                  </a:ext>
+                </a:extLst>
+              </a:tr>
+              <a:tr h="0">
+                <a:tc>
+                  <a:txBody>
+                    <a:bodyPr/>
+                    <a:lstStyle/>
+                    <a:p>
+                      <a:pPr algn="l" fontAlgn="t"/>
+                      <a:r>
+                        <a:rPr lang="en-US" dirty="0">
+                          <a:effectLst/>
+                        </a:rPr>
+                        <a:t>The central governance team can enforce important security rules.</a:t>
+                      </a:r>
+                    </a:p>
+                  </a:txBody>
+                  <a:tcPr>
+                    <a:lnL w="12700" cap="flat" cmpd="sng" algn="ctr">
+                      <a:solidFill>
+                        <a:schemeClr val="tx1"/>
+                      </a:solidFill>
+                      <a:prstDash val="solid"/>
+                      <a:round/>
+                      <a:headEnd type="none" w="med" len="med"/>
+                      <a:tailEnd type="none" w="med" len="med"/>
+                    </a:lnL>
+                    <a:lnR>
+                      <a:noFill/>
+                    </a:lnR>
+                    <a:lnT w="12700" cap="flat" cmpd="sng" algn="ctr">
+                      <a:solidFill>
+                        <a:schemeClr val="tx1"/>
+                      </a:solidFill>
+                      <a:prstDash val="solid"/>
+                      <a:round/>
+                      <a:headEnd type="none" w="med" len="med"/>
+                      <a:tailEnd type="none" w="med" len="med"/>
+                    </a:lnT>
+                    <a:lnB w="12700" cap="flat" cmpd="sng" algn="ctr">
+                      <a:solidFill>
+                        <a:schemeClr val="tx1"/>
+                      </a:solidFill>
+                      <a:prstDash val="solid"/>
+                      <a:round/>
+                      <a:headEnd type="none" w="med" len="med"/>
+                      <a:tailEnd type="none" w="med" len="med"/>
+                    </a:lnB>
+                    <a:solidFill>
+                      <a:srgbClr val="FFFFFF"/>
+                    </a:solidFill>
+                  </a:tcPr>
+                </a:tc>
+                <a:tc>
+                  <a:txBody>
+                    <a:bodyPr/>
+                    <a:lstStyle/>
+                    <a:p>
+                      <a:pPr algn="l" fontAlgn="t"/>
+                      <a:r>
+                        <a:rPr lang="en-US" dirty="0">
+                          <a:effectLst/>
+                        </a:rPr>
+                        <a:t>Operational overhead is high as admins need to manage each NSG, as the number of NSGs increases, the burden increases.</a:t>
+                      </a:r>
+                    </a:p>
+                  </a:txBody>
+                  <a:tcPr>
+                    <a:lnL>
+                      <a:noFill/>
+                    </a:lnL>
+                    <a:lnR w="12700" cap="flat" cmpd="sng" algn="ctr">
+                      <a:solidFill>
+                        <a:schemeClr val="tx1"/>
+                      </a:solidFill>
+                      <a:prstDash val="solid"/>
+                      <a:round/>
+                      <a:headEnd type="none" w="med" len="med"/>
+                      <a:tailEnd type="none" w="med" len="med"/>
+                    </a:lnR>
+                    <a:lnT w="12700" cap="flat" cmpd="sng" algn="ctr">
+                      <a:solidFill>
+                        <a:schemeClr val="tx1"/>
+                      </a:solidFill>
+                      <a:prstDash val="solid"/>
+                      <a:round/>
+                      <a:headEnd type="none" w="med" len="med"/>
+                      <a:tailEnd type="none" w="med" len="med"/>
+                    </a:lnT>
+                    <a:lnB w="12700" cap="flat" cmpd="sng" algn="ctr">
+                      <a:solidFill>
+                        <a:schemeClr val="tx1"/>
+                      </a:solidFill>
+                      <a:prstDash val="solid"/>
+                      <a:round/>
+                      <a:headEnd type="none" w="med" len="med"/>
+                      <a:tailEnd type="none" w="med" len="med"/>
+                    </a:lnB>
+                    <a:solidFill>
+                      <a:srgbClr val="FFFFFF"/>
+                    </a:solidFill>
+                  </a:tcPr>
+                </a:tc>
+                <a:extLst>
+                  <a:ext uri="{0D108BD9-81ED-4DB2-BD59-A6C34878D82A}">
+                    <a16:rowId xmlns:a16="http://schemas.microsoft.com/office/drawing/2014/main" val="2673595705"/>
+                  </a:ext>
+                </a:extLst>
+              </a:tr>
+            </a:tbl>
+          </a:graphicData>
+        </a:graphic>
+      </p:graphicFrame>
+      <p:sp>
+        <p:nvSpPr>
+          <p:cNvPr id="11" name="TextBox 10">
+            <a:extLst>
+              <a:ext uri="{FF2B5EF4-FFF2-40B4-BE49-F238E27FC236}">
+                <a16:creationId xmlns:a16="http://schemas.microsoft.com/office/drawing/2014/main" id="{C8B53F59-93ED-687D-08FE-25232FBDE4CA}"/>
+              </a:ext>
+            </a:extLst>
+          </p:cNvPr>
+          <p:cNvSpPr txBox="1"/>
+          <p:nvPr/>
+        </p:nvSpPr>
+        <p:spPr>
+          <a:xfrm>
+            <a:off x="0" y="1995706"/>
+            <a:ext cx="6096000" cy="923330"/>
+          </a:xfrm>
+          <a:prstGeom prst="rect">
+            <a:avLst/>
+          </a:prstGeom>
+          <a:noFill/>
+        </p:spPr>
+        <p:txBody>
+          <a:bodyPr wrap="square">
+            <a:spAutoFit/>
+          </a:bodyPr>
+          <a:lstStyle/>
+          <a:p>
+            <a:pPr algn="l"/>
+            <a:r>
+              <a:rPr lang="en-US" b="1" i="0" dirty="0">
+                <a:solidFill>
+                  <a:srgbClr val="171717"/>
+                </a:solidFill>
+                <a:effectLst/>
+                <a:latin typeface="Segoe UI" panose="020B0502040204020203" pitchFamily="34" charset="0"/>
+              </a:rPr>
+              <a:t>Model 1 - Central governance</a:t>
+            </a:r>
+          </a:p>
+          <a:p>
+            <a:pPr algn="l"/>
+            <a:r>
+              <a:rPr lang="en-US" b="0" i="0" dirty="0">
+                <a:solidFill>
+                  <a:srgbClr val="171717"/>
+                </a:solidFill>
+                <a:effectLst/>
+                <a:latin typeface="Segoe UI" panose="020B0502040204020203" pitchFamily="34" charset="0"/>
+              </a:rPr>
+              <a:t>In this model, NSGs are managed by a central governance team within an organization.</a:t>
+            </a:r>
+          </a:p>
+        </p:txBody>
+      </p:sp>
     </p:spTree>
     <p:extLst>
       <p:ext uri="{BB962C8B-B14F-4D97-AF65-F5344CB8AC3E}">
@@ -4786,6 +9410,798 @@
           <p:cNvPr id="2" name="Title 1">
             <a:extLst>
               <a:ext uri="{FF2B5EF4-FFF2-40B4-BE49-F238E27FC236}">
+                <a16:creationId xmlns:a16="http://schemas.microsoft.com/office/drawing/2014/main" id="{DB0C08CB-881D-4EF4-5645-14A9FC549330}"/>
+              </a:ext>
+            </a:extLst>
+          </p:cNvPr>
+          <p:cNvSpPr>
+            <a:spLocks noGrp="1"/>
+          </p:cNvSpPr>
+          <p:nvPr>
+            <p:ph type="title"/>
+          </p:nvPr>
+        </p:nvSpPr>
+        <p:spPr/>
+        <p:txBody>
+          <a:bodyPr/>
+          <a:lstStyle/>
+          <a:p>
+            <a:endParaRPr lang="en-US"/>
+          </a:p>
+        </p:txBody>
+      </p:sp>
+      <p:graphicFrame>
+        <p:nvGraphicFramePr>
+          <p:cNvPr id="4" name="Table 3">
+            <a:extLst>
+              <a:ext uri="{FF2B5EF4-FFF2-40B4-BE49-F238E27FC236}">
+                <a16:creationId xmlns:a16="http://schemas.microsoft.com/office/drawing/2014/main" id="{B534AE2A-DF21-ADD8-3BC9-10AE01D457E2}"/>
+              </a:ext>
+            </a:extLst>
+          </p:cNvPr>
+          <p:cNvGraphicFramePr>
+            <a:graphicFrameLocks noGrp="1"/>
+          </p:cNvGraphicFramePr>
+          <p:nvPr>
+            <p:extLst>
+              <p:ext uri="{D42A27DB-BD31-4B8C-83A1-F6EECF244321}">
+                <p14:modId xmlns:p14="http://schemas.microsoft.com/office/powerpoint/2010/main" val="3609460497"/>
+              </p:ext>
+            </p:extLst>
+          </p:nvPr>
+        </p:nvGraphicFramePr>
+        <p:xfrm>
+          <a:off x="0" y="3135362"/>
+          <a:ext cx="8191500" cy="2377440"/>
+        </p:xfrm>
+        <a:graphic>
+          <a:graphicData uri="http://schemas.openxmlformats.org/drawingml/2006/table">
+            <a:tbl>
+              <a:tblPr/>
+              <a:tblGrid>
+                <a:gridCol w="4095750">
+                  <a:extLst>
+                    <a:ext uri="{9D8B030D-6E8A-4147-A177-3AD203B41FA5}">
+                      <a16:colId xmlns:a16="http://schemas.microsoft.com/office/drawing/2014/main" val="3476053237"/>
+                    </a:ext>
+                  </a:extLst>
+                </a:gridCol>
+                <a:gridCol w="4095750">
+                  <a:extLst>
+                    <a:ext uri="{9D8B030D-6E8A-4147-A177-3AD203B41FA5}">
+                      <a16:colId xmlns:a16="http://schemas.microsoft.com/office/drawing/2014/main" val="177111646"/>
+                    </a:ext>
+                  </a:extLst>
+                </a:gridCol>
+              </a:tblGrid>
+              <a:tr h="0">
+                <a:tc>
+                  <a:txBody>
+                    <a:bodyPr/>
+                    <a:lstStyle/>
+                    <a:p>
+                      <a:pPr algn="l" fontAlgn="t"/>
+                      <a:r>
+                        <a:rPr lang="en-US" dirty="0">
+                          <a:effectLst/>
+                        </a:rPr>
+                        <a:t>Pros</a:t>
+                      </a:r>
+                    </a:p>
+                  </a:txBody>
+                  <a:tcPr>
+                    <a:lnL w="12700" cap="flat" cmpd="sng" algn="ctr">
+                      <a:solidFill>
+                        <a:schemeClr val="tx1"/>
+                      </a:solidFill>
+                      <a:prstDash val="solid"/>
+                      <a:round/>
+                      <a:headEnd type="none" w="med" len="med"/>
+                      <a:tailEnd type="none" w="med" len="med"/>
+                    </a:lnL>
+                    <a:lnR>
+                      <a:noFill/>
+                    </a:lnR>
+                    <a:lnT w="12700" cap="flat" cmpd="sng" algn="ctr">
+                      <a:solidFill>
+                        <a:schemeClr val="tx1"/>
+                      </a:solidFill>
+                      <a:prstDash val="solid"/>
+                      <a:round/>
+                      <a:headEnd type="none" w="med" len="med"/>
+                      <a:tailEnd type="none" w="med" len="med"/>
+                    </a:lnT>
+                    <a:lnB w="12700" cap="flat" cmpd="sng" algn="ctr">
+                      <a:solidFill>
+                        <a:schemeClr val="tx1"/>
+                      </a:solidFill>
+                      <a:prstDash val="solid"/>
+                      <a:round/>
+                      <a:headEnd type="none" w="med" len="med"/>
+                      <a:tailEnd type="none" w="med" len="med"/>
+                    </a:lnB>
+                    <a:solidFill>
+                      <a:srgbClr val="FFFFFF"/>
+                    </a:solidFill>
+                  </a:tcPr>
+                </a:tc>
+                <a:tc>
+                  <a:txBody>
+                    <a:bodyPr/>
+                    <a:lstStyle/>
+                    <a:p>
+                      <a:pPr algn="l" fontAlgn="t"/>
+                      <a:r>
+                        <a:rPr lang="en-US" dirty="0">
+                          <a:effectLst/>
+                        </a:rPr>
+                        <a:t>Cons</a:t>
+                      </a:r>
+                    </a:p>
+                  </a:txBody>
+                  <a:tcPr>
+                    <a:lnL>
+                      <a:noFill/>
+                    </a:lnL>
+                    <a:lnR w="12700" cap="flat" cmpd="sng" algn="ctr">
+                      <a:solidFill>
+                        <a:schemeClr val="tx1"/>
+                      </a:solidFill>
+                      <a:prstDash val="solid"/>
+                      <a:round/>
+                      <a:headEnd type="none" w="med" len="med"/>
+                      <a:tailEnd type="none" w="med" len="med"/>
+                    </a:lnR>
+                    <a:lnT w="12700" cap="flat" cmpd="sng" algn="ctr">
+                      <a:solidFill>
+                        <a:schemeClr val="tx1"/>
+                      </a:solidFill>
+                      <a:prstDash val="solid"/>
+                      <a:round/>
+                      <a:headEnd type="none" w="med" len="med"/>
+                      <a:tailEnd type="none" w="med" len="med"/>
+                    </a:lnT>
+                    <a:lnB w="12700" cap="flat" cmpd="sng" algn="ctr">
+                      <a:solidFill>
+                        <a:schemeClr val="tx1"/>
+                      </a:solidFill>
+                      <a:prstDash val="solid"/>
+                      <a:round/>
+                      <a:headEnd type="none" w="med" len="med"/>
+                      <a:tailEnd type="none" w="med" len="med"/>
+                    </a:lnB>
+                    <a:solidFill>
+                      <a:srgbClr val="FFFFFF"/>
+                    </a:solidFill>
+                  </a:tcPr>
+                </a:tc>
+                <a:extLst>
+                  <a:ext uri="{0D108BD9-81ED-4DB2-BD59-A6C34878D82A}">
+                    <a16:rowId xmlns:a16="http://schemas.microsoft.com/office/drawing/2014/main" val="226679227"/>
+                  </a:ext>
+                </a:extLst>
+              </a:tr>
+              <a:tr h="0">
+                <a:tc>
+                  <a:txBody>
+                    <a:bodyPr/>
+                    <a:lstStyle/>
+                    <a:p>
+                      <a:pPr algn="l" fontAlgn="t"/>
+                      <a:r>
+                        <a:rPr lang="en-US">
+                          <a:effectLst/>
+                        </a:rPr>
+                        <a:t>The individual team has flexible control in tailoring security rules based on their service requirements.</a:t>
+                      </a:r>
+                    </a:p>
+                  </a:txBody>
+                  <a:tcPr>
+                    <a:lnL w="12700" cap="flat" cmpd="sng" algn="ctr">
+                      <a:solidFill>
+                        <a:schemeClr val="tx1"/>
+                      </a:solidFill>
+                      <a:prstDash val="solid"/>
+                      <a:round/>
+                      <a:headEnd type="none" w="med" len="med"/>
+                      <a:tailEnd type="none" w="med" len="med"/>
+                    </a:lnL>
+                    <a:lnR>
+                      <a:noFill/>
+                    </a:lnR>
+                    <a:lnT w="12700" cap="flat" cmpd="sng" algn="ctr">
+                      <a:solidFill>
+                        <a:schemeClr val="tx1"/>
+                      </a:solidFill>
+                      <a:prstDash val="solid"/>
+                      <a:round/>
+                      <a:headEnd type="none" w="med" len="med"/>
+                      <a:tailEnd type="none" w="med" len="med"/>
+                    </a:lnT>
+                    <a:lnB w="12700" cap="flat" cmpd="sng" algn="ctr">
+                      <a:solidFill>
+                        <a:schemeClr val="tx1"/>
+                      </a:solidFill>
+                      <a:prstDash val="solid"/>
+                      <a:round/>
+                      <a:headEnd type="none" w="med" len="med"/>
+                      <a:tailEnd type="none" w="med" len="med"/>
+                    </a:lnB>
+                    <a:solidFill>
+                      <a:srgbClr val="FFFFFF"/>
+                    </a:solidFill>
+                  </a:tcPr>
+                </a:tc>
+                <a:tc>
+                  <a:txBody>
+                    <a:bodyPr/>
+                    <a:lstStyle/>
+                    <a:p>
+                      <a:pPr algn="l" fontAlgn="t"/>
+                      <a:r>
+                        <a:rPr lang="en-US" dirty="0">
+                          <a:effectLst/>
+                        </a:rPr>
+                        <a:t>The central governance team can't enforce critical security rules, such as blocking risky ports.</a:t>
+                      </a:r>
+                      <a:br>
+                        <a:rPr lang="en-US" dirty="0">
+                          <a:effectLst/>
+                        </a:rPr>
+                      </a:br>
+                      <a:br>
+                        <a:rPr lang="en-US" dirty="0">
+                          <a:effectLst/>
+                        </a:rPr>
+                      </a:br>
+                      <a:r>
+                        <a:rPr lang="en-US" dirty="0">
+                          <a:effectLst/>
+                        </a:rPr>
+                        <a:t>Individual team might also misconfigure or forget to attach NSGs, leading to vulnerability exposures.</a:t>
+                      </a:r>
+                    </a:p>
+                  </a:txBody>
+                  <a:tcPr>
+                    <a:lnL>
+                      <a:noFill/>
+                    </a:lnL>
+                    <a:lnR w="12700" cap="flat" cmpd="sng" algn="ctr">
+                      <a:solidFill>
+                        <a:schemeClr val="tx1"/>
+                      </a:solidFill>
+                      <a:prstDash val="solid"/>
+                      <a:round/>
+                      <a:headEnd type="none" w="med" len="med"/>
+                      <a:tailEnd type="none" w="med" len="med"/>
+                    </a:lnR>
+                    <a:lnT w="12700" cap="flat" cmpd="sng" algn="ctr">
+                      <a:solidFill>
+                        <a:schemeClr val="tx1"/>
+                      </a:solidFill>
+                      <a:prstDash val="solid"/>
+                      <a:round/>
+                      <a:headEnd type="none" w="med" len="med"/>
+                      <a:tailEnd type="none" w="med" len="med"/>
+                    </a:lnT>
+                    <a:lnB w="12700" cap="flat" cmpd="sng" algn="ctr">
+                      <a:solidFill>
+                        <a:schemeClr val="tx1"/>
+                      </a:solidFill>
+                      <a:prstDash val="solid"/>
+                      <a:round/>
+                      <a:headEnd type="none" w="med" len="med"/>
+                      <a:tailEnd type="none" w="med" len="med"/>
+                    </a:lnB>
+                    <a:solidFill>
+                      <a:srgbClr val="FFFFFF"/>
+                    </a:solidFill>
+                  </a:tcPr>
+                </a:tc>
+                <a:extLst>
+                  <a:ext uri="{0D108BD9-81ED-4DB2-BD59-A6C34878D82A}">
+                    <a16:rowId xmlns:a16="http://schemas.microsoft.com/office/drawing/2014/main" val="2252148617"/>
+                  </a:ext>
+                </a:extLst>
+              </a:tr>
+            </a:tbl>
+          </a:graphicData>
+        </a:graphic>
+      </p:graphicFrame>
+      <p:sp>
+        <p:nvSpPr>
+          <p:cNvPr id="6" name="TextBox 5">
+            <a:extLst>
+              <a:ext uri="{FF2B5EF4-FFF2-40B4-BE49-F238E27FC236}">
+                <a16:creationId xmlns:a16="http://schemas.microsoft.com/office/drawing/2014/main" id="{2CB5F8EE-6154-4263-0323-40CD31D9C727}"/>
+              </a:ext>
+            </a:extLst>
+          </p:cNvPr>
+          <p:cNvSpPr txBox="1"/>
+          <p:nvPr/>
+        </p:nvSpPr>
+        <p:spPr>
+          <a:xfrm>
+            <a:off x="0" y="1935033"/>
+            <a:ext cx="6096000" cy="1200329"/>
+          </a:xfrm>
+          <a:prstGeom prst="rect">
+            <a:avLst/>
+          </a:prstGeom>
+          <a:noFill/>
+        </p:spPr>
+        <p:txBody>
+          <a:bodyPr wrap="square">
+            <a:spAutoFit/>
+          </a:bodyPr>
+          <a:lstStyle/>
+          <a:p>
+            <a:pPr algn="l"/>
+            <a:r>
+              <a:rPr lang="en-US" b="1" i="0" dirty="0">
+                <a:solidFill>
+                  <a:srgbClr val="171717"/>
+                </a:solidFill>
+                <a:effectLst/>
+                <a:latin typeface="Segoe UI" panose="020B0502040204020203" pitchFamily="34" charset="0"/>
+              </a:rPr>
+              <a:t>Model 2 - NSGs are managed by individual teams.</a:t>
+            </a:r>
+          </a:p>
+          <a:p>
+            <a:pPr algn="l"/>
+            <a:r>
+              <a:rPr lang="en-US" b="0" i="0" dirty="0">
+                <a:solidFill>
+                  <a:srgbClr val="171717"/>
+                </a:solidFill>
+                <a:effectLst/>
+                <a:latin typeface="Segoe UI" panose="020B0502040204020203" pitchFamily="34" charset="0"/>
+              </a:rPr>
+              <a:t>In this model, NSGs are managed by individual teams within an organization without a centralized governance team.</a:t>
+            </a:r>
+          </a:p>
+        </p:txBody>
+      </p:sp>
+    </p:spTree>
+    <p:extLst>
+      <p:ext uri="{BB962C8B-B14F-4D97-AF65-F5344CB8AC3E}">
+        <p14:creationId xmlns:p14="http://schemas.microsoft.com/office/powerpoint/2010/main" val="2133534535"/>
+      </p:ext>
+    </p:extLst>
+  </p:cSld>
+  <p:clrMapOvr>
+    <a:masterClrMapping/>
+  </p:clrMapOvr>
+</p:sld>
+</file>
+
+<file path=ppt/slides/slide4.xml><?xml version="1.0" encoding="utf-8"?>
+<p:sld xmlns:a="http://schemas.openxmlformats.org/drawingml/2006/main" xmlns:r="http://schemas.openxmlformats.org/officeDocument/2006/relationships" xmlns:p="http://schemas.openxmlformats.org/presentationml/2006/main">
+  <p:cSld>
+    <p:spTree>
+      <p:nvGrpSpPr>
+        <p:cNvPr id="1" name=""/>
+        <p:cNvGrpSpPr/>
+        <p:nvPr/>
+      </p:nvGrpSpPr>
+      <p:grpSpPr>
+        <a:xfrm>
+          <a:off x="0" y="0"/>
+          <a:ext cx="0" cy="0"/>
+          <a:chOff x="0" y="0"/>
+          <a:chExt cx="0" cy="0"/>
+        </a:xfrm>
+      </p:grpSpPr>
+      <p:sp>
+        <p:nvSpPr>
+          <p:cNvPr id="2" name="Title 1">
+            <a:extLst>
+              <a:ext uri="{FF2B5EF4-FFF2-40B4-BE49-F238E27FC236}">
+                <a16:creationId xmlns:a16="http://schemas.microsoft.com/office/drawing/2014/main" id="{09BA260B-7B65-FDB3-3CAB-DE0B567FA296}"/>
+              </a:ext>
+            </a:extLst>
+          </p:cNvPr>
+          <p:cNvSpPr>
+            <a:spLocks noGrp="1"/>
+          </p:cNvSpPr>
+          <p:nvPr>
+            <p:ph type="title"/>
+          </p:nvPr>
+        </p:nvSpPr>
+        <p:spPr/>
+        <p:txBody>
+          <a:bodyPr/>
+          <a:lstStyle/>
+          <a:p>
+            <a:endParaRPr lang="en-US"/>
+          </a:p>
+        </p:txBody>
+      </p:sp>
+      <p:graphicFrame>
+        <p:nvGraphicFramePr>
+          <p:cNvPr id="4" name="Table 3">
+            <a:extLst>
+              <a:ext uri="{FF2B5EF4-FFF2-40B4-BE49-F238E27FC236}">
+                <a16:creationId xmlns:a16="http://schemas.microsoft.com/office/drawing/2014/main" id="{C10E9DD6-1293-862E-6EB5-D15B499EA021}"/>
+              </a:ext>
+            </a:extLst>
+          </p:cNvPr>
+          <p:cNvGraphicFramePr>
+            <a:graphicFrameLocks noGrp="1"/>
+          </p:cNvGraphicFramePr>
+          <p:nvPr>
+            <p:extLst>
+              <p:ext uri="{D42A27DB-BD31-4B8C-83A1-F6EECF244321}">
+                <p14:modId xmlns:p14="http://schemas.microsoft.com/office/powerpoint/2010/main" val="1673056534"/>
+              </p:ext>
+            </p:extLst>
+          </p:nvPr>
+        </p:nvGraphicFramePr>
+        <p:xfrm>
+          <a:off x="0" y="3719017"/>
+          <a:ext cx="8191500" cy="2377440"/>
+        </p:xfrm>
+        <a:graphic>
+          <a:graphicData uri="http://schemas.openxmlformats.org/drawingml/2006/table">
+            <a:tbl>
+              <a:tblPr/>
+              <a:tblGrid>
+                <a:gridCol w="4095750">
+                  <a:extLst>
+                    <a:ext uri="{9D8B030D-6E8A-4147-A177-3AD203B41FA5}">
+                      <a16:colId xmlns:a16="http://schemas.microsoft.com/office/drawing/2014/main" val="567166519"/>
+                    </a:ext>
+                  </a:extLst>
+                </a:gridCol>
+                <a:gridCol w="4095750">
+                  <a:extLst>
+                    <a:ext uri="{9D8B030D-6E8A-4147-A177-3AD203B41FA5}">
+                      <a16:colId xmlns:a16="http://schemas.microsoft.com/office/drawing/2014/main" val="2192228559"/>
+                    </a:ext>
+                  </a:extLst>
+                </a:gridCol>
+              </a:tblGrid>
+              <a:tr h="0">
+                <a:tc>
+                  <a:txBody>
+                    <a:bodyPr/>
+                    <a:lstStyle/>
+                    <a:p>
+                      <a:pPr algn="l" fontAlgn="t"/>
+                      <a:r>
+                        <a:rPr lang="en-US">
+                          <a:effectLst/>
+                        </a:rPr>
+                        <a:t>Pros</a:t>
+                      </a:r>
+                    </a:p>
+                  </a:txBody>
+                  <a:tcPr>
+                    <a:lnL w="12700" cap="flat" cmpd="sng" algn="ctr">
+                      <a:solidFill>
+                        <a:schemeClr val="tx1"/>
+                      </a:solidFill>
+                      <a:prstDash val="solid"/>
+                      <a:round/>
+                      <a:headEnd type="none" w="med" len="med"/>
+                      <a:tailEnd type="none" w="med" len="med"/>
+                    </a:lnL>
+                    <a:lnR>
+                      <a:noFill/>
+                    </a:lnR>
+                    <a:lnT w="12700" cap="flat" cmpd="sng" algn="ctr">
+                      <a:solidFill>
+                        <a:schemeClr val="tx1"/>
+                      </a:solidFill>
+                      <a:prstDash val="solid"/>
+                      <a:round/>
+                      <a:headEnd type="none" w="med" len="med"/>
+                      <a:tailEnd type="none" w="med" len="med"/>
+                    </a:lnT>
+                    <a:lnB w="12700" cap="flat" cmpd="sng" algn="ctr">
+                      <a:solidFill>
+                        <a:schemeClr val="tx1"/>
+                      </a:solidFill>
+                      <a:prstDash val="solid"/>
+                      <a:round/>
+                      <a:headEnd type="none" w="med" len="med"/>
+                      <a:tailEnd type="none" w="med" len="med"/>
+                    </a:lnB>
+                    <a:solidFill>
+                      <a:srgbClr val="FFFFFF"/>
+                    </a:solidFill>
+                  </a:tcPr>
+                </a:tc>
+                <a:tc>
+                  <a:txBody>
+                    <a:bodyPr/>
+                    <a:lstStyle/>
+                    <a:p>
+                      <a:pPr algn="l" fontAlgn="t"/>
+                      <a:r>
+                        <a:rPr lang="en-US" dirty="0">
+                          <a:effectLst/>
+                        </a:rPr>
+                        <a:t>Cons</a:t>
+                      </a:r>
+                    </a:p>
+                  </a:txBody>
+                  <a:tcPr>
+                    <a:lnL>
+                      <a:noFill/>
+                    </a:lnL>
+                    <a:lnR w="12700" cap="flat" cmpd="sng" algn="ctr">
+                      <a:solidFill>
+                        <a:schemeClr val="tx1"/>
+                      </a:solidFill>
+                      <a:prstDash val="solid"/>
+                      <a:round/>
+                      <a:headEnd type="none" w="med" len="med"/>
+                      <a:tailEnd type="none" w="med" len="med"/>
+                    </a:lnR>
+                    <a:lnT w="12700" cap="flat" cmpd="sng" algn="ctr">
+                      <a:solidFill>
+                        <a:schemeClr val="tx1"/>
+                      </a:solidFill>
+                      <a:prstDash val="solid"/>
+                      <a:round/>
+                      <a:headEnd type="none" w="med" len="med"/>
+                      <a:tailEnd type="none" w="med" len="med"/>
+                    </a:lnT>
+                    <a:lnB w="12700" cap="flat" cmpd="sng" algn="ctr">
+                      <a:solidFill>
+                        <a:schemeClr val="tx1"/>
+                      </a:solidFill>
+                      <a:prstDash val="solid"/>
+                      <a:round/>
+                      <a:headEnd type="none" w="med" len="med"/>
+                      <a:tailEnd type="none" w="med" len="med"/>
+                    </a:lnB>
+                    <a:solidFill>
+                      <a:srgbClr val="FFFFFF"/>
+                    </a:solidFill>
+                  </a:tcPr>
+                </a:tc>
+                <a:extLst>
+                  <a:ext uri="{0D108BD9-81ED-4DB2-BD59-A6C34878D82A}">
+                    <a16:rowId xmlns:a16="http://schemas.microsoft.com/office/drawing/2014/main" val="293853318"/>
+                  </a:ext>
+                </a:extLst>
+              </a:tr>
+              <a:tr h="0">
+                <a:tc>
+                  <a:txBody>
+                    <a:bodyPr/>
+                    <a:lstStyle/>
+                    <a:p>
+                      <a:pPr algn="l" fontAlgn="t"/>
+                      <a:r>
+                        <a:rPr lang="en-US" dirty="0">
+                          <a:effectLst/>
+                        </a:rPr>
+                        <a:t>The individual team has flexible control in tailoring security rules.</a:t>
+                      </a:r>
+                      <a:br>
+                        <a:rPr lang="en-US" dirty="0">
+                          <a:effectLst/>
+                        </a:rPr>
+                      </a:br>
+                      <a:br>
+                        <a:rPr lang="en-US" dirty="0">
+                          <a:effectLst/>
+                        </a:rPr>
+                      </a:br>
+                      <a:r>
+                        <a:rPr lang="en-US" dirty="0">
+                          <a:effectLst/>
+                        </a:rPr>
+                        <a:t>The central governance team can create standard security rules and receive notifications if rules are modified.</a:t>
+                      </a:r>
+                    </a:p>
+                  </a:txBody>
+                  <a:tcPr>
+                    <a:lnL w="12700" cap="flat" cmpd="sng" algn="ctr">
+                      <a:solidFill>
+                        <a:schemeClr val="tx1"/>
+                      </a:solidFill>
+                      <a:prstDash val="solid"/>
+                      <a:round/>
+                      <a:headEnd type="none" w="med" len="med"/>
+                      <a:tailEnd type="none" w="med" len="med"/>
+                    </a:lnL>
+                    <a:lnR>
+                      <a:noFill/>
+                    </a:lnR>
+                    <a:lnT w="12700" cap="flat" cmpd="sng" algn="ctr">
+                      <a:solidFill>
+                        <a:schemeClr val="tx1"/>
+                      </a:solidFill>
+                      <a:prstDash val="solid"/>
+                      <a:round/>
+                      <a:headEnd type="none" w="med" len="med"/>
+                      <a:tailEnd type="none" w="med" len="med"/>
+                    </a:lnT>
+                    <a:lnB w="12700" cap="flat" cmpd="sng" algn="ctr">
+                      <a:solidFill>
+                        <a:schemeClr val="tx1"/>
+                      </a:solidFill>
+                      <a:prstDash val="solid"/>
+                      <a:round/>
+                      <a:headEnd type="none" w="med" len="med"/>
+                      <a:tailEnd type="none" w="med" len="med"/>
+                    </a:lnB>
+                    <a:solidFill>
+                      <a:srgbClr val="FFFFFF"/>
+                    </a:solidFill>
+                  </a:tcPr>
+                </a:tc>
+                <a:tc>
+                  <a:txBody>
+                    <a:bodyPr/>
+                    <a:lstStyle/>
+                    <a:p>
+                      <a:pPr algn="l" fontAlgn="t"/>
+                      <a:r>
+                        <a:rPr lang="en-US" dirty="0">
+                          <a:effectLst/>
+                        </a:rPr>
+                        <a:t>The central governance team still can't enforce the standard security rules, since NSG owners in teams can still modify them.</a:t>
+                      </a:r>
+                      <a:br>
+                        <a:rPr lang="en-US" dirty="0">
+                          <a:effectLst/>
+                        </a:rPr>
+                      </a:br>
+                      <a:br>
+                        <a:rPr lang="en-US" dirty="0">
+                          <a:effectLst/>
+                        </a:rPr>
+                      </a:br>
+                      <a:r>
+                        <a:rPr lang="en-US" dirty="0">
+                          <a:effectLst/>
+                        </a:rPr>
+                        <a:t>Notifications would also be overwhelming to manage</a:t>
+                      </a:r>
+                    </a:p>
+                  </a:txBody>
+                  <a:tcPr>
+                    <a:lnL>
+                      <a:noFill/>
+                    </a:lnL>
+                    <a:lnR w="12700" cap="flat" cmpd="sng" algn="ctr">
+                      <a:solidFill>
+                        <a:schemeClr val="tx1"/>
+                      </a:solidFill>
+                      <a:prstDash val="solid"/>
+                      <a:round/>
+                      <a:headEnd type="none" w="med" len="med"/>
+                      <a:tailEnd type="none" w="med" len="med"/>
+                    </a:lnR>
+                    <a:lnT w="12700" cap="flat" cmpd="sng" algn="ctr">
+                      <a:solidFill>
+                        <a:schemeClr val="tx1"/>
+                      </a:solidFill>
+                      <a:prstDash val="solid"/>
+                      <a:round/>
+                      <a:headEnd type="none" w="med" len="med"/>
+                      <a:tailEnd type="none" w="med" len="med"/>
+                    </a:lnT>
+                    <a:lnB w="12700" cap="flat" cmpd="sng" algn="ctr">
+                      <a:solidFill>
+                        <a:schemeClr val="tx1"/>
+                      </a:solidFill>
+                      <a:prstDash val="solid"/>
+                      <a:round/>
+                      <a:headEnd type="none" w="med" len="med"/>
+                      <a:tailEnd type="none" w="med" len="med"/>
+                    </a:lnB>
+                    <a:solidFill>
+                      <a:srgbClr val="FFFFFF"/>
+                    </a:solidFill>
+                  </a:tcPr>
+                </a:tc>
+                <a:extLst>
+                  <a:ext uri="{0D108BD9-81ED-4DB2-BD59-A6C34878D82A}">
+                    <a16:rowId xmlns:a16="http://schemas.microsoft.com/office/drawing/2014/main" val="1298092459"/>
+                  </a:ext>
+                </a:extLst>
+              </a:tr>
+            </a:tbl>
+          </a:graphicData>
+        </a:graphic>
+      </p:graphicFrame>
+      <p:sp>
+        <p:nvSpPr>
+          <p:cNvPr id="6" name="TextBox 5">
+            <a:extLst>
+              <a:ext uri="{FF2B5EF4-FFF2-40B4-BE49-F238E27FC236}">
+                <a16:creationId xmlns:a16="http://schemas.microsoft.com/office/drawing/2014/main" id="{859A0AA2-D9DB-B736-06A2-4C0AA0F327B2}"/>
+              </a:ext>
+            </a:extLst>
+          </p:cNvPr>
+          <p:cNvSpPr txBox="1"/>
+          <p:nvPr/>
+        </p:nvSpPr>
+        <p:spPr>
+          <a:xfrm>
+            <a:off x="-32326" y="1964691"/>
+            <a:ext cx="6128326" cy="1754326"/>
+          </a:xfrm>
+          <a:prstGeom prst="rect">
+            <a:avLst/>
+          </a:prstGeom>
+          <a:noFill/>
+        </p:spPr>
+        <p:txBody>
+          <a:bodyPr wrap="square">
+            <a:spAutoFit/>
+          </a:bodyPr>
+          <a:lstStyle/>
+          <a:p>
+            <a:pPr algn="l"/>
+            <a:r>
+              <a:rPr lang="en-US" b="1" i="0" dirty="0">
+                <a:solidFill>
+                  <a:srgbClr val="171717"/>
+                </a:solidFill>
+                <a:effectLst/>
+                <a:latin typeface="Segoe UI" panose="020B0502040204020203" pitchFamily="34" charset="0"/>
+              </a:rPr>
+              <a:t>Model 3 - NSGs are created through Azure Policy and managed by individual teams.</a:t>
+            </a:r>
+          </a:p>
+          <a:p>
+            <a:pPr algn="l"/>
+            <a:r>
+              <a:rPr lang="en-US" b="0" i="0" dirty="0">
+                <a:solidFill>
+                  <a:srgbClr val="171717"/>
+                </a:solidFill>
+                <a:effectLst/>
+                <a:latin typeface="Segoe UI" panose="020B0502040204020203" pitchFamily="34" charset="0"/>
+              </a:rPr>
+              <a:t>In this model, NSGs are still managed by individual teams. The difference is the NSGs are created using Azure Policy to set standard rules. Modifying these rules would trigger audit notifications.</a:t>
+            </a:r>
+          </a:p>
+        </p:txBody>
+      </p:sp>
+    </p:spTree>
+    <p:extLst>
+      <p:ext uri="{BB962C8B-B14F-4D97-AF65-F5344CB8AC3E}">
+        <p14:creationId xmlns:p14="http://schemas.microsoft.com/office/powerpoint/2010/main" val="159473331"/>
+      </p:ext>
+    </p:extLst>
+  </p:cSld>
+  <p:clrMapOvr>
+    <a:masterClrMapping/>
+  </p:clrMapOvr>
+</p:sld>
+</file>
+
+<file path=ppt/slides/slide5.xml><?xml version="1.0" encoding="utf-8"?>
+<p:sld xmlns:a="http://schemas.openxmlformats.org/drawingml/2006/main" xmlns:r="http://schemas.openxmlformats.org/officeDocument/2006/relationships" xmlns:p="http://schemas.openxmlformats.org/presentationml/2006/main">
+  <p:cSld>
+    <p:spTree>
+      <p:nvGrpSpPr>
+        <p:cNvPr id="1" name=""/>
+        <p:cNvGrpSpPr/>
+        <p:nvPr/>
+      </p:nvGrpSpPr>
+      <p:grpSpPr>
+        <a:xfrm>
+          <a:off x="0" y="0"/>
+          <a:ext cx="0" cy="0"/>
+          <a:chOff x="0" y="0"/>
+          <a:chExt cx="0" cy="0"/>
+        </a:xfrm>
+      </p:grpSpPr>
+      <p:sp>
+        <p:nvSpPr>
+          <p:cNvPr id="2" name="Title 1">
+            <a:extLst>
+              <a:ext uri="{FF2B5EF4-FFF2-40B4-BE49-F238E27FC236}">
                 <a16:creationId xmlns:a16="http://schemas.microsoft.com/office/drawing/2014/main" id="{E86C385B-74EF-40BC-84BE-761643DB870C}"/>
               </a:ext>
             </a:extLst>
@@ -5148,7 +10564,7 @@
 </p:sld>
 </file>
 
-<file path=ppt/slides/slide4.xml><?xml version="1.0" encoding="utf-8"?>
+<file path=ppt/slides/slide6.xml><?xml version="1.0" encoding="utf-8"?>
 <p:sld xmlns:a="http://schemas.openxmlformats.org/drawingml/2006/main" xmlns:r="http://schemas.openxmlformats.org/officeDocument/2006/relationships" xmlns:p="http://schemas.openxmlformats.org/presentationml/2006/main">
   <p:cSld>
     <p:spTree>
@@ -5257,7 +10673,7 @@
 </p:sld>
 </file>
 
-<file path=ppt/slides/slide5.xml><?xml version="1.0" encoding="utf-8"?>
+<file path=ppt/slides/slide7.xml><?xml version="1.0" encoding="utf-8"?>
 <p:sld xmlns:a="http://schemas.openxmlformats.org/drawingml/2006/main" xmlns:r="http://schemas.openxmlformats.org/officeDocument/2006/relationships" xmlns:p="http://schemas.openxmlformats.org/presentationml/2006/main">
   <p:cSld>
     <p:spTree>
@@ -5426,7 +10842,7 @@
 </p:sld>
 </file>
 
-<file path=ppt/slides/slide6.xml><?xml version="1.0" encoding="utf-8"?>
+<file path=ppt/slides/slide8.xml><?xml version="1.0" encoding="utf-8"?>
 <p:sld xmlns:a="http://schemas.openxmlformats.org/drawingml/2006/main" xmlns:r="http://schemas.openxmlformats.org/officeDocument/2006/relationships" xmlns:p="http://schemas.openxmlformats.org/presentationml/2006/main">
   <p:cSld>
     <p:bg>
@@ -5750,7 +11166,7 @@
 </p:sld>
 </file>
 
-<file path=ppt/slides/slide7.xml><?xml version="1.0" encoding="utf-8"?>
+<file path=ppt/slides/slide9.xml><?xml version="1.0" encoding="utf-8"?>
 <p:sld xmlns:a="http://schemas.openxmlformats.org/drawingml/2006/main" xmlns:r="http://schemas.openxmlformats.org/officeDocument/2006/relationships" xmlns:p="http://schemas.openxmlformats.org/presentationml/2006/main">
   <p:cSld>
     <p:spTree>
@@ -6155,212 +11571,6 @@
     <p:extLst>
       <p:ext uri="{BB962C8B-B14F-4D97-AF65-F5344CB8AC3E}">
         <p14:creationId xmlns:p14="http://schemas.microsoft.com/office/powerpoint/2010/main" val="2214699805"/>
-      </p:ext>
-    </p:extLst>
-  </p:cSld>
-  <p:clrMapOvr>
-    <a:masterClrMapping/>
-  </p:clrMapOvr>
-</p:sld>
-</file>
-
-<file path=ppt/slides/slide8.xml><?xml version="1.0" encoding="utf-8"?>
-<p:sld xmlns:a="http://schemas.openxmlformats.org/drawingml/2006/main" xmlns:r="http://schemas.openxmlformats.org/officeDocument/2006/relationships" xmlns:p="http://schemas.openxmlformats.org/presentationml/2006/main">
-  <p:cSld>
-    <p:spTree>
-      <p:nvGrpSpPr>
-        <p:cNvPr id="1" name=""/>
-        <p:cNvGrpSpPr/>
-        <p:nvPr/>
-      </p:nvGrpSpPr>
-      <p:grpSpPr>
-        <a:xfrm>
-          <a:off x="0" y="0"/>
-          <a:ext cx="0" cy="0"/>
-          <a:chOff x="0" y="0"/>
-          <a:chExt cx="0" cy="0"/>
-        </a:xfrm>
-      </p:grpSpPr>
-      <p:sp>
-        <p:nvSpPr>
-          <p:cNvPr id="2" name="Title 1">
-            <a:extLst>
-              <a:ext uri="{FF2B5EF4-FFF2-40B4-BE49-F238E27FC236}">
-                <a16:creationId xmlns:a16="http://schemas.microsoft.com/office/drawing/2014/main" id="{C434D278-92A4-45A2-86BE-FE69C14E543E}"/>
-              </a:ext>
-            </a:extLst>
-          </p:cNvPr>
-          <p:cNvSpPr>
-            <a:spLocks noGrp="1"/>
-          </p:cNvSpPr>
-          <p:nvPr>
-            <p:ph type="title"/>
-          </p:nvPr>
-        </p:nvSpPr>
-        <p:spPr/>
-        <p:txBody>
-          <a:bodyPr/>
-          <a:lstStyle/>
-          <a:p>
-            <a:pPr algn="ctr"/>
-            <a:r>
-              <a:rPr lang="en-US" dirty="0">
-                <a:hlinkClick r:id="rId2"/>
-              </a:rPr>
-              <a:t>Network Security Dashboard</a:t>
-            </a:r>
-            <a:endParaRPr lang="en-US" dirty="0"/>
-          </a:p>
-        </p:txBody>
-      </p:sp>
-      <p:pic>
-        <p:nvPicPr>
-          <p:cNvPr id="5" name="Picture 4">
-            <a:extLst>
-              <a:ext uri="{FF2B5EF4-FFF2-40B4-BE49-F238E27FC236}">
-                <a16:creationId xmlns:a16="http://schemas.microsoft.com/office/drawing/2014/main" id="{DCF77CA5-153A-411D-ACEB-728458C567BD}"/>
-              </a:ext>
-            </a:extLst>
-          </p:cNvPr>
-          <p:cNvPicPr>
-            <a:picLocks noChangeAspect="1"/>
-          </p:cNvPicPr>
-          <p:nvPr/>
-        </p:nvPicPr>
-        <p:blipFill>
-          <a:blip r:embed="rId3"/>
-          <a:stretch>
-            <a:fillRect/>
-          </a:stretch>
-        </p:blipFill>
-        <p:spPr>
-          <a:xfrm>
-            <a:off x="1260763" y="1690688"/>
-            <a:ext cx="9670473" cy="4713555"/>
-          </a:xfrm>
-          <a:prstGeom prst="rect">
-            <a:avLst/>
-          </a:prstGeom>
-        </p:spPr>
-      </p:pic>
-    </p:spTree>
-    <p:extLst>
-      <p:ext uri="{BB962C8B-B14F-4D97-AF65-F5344CB8AC3E}">
-        <p14:creationId xmlns:p14="http://schemas.microsoft.com/office/powerpoint/2010/main" val="1344935971"/>
-      </p:ext>
-    </p:extLst>
-  </p:cSld>
-  <p:clrMapOvr>
-    <a:masterClrMapping/>
-  </p:clrMapOvr>
-</p:sld>
-</file>
-
-<file path=ppt/slides/slide9.xml><?xml version="1.0" encoding="utf-8"?>
-<p:sld xmlns:a="http://schemas.openxmlformats.org/drawingml/2006/main" xmlns:r="http://schemas.openxmlformats.org/officeDocument/2006/relationships" xmlns:p="http://schemas.openxmlformats.org/presentationml/2006/main">
-  <p:cSld>
-    <p:spTree>
-      <p:nvGrpSpPr>
-        <p:cNvPr id="1" name=""/>
-        <p:cNvGrpSpPr/>
-        <p:nvPr/>
-      </p:nvGrpSpPr>
-      <p:grpSpPr>
-        <a:xfrm>
-          <a:off x="0" y="0"/>
-          <a:ext cx="0" cy="0"/>
-          <a:chOff x="0" y="0"/>
-          <a:chExt cx="0" cy="0"/>
-        </a:xfrm>
-      </p:grpSpPr>
-      <p:sp>
-        <p:nvSpPr>
-          <p:cNvPr id="2" name="Title 1">
-            <a:extLst>
-              <a:ext uri="{FF2B5EF4-FFF2-40B4-BE49-F238E27FC236}">
-                <a16:creationId xmlns:a16="http://schemas.microsoft.com/office/drawing/2014/main" id="{798FA10A-7E18-4971-B1CB-C7736120E680}"/>
-              </a:ext>
-            </a:extLst>
-          </p:cNvPr>
-          <p:cNvSpPr>
-            <a:spLocks noGrp="1"/>
-          </p:cNvSpPr>
-          <p:nvPr>
-            <p:ph type="title"/>
-          </p:nvPr>
-        </p:nvSpPr>
-        <p:spPr/>
-        <p:txBody>
-          <a:bodyPr/>
-          <a:lstStyle/>
-          <a:p>
-            <a:r>
-              <a:rPr lang="en-US" dirty="0"/>
-              <a:t>Introducing Azure Virtual Network Manager (AVNM) – </a:t>
-            </a:r>
-            <a:r>
-              <a:rPr lang="en-US" dirty="0">
-                <a:hlinkClick r:id="rId2"/>
-              </a:rPr>
-              <a:t>Security Admins</a:t>
-            </a:r>
-            <a:endParaRPr lang="en-US" dirty="0"/>
-          </a:p>
-        </p:txBody>
-      </p:sp>
-      <p:pic>
-        <p:nvPicPr>
-          <p:cNvPr id="1026" name="Picture 2" descr="Diagram of how traffic is evaluated with security admin rules and NSG.">
-            <a:extLst>
-              <a:ext uri="{FF2B5EF4-FFF2-40B4-BE49-F238E27FC236}">
-                <a16:creationId xmlns:a16="http://schemas.microsoft.com/office/drawing/2014/main" id="{CEB92387-A3B9-49F0-9D25-832A99A1B799}"/>
-              </a:ext>
-            </a:extLst>
-          </p:cNvPr>
-          <p:cNvPicPr>
-            <a:picLocks noGrp="1" noChangeAspect="1" noChangeArrowheads="1"/>
-          </p:cNvPicPr>
-          <p:nvPr>
-            <p:ph idx="1"/>
-          </p:nvPr>
-        </p:nvPicPr>
-        <p:blipFill>
-          <a:blip r:embed="rId3">
-            <a:extLst>
-              <a:ext uri="{28A0092B-C50C-407E-A947-70E740481C1C}">
-                <a14:useLocalDpi xmlns:a14="http://schemas.microsoft.com/office/drawing/2010/main" val="0"/>
-              </a:ext>
-            </a:extLst>
-          </a:blip>
-          <a:srcRect/>
-          <a:stretch>
-            <a:fillRect/>
-          </a:stretch>
-        </p:blipFill>
-        <p:spPr bwMode="auto">
-          <a:xfrm>
-            <a:off x="2155049" y="2343285"/>
-            <a:ext cx="5704762" cy="2171429"/>
-          </a:xfrm>
-          <a:prstGeom prst="rect">
-            <a:avLst/>
-          </a:prstGeom>
-          <a:noFill/>
-          <a:extLst>
-            <a:ext uri="{909E8E84-426E-40DD-AFC4-6F175D3DCCD1}">
-              <a14:hiddenFill xmlns:a14="http://schemas.microsoft.com/office/drawing/2010/main">
-                <a:solidFill>
-                  <a:srgbClr val="FFFFFF"/>
-                </a:solidFill>
-              </a14:hiddenFill>
-            </a:ext>
-          </a:extLst>
-        </p:spPr>
-      </p:pic>
-    </p:spTree>
-    <p:extLst>
-      <p:ext uri="{BB962C8B-B14F-4D97-AF65-F5344CB8AC3E}">
-        <p14:creationId xmlns:p14="http://schemas.microsoft.com/office/powerpoint/2010/main" val="3849488672"/>
       </p:ext>
     </p:extLst>
   </p:cSld>
@@ -6665,6 +11875,301 @@
 </a:theme>
 </file>
 
+<file path=ppt/theme/theme2.xml><?xml version="1.0" encoding="utf-8"?>
+<a:theme xmlns:a="http://schemas.openxmlformats.org/drawingml/2006/main" name="Office Theme">
+  <a:themeElements>
+    <a:clrScheme name="Office">
+      <a:dk1>
+        <a:sysClr val="windowText" lastClr="000000"/>
+      </a:dk1>
+      <a:lt1>
+        <a:sysClr val="window" lastClr="FFFFFF"/>
+      </a:lt1>
+      <a:dk2>
+        <a:srgbClr val="44546A"/>
+      </a:dk2>
+      <a:lt2>
+        <a:srgbClr val="E7E6E6"/>
+      </a:lt2>
+      <a:accent1>
+        <a:srgbClr val="4472C4"/>
+      </a:accent1>
+      <a:accent2>
+        <a:srgbClr val="ED7D31"/>
+      </a:accent2>
+      <a:accent3>
+        <a:srgbClr val="A5A5A5"/>
+      </a:accent3>
+      <a:accent4>
+        <a:srgbClr val="FFC000"/>
+      </a:accent4>
+      <a:accent5>
+        <a:srgbClr val="5B9BD5"/>
+      </a:accent5>
+      <a:accent6>
+        <a:srgbClr val="70AD47"/>
+      </a:accent6>
+      <a:hlink>
+        <a:srgbClr val="0563C1"/>
+      </a:hlink>
+      <a:folHlink>
+        <a:srgbClr val="954F72"/>
+      </a:folHlink>
+    </a:clrScheme>
+    <a:fontScheme name="Office">
+      <a:majorFont>
+        <a:latin typeface="Calibri Light" panose="020F0302020204030204"/>
+        <a:ea typeface=""/>
+        <a:cs typeface=""/>
+        <a:font script="Jpan" typeface="游ゴシック Light"/>
+        <a:font script="Hang" typeface="맑은 고딕"/>
+        <a:font script="Hans" typeface="等线 Light"/>
+        <a:font script="Hant" typeface="新細明體"/>
+        <a:font script="Arab" typeface="Times New Roman"/>
+        <a:font script="Hebr" typeface="Times New Roman"/>
+        <a:font script="Thai" typeface="Angsana New"/>
+        <a:font script="Ethi" typeface="Nyala"/>
+        <a:font script="Beng" typeface="Vrinda"/>
+        <a:font script="Gujr" typeface="Shruti"/>
+        <a:font script="Khmr" typeface="MoolBoran"/>
+        <a:font script="Knda" typeface="Tunga"/>
+        <a:font script="Guru" typeface="Raavi"/>
+        <a:font script="Cans" typeface="Euphemia"/>
+        <a:font script="Cher" typeface="Plantagenet Cherokee"/>
+        <a:font script="Yiii" typeface="Microsoft Yi Baiti"/>
+        <a:font script="Tibt" typeface="Microsoft Himalaya"/>
+        <a:font script="Thaa" typeface="MV Boli"/>
+        <a:font script="Deva" typeface="Mangal"/>
+        <a:font script="Telu" typeface="Gautami"/>
+        <a:font script="Taml" typeface="Latha"/>
+        <a:font script="Syrc" typeface="Estrangelo Edessa"/>
+        <a:font script="Orya" typeface="Kalinga"/>
+        <a:font script="Mlym" typeface="Kartika"/>
+        <a:font script="Laoo" typeface="DokChampa"/>
+        <a:font script="Sinh" typeface="Iskoola Pota"/>
+        <a:font script="Mong" typeface="Mongolian Baiti"/>
+        <a:font script="Viet" typeface="Times New Roman"/>
+        <a:font script="Uigh" typeface="Microsoft Uighur"/>
+        <a:font script="Geor" typeface="Sylfaen"/>
+        <a:font script="Armn" typeface="Arial"/>
+        <a:font script="Bugi" typeface="Leelawadee UI"/>
+        <a:font script="Bopo" typeface="Microsoft JhengHei"/>
+        <a:font script="Java" typeface="Javanese Text"/>
+        <a:font script="Lisu" typeface="Segoe UI"/>
+        <a:font script="Mymr" typeface="Myanmar Text"/>
+        <a:font script="Nkoo" typeface="Ebrima"/>
+        <a:font script="Olck" typeface="Nirmala UI"/>
+        <a:font script="Osma" typeface="Ebrima"/>
+        <a:font script="Phag" typeface="Phagspa"/>
+        <a:font script="Syrn" typeface="Estrangelo Edessa"/>
+        <a:font script="Syrj" typeface="Estrangelo Edessa"/>
+        <a:font script="Syre" typeface="Estrangelo Edessa"/>
+        <a:font script="Sora" typeface="Nirmala UI"/>
+        <a:font script="Tale" typeface="Microsoft Tai Le"/>
+        <a:font script="Talu" typeface="Microsoft New Tai Lue"/>
+        <a:font script="Tfng" typeface="Ebrima"/>
+      </a:majorFont>
+      <a:minorFont>
+        <a:latin typeface="Calibri" panose="020F0502020204030204"/>
+        <a:ea typeface=""/>
+        <a:cs typeface=""/>
+        <a:font script="Jpan" typeface="游ゴシック"/>
+        <a:font script="Hang" typeface="맑은 고딕"/>
+        <a:font script="Hans" typeface="等线"/>
+        <a:font script="Hant" typeface="新細明體"/>
+        <a:font script="Arab" typeface="Arial"/>
+        <a:font script="Hebr" typeface="Arial"/>
+        <a:font script="Thai" typeface="Cordia New"/>
+        <a:font script="Ethi" typeface="Nyala"/>
+        <a:font script="Beng" typeface="Vrinda"/>
+        <a:font script="Gujr" typeface="Shruti"/>
+        <a:font script="Khmr" typeface="DaunPenh"/>
+        <a:font script="Knda" typeface="Tunga"/>
+        <a:font script="Guru" typeface="Raavi"/>
+        <a:font script="Cans" typeface="Euphemia"/>
+        <a:font script="Cher" typeface="Plantagenet Cherokee"/>
+        <a:font script="Yiii" typeface="Microsoft Yi Baiti"/>
+        <a:font script="Tibt" typeface="Microsoft Himalaya"/>
+        <a:font script="Thaa" typeface="MV Boli"/>
+        <a:font script="Deva" typeface="Mangal"/>
+        <a:font script="Telu" typeface="Gautami"/>
+        <a:font script="Taml" typeface="Latha"/>
+        <a:font script="Syrc" typeface="Estrangelo Edessa"/>
+        <a:font script="Orya" typeface="Kalinga"/>
+        <a:font script="Mlym" typeface="Kartika"/>
+        <a:font script="Laoo" typeface="DokChampa"/>
+        <a:font script="Sinh" typeface="Iskoola Pota"/>
+        <a:font script="Mong" typeface="Mongolian Baiti"/>
+        <a:font script="Viet" typeface="Arial"/>
+        <a:font script="Uigh" typeface="Microsoft Uighur"/>
+        <a:font script="Geor" typeface="Sylfaen"/>
+        <a:font script="Armn" typeface="Arial"/>
+        <a:font script="Bugi" typeface="Leelawadee UI"/>
+        <a:font script="Bopo" typeface="Microsoft JhengHei"/>
+        <a:font script="Java" typeface="Javanese Text"/>
+        <a:font script="Lisu" typeface="Segoe UI"/>
+        <a:font script="Mymr" typeface="Myanmar Text"/>
+        <a:font script="Nkoo" typeface="Ebrima"/>
+        <a:font script="Olck" typeface="Nirmala UI"/>
+        <a:font script="Osma" typeface="Ebrima"/>
+        <a:font script="Phag" typeface="Phagspa"/>
+        <a:font script="Syrn" typeface="Estrangelo Edessa"/>
+        <a:font script="Syrj" typeface="Estrangelo Edessa"/>
+        <a:font script="Syre" typeface="Estrangelo Edessa"/>
+        <a:font script="Sora" typeface="Nirmala UI"/>
+        <a:font script="Tale" typeface="Microsoft Tai Le"/>
+        <a:font script="Talu" typeface="Microsoft New Tai Lue"/>
+        <a:font script="Tfng" typeface="Ebrima"/>
+      </a:minorFont>
+    </a:fontScheme>
+    <a:fmtScheme name="Office">
+      <a:fillStyleLst>
+        <a:solidFill>
+          <a:schemeClr val="phClr"/>
+        </a:solidFill>
+        <a:gradFill rotWithShape="1">
+          <a:gsLst>
+            <a:gs pos="0">
+              <a:schemeClr val="phClr">
+                <a:lumMod val="110000"/>
+                <a:satMod val="105000"/>
+                <a:tint val="67000"/>
+              </a:schemeClr>
+            </a:gs>
+            <a:gs pos="50000">
+              <a:schemeClr val="phClr">
+                <a:lumMod val="105000"/>
+                <a:satMod val="103000"/>
+                <a:tint val="73000"/>
+              </a:schemeClr>
+            </a:gs>
+            <a:gs pos="100000">
+              <a:schemeClr val="phClr">
+                <a:lumMod val="105000"/>
+                <a:satMod val="109000"/>
+                <a:tint val="81000"/>
+              </a:schemeClr>
+            </a:gs>
+          </a:gsLst>
+          <a:lin ang="5400000" scaled="0"/>
+        </a:gradFill>
+        <a:gradFill rotWithShape="1">
+          <a:gsLst>
+            <a:gs pos="0">
+              <a:schemeClr val="phClr">
+                <a:satMod val="103000"/>
+                <a:lumMod val="102000"/>
+                <a:tint val="94000"/>
+              </a:schemeClr>
+            </a:gs>
+            <a:gs pos="50000">
+              <a:schemeClr val="phClr">
+                <a:satMod val="110000"/>
+                <a:lumMod val="100000"/>
+                <a:shade val="100000"/>
+              </a:schemeClr>
+            </a:gs>
+            <a:gs pos="100000">
+              <a:schemeClr val="phClr">
+                <a:lumMod val="99000"/>
+                <a:satMod val="120000"/>
+                <a:shade val="78000"/>
+              </a:schemeClr>
+            </a:gs>
+          </a:gsLst>
+          <a:lin ang="5400000" scaled="0"/>
+        </a:gradFill>
+      </a:fillStyleLst>
+      <a:lnStyleLst>
+        <a:ln w="6350" cap="flat" cmpd="sng" algn="ctr">
+          <a:solidFill>
+            <a:schemeClr val="phClr"/>
+          </a:solidFill>
+          <a:prstDash val="solid"/>
+          <a:miter lim="800000"/>
+        </a:ln>
+        <a:ln w="12700" cap="flat" cmpd="sng" algn="ctr">
+          <a:solidFill>
+            <a:schemeClr val="phClr"/>
+          </a:solidFill>
+          <a:prstDash val="solid"/>
+          <a:miter lim="800000"/>
+        </a:ln>
+        <a:ln w="19050" cap="flat" cmpd="sng" algn="ctr">
+          <a:solidFill>
+            <a:schemeClr val="phClr"/>
+          </a:solidFill>
+          <a:prstDash val="solid"/>
+          <a:miter lim="800000"/>
+        </a:ln>
+      </a:lnStyleLst>
+      <a:effectStyleLst>
+        <a:effectStyle>
+          <a:effectLst/>
+        </a:effectStyle>
+        <a:effectStyle>
+          <a:effectLst/>
+        </a:effectStyle>
+        <a:effectStyle>
+          <a:effectLst>
+            <a:outerShdw blurRad="57150" dist="19050" dir="5400000" algn="ctr" rotWithShape="0">
+              <a:srgbClr val="000000">
+                <a:alpha val="63000"/>
+              </a:srgbClr>
+            </a:outerShdw>
+          </a:effectLst>
+        </a:effectStyle>
+      </a:effectStyleLst>
+      <a:bgFillStyleLst>
+        <a:solidFill>
+          <a:schemeClr val="phClr"/>
+        </a:solidFill>
+        <a:solidFill>
+          <a:schemeClr val="phClr">
+            <a:tint val="95000"/>
+            <a:satMod val="170000"/>
+          </a:schemeClr>
+        </a:solidFill>
+        <a:gradFill rotWithShape="1">
+          <a:gsLst>
+            <a:gs pos="0">
+              <a:schemeClr val="phClr">
+                <a:tint val="93000"/>
+                <a:satMod val="150000"/>
+                <a:shade val="98000"/>
+                <a:lumMod val="102000"/>
+              </a:schemeClr>
+            </a:gs>
+            <a:gs pos="50000">
+              <a:schemeClr val="phClr">
+                <a:tint val="98000"/>
+                <a:satMod val="130000"/>
+                <a:shade val="90000"/>
+                <a:lumMod val="103000"/>
+              </a:schemeClr>
+            </a:gs>
+            <a:gs pos="100000">
+              <a:schemeClr val="phClr">
+                <a:shade val="63000"/>
+                <a:satMod val="120000"/>
+              </a:schemeClr>
+            </a:gs>
+          </a:gsLst>
+          <a:lin ang="5400000" scaled="0"/>
+        </a:gradFill>
+      </a:bgFillStyleLst>
+    </a:fmtScheme>
+  </a:themeElements>
+  <a:objectDefaults/>
+  <a:extraClrSchemeLst/>
+  <a:extLst>
+    <a:ext uri="{05A4C25C-085E-4340-85A3-A5531E510DB2}">
+      <thm15:themeFamily xmlns:thm15="http://schemas.microsoft.com/office/thememl/2012/main" name="Office Theme" id="{62F939B6-93AF-4DB8-9C6B-D6C7DFDC589F}" vid="{4A3C46E8-61CC-4603-A589-7422A47A8E4A}"/>
+    </a:ext>
+  </a:extLst>
+</a:theme>
+</file>
+
 <file path=docMetadata/LabelInfo.xml><?xml version="1.0" encoding="utf-8"?>
 <clbl:labelList xmlns:clbl="http://schemas.microsoft.com/office/2020/mipLabelMetadata">
   <clbl:label id="{f42aa342-8706-4288-bd11-ebb85995028c}" enabled="1" method="Standard" siteId="{72f988bf-86f1-41af-91ab-2d7cd011db47}" removed="0"/>
